--- a/IDOS_TestProject_Dotu_Alexandr.pptx
+++ b/IDOS_TestProject_Dotu_Alexandr.pptx
@@ -5,7 +5,7 @@
     <p:sldMasterId id="2147483714" r:id="rId1"/>
   </p:sldMasterIdLst>
   <p:notesMasterIdLst>
-    <p:notesMasterId r:id="rId11"/>
+    <p:notesMasterId r:id="rId13"/>
   </p:notesMasterIdLst>
   <p:sldIdLst>
     <p:sldId id="261" r:id="rId2"/>
@@ -13,10 +13,12 @@
     <p:sldId id="264" r:id="rId4"/>
     <p:sldId id="263" r:id="rId5"/>
     <p:sldId id="265" r:id="rId6"/>
-    <p:sldId id="266" r:id="rId7"/>
-    <p:sldId id="267" r:id="rId8"/>
-    <p:sldId id="260" r:id="rId9"/>
-    <p:sldId id="257" r:id="rId10"/>
+    <p:sldId id="269" r:id="rId7"/>
+    <p:sldId id="266" r:id="rId8"/>
+    <p:sldId id="267" r:id="rId9"/>
+    <p:sldId id="260" r:id="rId10"/>
+    <p:sldId id="257" r:id="rId11"/>
+    <p:sldId id="268" r:id="rId12"/>
   </p:sldIdLst>
   <p:sldSz cx="9144000" cy="6858000" type="screen4x3"/>
   <p:notesSz cx="6858000" cy="9144000"/>
@@ -121,6 +123,18 @@
     </p:ext>
   </p:extLst>
 </p:presentation>
+</file>
+
+<file path=ppt/commentAuthors.xml><?xml version="1.0" encoding="utf-8"?>
+<p:cmAuthorLst xmlns:a="http://schemas.openxmlformats.org/drawingml/2006/main" xmlns:r="http://schemas.openxmlformats.org/officeDocument/2006/relationships" xmlns:p="http://schemas.openxmlformats.org/presentationml/2006/main">
+  <p:cmAuthor id="1" name="Учетная запись Майкрософт" initials="УзМ" lastIdx="0" clrIdx="0">
+    <p:extLst>
+      <p:ext uri="{19B8F6BF-5375-455C-9EA6-DF929625EA0E}">
+        <p15:presenceInfo xmlns:p15="http://schemas.microsoft.com/office/powerpoint/2012/main" userId="6631ee100568a88b" providerId="Windows Live"/>
+      </p:ext>
+    </p:extLst>
+  </p:cmAuthor>
+</p:cmAuthorLst>
 </file>
 
 <file path=ppt/notesMasters/notesMaster1.xml><?xml version="1.0" encoding="utf-8"?>
@@ -562,6 +576,184 @@
 </p:notes>
 </file>
 
+<file path=ppt/notesSlides/notesSlide10.xml><?xml version="1.0" encoding="utf-8"?>
+<p:notes xmlns:a="http://schemas.openxmlformats.org/drawingml/2006/main" xmlns:r="http://schemas.openxmlformats.org/officeDocument/2006/relationships" xmlns:p="http://schemas.openxmlformats.org/presentationml/2006/main">
+  <p:cSld>
+    <p:spTree>
+      <p:nvGrpSpPr>
+        <p:cNvPr id="1" name=""/>
+        <p:cNvGrpSpPr/>
+        <p:nvPr/>
+      </p:nvGrpSpPr>
+      <p:grpSpPr>
+        <a:xfrm>
+          <a:off x="0" y="0"/>
+          <a:ext cx="0" cy="0"/>
+          <a:chOff x="0" y="0"/>
+          <a:chExt cx="0" cy="0"/>
+        </a:xfrm>
+      </p:grpSpPr>
+      <p:sp>
+        <p:nvSpPr>
+          <p:cNvPr id="2" name="Образ слайда 1"/>
+          <p:cNvSpPr>
+            <a:spLocks noGrp="1" noRot="1" noChangeAspect="1"/>
+          </p:cNvSpPr>
+          <p:nvPr>
+            <p:ph type="sldImg"/>
+          </p:nvPr>
+        </p:nvSpPr>
+        <p:spPr>
+          <a:xfrm>
+            <a:off x="1371600" y="1143000"/>
+            <a:ext cx="4114800" cy="3086100"/>
+          </a:xfrm>
+        </p:spPr>
+      </p:sp>
+      <p:sp>
+        <p:nvSpPr>
+          <p:cNvPr id="3" name="Заметки 2"/>
+          <p:cNvSpPr>
+            <a:spLocks noGrp="1"/>
+          </p:cNvSpPr>
+          <p:nvPr>
+            <p:ph type="body" idx="1"/>
+          </p:nvPr>
+        </p:nvSpPr>
+        <p:spPr/>
+        <p:txBody>
+          <a:bodyPr/>
+          <a:lstStyle/>
+          <a:p>
+            <a:endParaRPr lang="en-US"/>
+          </a:p>
+        </p:txBody>
+      </p:sp>
+      <p:sp>
+        <p:nvSpPr>
+          <p:cNvPr id="4" name="Номер слайда 3"/>
+          <p:cNvSpPr>
+            <a:spLocks noGrp="1"/>
+          </p:cNvSpPr>
+          <p:nvPr>
+            <p:ph type="sldNum" sz="quarter" idx="10"/>
+          </p:nvPr>
+        </p:nvSpPr>
+        <p:spPr/>
+        <p:txBody>
+          <a:bodyPr/>
+          <a:lstStyle/>
+          <a:p>
+            <a:fld id="{28387F2E-C87D-4262-A6E2-73D2CE6EC267}" type="slidenum">
+              <a:rPr lang="en-US" smtClean="0"/>
+              <a:t>10</a:t>
+            </a:fld>
+            <a:endParaRPr lang="en-US"/>
+          </a:p>
+        </p:txBody>
+      </p:sp>
+    </p:spTree>
+    <p:extLst>
+      <p:ext uri="{BB962C8B-B14F-4D97-AF65-F5344CB8AC3E}">
+        <p14:creationId xmlns:p14="http://schemas.microsoft.com/office/powerpoint/2010/main" val="2515471705"/>
+      </p:ext>
+    </p:extLst>
+  </p:cSld>
+  <p:clrMapOvr>
+    <a:masterClrMapping/>
+  </p:clrMapOvr>
+</p:notes>
+</file>
+
+<file path=ppt/notesSlides/notesSlide11.xml><?xml version="1.0" encoding="utf-8"?>
+<p:notes xmlns:a="http://schemas.openxmlformats.org/drawingml/2006/main" xmlns:r="http://schemas.openxmlformats.org/officeDocument/2006/relationships" xmlns:p="http://schemas.openxmlformats.org/presentationml/2006/main">
+  <p:cSld>
+    <p:spTree>
+      <p:nvGrpSpPr>
+        <p:cNvPr id="1" name=""/>
+        <p:cNvGrpSpPr/>
+        <p:nvPr/>
+      </p:nvGrpSpPr>
+      <p:grpSpPr>
+        <a:xfrm>
+          <a:off x="0" y="0"/>
+          <a:ext cx="0" cy="0"/>
+          <a:chOff x="0" y="0"/>
+          <a:chExt cx="0" cy="0"/>
+        </a:xfrm>
+      </p:grpSpPr>
+      <p:sp>
+        <p:nvSpPr>
+          <p:cNvPr id="2" name="Образ слайда 1"/>
+          <p:cNvSpPr>
+            <a:spLocks noGrp="1" noRot="1" noChangeAspect="1"/>
+          </p:cNvSpPr>
+          <p:nvPr>
+            <p:ph type="sldImg"/>
+          </p:nvPr>
+        </p:nvSpPr>
+        <p:spPr>
+          <a:xfrm>
+            <a:off x="1371600" y="1143000"/>
+            <a:ext cx="4114800" cy="3086100"/>
+          </a:xfrm>
+        </p:spPr>
+      </p:sp>
+      <p:sp>
+        <p:nvSpPr>
+          <p:cNvPr id="3" name="Заметки 2"/>
+          <p:cNvSpPr>
+            <a:spLocks noGrp="1"/>
+          </p:cNvSpPr>
+          <p:nvPr>
+            <p:ph type="body" idx="1"/>
+          </p:nvPr>
+        </p:nvSpPr>
+        <p:spPr/>
+        <p:txBody>
+          <a:bodyPr/>
+          <a:lstStyle/>
+          <a:p>
+            <a:endParaRPr lang="en-US"/>
+          </a:p>
+        </p:txBody>
+      </p:sp>
+      <p:sp>
+        <p:nvSpPr>
+          <p:cNvPr id="4" name="Номер слайда 3"/>
+          <p:cNvSpPr>
+            <a:spLocks noGrp="1"/>
+          </p:cNvSpPr>
+          <p:nvPr>
+            <p:ph type="sldNum" sz="quarter" idx="10"/>
+          </p:nvPr>
+        </p:nvSpPr>
+        <p:spPr/>
+        <p:txBody>
+          <a:bodyPr/>
+          <a:lstStyle/>
+          <a:p>
+            <a:fld id="{28387F2E-C87D-4262-A6E2-73D2CE6EC267}" type="slidenum">
+              <a:rPr lang="en-US" smtClean="0"/>
+              <a:t>11</a:t>
+            </a:fld>
+            <a:endParaRPr lang="en-US"/>
+          </a:p>
+        </p:txBody>
+      </p:sp>
+    </p:spTree>
+    <p:extLst>
+      <p:ext uri="{BB962C8B-B14F-4D97-AF65-F5344CB8AC3E}">
+        <p14:creationId xmlns:p14="http://schemas.microsoft.com/office/powerpoint/2010/main" val="3421379233"/>
+      </p:ext>
+    </p:extLst>
+  </p:cSld>
+  <p:clrMapOvr>
+    <a:masterClrMapping/>
+  </p:clrMapOvr>
+</p:notes>
+</file>
+
 <file path=ppt/notesSlides/notesSlide2.xml><?xml version="1.0" encoding="utf-8"?>
 <p:notes xmlns:a="http://schemas.openxmlformats.org/drawingml/2006/main" xmlns:r="http://schemas.openxmlformats.org/officeDocument/2006/relationships" xmlns:p="http://schemas.openxmlformats.org/presentationml/2006/main">
   <p:cSld>
@@ -997,7 +1189,7 @@
     </p:spTree>
     <p:extLst>
       <p:ext uri="{BB962C8B-B14F-4D97-AF65-F5344CB8AC3E}">
-        <p14:creationId xmlns:p14="http://schemas.microsoft.com/office/powerpoint/2010/main" val="1797097111"/>
+        <p14:creationId xmlns:p14="http://schemas.microsoft.com/office/powerpoint/2010/main" val="4026490590"/>
       </p:ext>
     </p:extLst>
   </p:cSld>
@@ -1086,7 +1278,7 @@
     </p:spTree>
     <p:extLst>
       <p:ext uri="{BB962C8B-B14F-4D97-AF65-F5344CB8AC3E}">
-        <p14:creationId xmlns:p14="http://schemas.microsoft.com/office/powerpoint/2010/main" val="3090208664"/>
+        <p14:creationId xmlns:p14="http://schemas.microsoft.com/office/powerpoint/2010/main" val="1797097111"/>
       </p:ext>
     </p:extLst>
   </p:cSld>
@@ -1175,7 +1367,7 @@
     </p:spTree>
     <p:extLst>
       <p:ext uri="{BB962C8B-B14F-4D97-AF65-F5344CB8AC3E}">
-        <p14:creationId xmlns:p14="http://schemas.microsoft.com/office/powerpoint/2010/main" val="1128117727"/>
+        <p14:creationId xmlns:p14="http://schemas.microsoft.com/office/powerpoint/2010/main" val="3090208664"/>
       </p:ext>
     </p:extLst>
   </p:cSld>
@@ -1264,7 +1456,7 @@
     </p:spTree>
     <p:extLst>
       <p:ext uri="{BB962C8B-B14F-4D97-AF65-F5344CB8AC3E}">
-        <p14:creationId xmlns:p14="http://schemas.microsoft.com/office/powerpoint/2010/main" val="2515471705"/>
+        <p14:creationId xmlns:p14="http://schemas.microsoft.com/office/powerpoint/2010/main" val="1128117727"/>
       </p:ext>
     </p:extLst>
   </p:cSld>
@@ -9774,6 +9966,1176 @@
     <p:extLst>
       <p:ext uri="{BB962C8B-B14F-4D97-AF65-F5344CB8AC3E}">
         <p14:creationId xmlns:p14="http://schemas.microsoft.com/office/powerpoint/2010/main" val="297734069"/>
+      </p:ext>
+    </p:extLst>
+  </p:cSld>
+  <p:clrMapOvr>
+    <a:masterClrMapping/>
+  </p:clrMapOvr>
+</p:sld>
+</file>
+
+<file path=ppt/slides/slide10.xml><?xml version="1.0" encoding="utf-8"?>
+<p:sld xmlns:a="http://schemas.openxmlformats.org/drawingml/2006/main" xmlns:r="http://schemas.openxmlformats.org/officeDocument/2006/relationships" xmlns:p="http://schemas.openxmlformats.org/presentationml/2006/main" showMasterSp="0">
+  <p:cSld>
+    <p:spTree>
+      <p:nvGrpSpPr>
+        <p:cNvPr id="1" name=""/>
+        <p:cNvGrpSpPr/>
+        <p:nvPr/>
+      </p:nvGrpSpPr>
+      <p:grpSpPr>
+        <a:xfrm>
+          <a:off x="0" y="0"/>
+          <a:ext cx="0" cy="0"/>
+          <a:chOff x="0" y="0"/>
+          <a:chExt cx="0" cy="0"/>
+        </a:xfrm>
+      </p:grpSpPr>
+      <p:sp>
+        <p:nvSpPr>
+          <p:cNvPr id="2" name="Заголовок 1"/>
+          <p:cNvSpPr>
+            <a:spLocks noGrp="1"/>
+          </p:cNvSpPr>
+          <p:nvPr>
+            <p:ph type="title"/>
+          </p:nvPr>
+        </p:nvSpPr>
+        <p:spPr>
+          <a:xfrm>
+            <a:off x="0" y="178290"/>
+            <a:ext cx="7210396" cy="666214"/>
+          </a:xfrm>
+          <a:solidFill>
+            <a:schemeClr val="bg1"/>
+          </a:solidFill>
+        </p:spPr>
+        <p:txBody>
+          <a:bodyPr>
+            <a:normAutofit fontScale="90000"/>
+          </a:bodyPr>
+          <a:lstStyle/>
+          <a:p>
+            <a:r>
+              <a:rPr lang="ru-RU" dirty="0" smtClean="0"/>
+              <a:t>Тестирование </a:t>
+            </a:r>
+            <a:r>
+              <a:rPr lang="en-US" dirty="0" smtClean="0">
+                <a:latin typeface="Arial Rounded MT Bold" panose="020F0704030504030204" pitchFamily="34" charset="0"/>
+              </a:rPr>
+              <a:t>API </a:t>
+            </a:r>
+            <a:r>
+              <a:rPr lang="ru-RU" dirty="0" smtClean="0"/>
+              <a:t>через </a:t>
+            </a:r>
+            <a:r>
+              <a:rPr lang="cs-CZ" dirty="0" smtClean="0">
+                <a:latin typeface="Arial Rounded MT Bold" panose="020F0704030504030204" pitchFamily="34" charset="0"/>
+              </a:rPr>
+              <a:t>Postman</a:t>
+            </a:r>
+            <a:endParaRPr lang="en-US" dirty="0">
+              <a:latin typeface="Arial Rounded MT Bold" panose="020F0704030504030204" pitchFamily="34" charset="0"/>
+            </a:endParaRPr>
+          </a:p>
+        </p:txBody>
+      </p:sp>
+      <p:pic>
+        <p:nvPicPr>
+          <p:cNvPr id="4" name="Объект 3"/>
+          <p:cNvPicPr>
+            <a:picLocks noGrp="1" noChangeAspect="1"/>
+          </p:cNvPicPr>
+          <p:nvPr>
+            <p:ph idx="1"/>
+          </p:nvPr>
+        </p:nvPicPr>
+        <p:blipFill>
+          <a:blip r:embed="rId3" cstate="print">
+            <a:extLst>
+              <a:ext uri="{28A0092B-C50C-407E-A947-70E740481C1C}">
+                <a14:useLocalDpi xmlns:a14="http://schemas.microsoft.com/office/drawing/2010/main" val="0"/>
+              </a:ext>
+            </a:extLst>
+          </a:blip>
+          <a:stretch>
+            <a:fillRect/>
+          </a:stretch>
+        </p:blipFill>
+        <p:spPr>
+          <a:xfrm>
+            <a:off x="7739339" y="122061"/>
+            <a:ext cx="892092" cy="892092"/>
+          </a:xfrm>
+          <a:prstGeom prst="roundRect">
+            <a:avLst>
+              <a:gd name="adj" fmla="val 8594"/>
+            </a:avLst>
+          </a:prstGeom>
+          <a:solidFill>
+            <a:srgbClr val="FFFFFF">
+              <a:shade val="85000"/>
+            </a:srgbClr>
+          </a:solidFill>
+          <a:ln>
+            <a:noFill/>
+          </a:ln>
+          <a:effectLst>
+            <a:reflection blurRad="12700" stA="38000" endPos="28000" dist="5000" dir="5400000" sy="-100000" algn="bl" rotWithShape="0"/>
+          </a:effectLst>
+        </p:spPr>
+      </p:pic>
+      <p:sp>
+        <p:nvSpPr>
+          <p:cNvPr id="6" name="Заголовок 1"/>
+          <p:cNvSpPr txBox="1">
+            <a:spLocks/>
+          </p:cNvSpPr>
+          <p:nvPr/>
+        </p:nvSpPr>
+        <p:spPr>
+          <a:xfrm>
+            <a:off x="244572" y="895342"/>
+            <a:ext cx="8409824" cy="5821342"/>
+          </a:xfrm>
+          <a:prstGeom prst="rect">
+            <a:avLst/>
+          </a:prstGeom>
+        </p:spPr>
+        <p:txBody>
+          <a:bodyPr vert="horz" lIns="91440" tIns="45720" rIns="91440" bIns="45720" rtlCol="0" anchor="ctr">
+            <a:noAutofit/>
+          </a:bodyPr>
+          <a:lstStyle>
+            <a:lvl1pPr algn="l" defTabSz="914400" rtl="0" eaLnBrk="1" latinLnBrk="0" hangingPunct="1">
+              <a:lnSpc>
+                <a:spcPct val="90000"/>
+              </a:lnSpc>
+              <a:spcBef>
+                <a:spcPct val="0"/>
+              </a:spcBef>
+              <a:buNone/>
+              <a:defRPr sz="3600" kern="1200">
+                <a:solidFill>
+                  <a:schemeClr val="tx1"/>
+                </a:solidFill>
+                <a:latin typeface="+mj-lt"/>
+                <a:ea typeface="+mj-ea"/>
+                <a:cs typeface="+mj-cs"/>
+              </a:defRPr>
+            </a:lvl1pPr>
+          </a:lstStyle>
+          <a:p>
+            <a:pPr algn="just"/>
+            <a:r>
+              <a:rPr lang="ru-RU" sz="1800" b="1" dirty="0"/>
+              <a:t>API</a:t>
+            </a:r>
+            <a:r>
+              <a:rPr lang="ru-RU" sz="1800" dirty="0"/>
+              <a:t> (</a:t>
+            </a:r>
+            <a:r>
+              <a:rPr lang="ru-RU" sz="1800" dirty="0" err="1"/>
+              <a:t>Application</a:t>
+            </a:r>
+            <a:r>
+              <a:rPr lang="ru-RU" sz="1800" dirty="0"/>
+              <a:t> </a:t>
+            </a:r>
+            <a:r>
+              <a:rPr lang="ru-RU" sz="1800" dirty="0" err="1"/>
+              <a:t>Programming</a:t>
+            </a:r>
+            <a:r>
+              <a:rPr lang="ru-RU" sz="1800" dirty="0"/>
+              <a:t> </a:t>
+            </a:r>
+            <a:r>
+              <a:rPr lang="ru-RU" sz="1800" dirty="0" err="1"/>
+              <a:t>Interface</a:t>
+            </a:r>
+            <a:r>
+              <a:rPr lang="ru-RU" sz="1800" dirty="0"/>
+              <a:t>) - это интерфейс, позволяющий программам взаимодействовать друг с другом, обмениваться данными и предоставлять доступ к своим функциям.</a:t>
+            </a:r>
+          </a:p>
+          <a:p>
+            <a:pPr algn="just"/>
+            <a:endParaRPr lang="en-US" sz="1800" dirty="0">
+              <a:latin typeface="Arial Rounded MT Bold" panose="020F0704030504030204" pitchFamily="34" charset="0"/>
+            </a:endParaRPr>
+          </a:p>
+          <a:p>
+            <a:pPr algn="just"/>
+            <a:r>
+              <a:rPr lang="ru-RU" sz="1800" dirty="0"/>
+              <a:t>Тестирование </a:t>
+            </a:r>
+            <a:r>
+              <a:rPr lang="en-US" sz="1800" dirty="0" smtClean="0">
+                <a:latin typeface="Arial Rounded MT Bold" panose="020F0704030504030204" pitchFamily="34" charset="0"/>
+              </a:rPr>
+              <a:t>API </a:t>
+            </a:r>
+            <a:r>
+              <a:rPr lang="ru-RU" sz="1800" dirty="0"/>
+              <a:t>ресурса </a:t>
+            </a:r>
+            <a:r>
+              <a:rPr lang="en-US" sz="1800" dirty="0">
+                <a:latin typeface="Arial Rounded MT Bold" panose="020F0704030504030204" pitchFamily="34" charset="0"/>
+              </a:rPr>
+              <a:t> </a:t>
+            </a:r>
+            <a:r>
+              <a:rPr lang="cs-CZ" sz="1800" dirty="0">
+                <a:latin typeface="Arial Rounded MT Bold" panose="020F0704030504030204" pitchFamily="34" charset="0"/>
+              </a:rPr>
+              <a:t>IDOS.c</a:t>
+            </a:r>
+            <a:r>
+              <a:rPr lang="en-US" sz="1800" dirty="0">
+                <a:latin typeface="Arial Rounded MT Bold" panose="020F0704030504030204" pitchFamily="34" charset="0"/>
+              </a:rPr>
+              <a:t>z </a:t>
+            </a:r>
+            <a:r>
+              <a:rPr lang="en-US" sz="1800" dirty="0" smtClean="0">
+                <a:latin typeface="Arial Rounded MT Bold" panose="020F0704030504030204" pitchFamily="34" charset="0"/>
+              </a:rPr>
+              <a:t> </a:t>
+            </a:r>
+            <a:r>
+              <a:rPr lang="ru-RU" sz="1800" dirty="0" smtClean="0">
+                <a:latin typeface="Arial Rounded MT Bold" panose="020F0704030504030204" pitchFamily="34" charset="0"/>
+              </a:rPr>
+              <a:t>было осуществлено </a:t>
+            </a:r>
+            <a:r>
+              <a:rPr lang="ru-RU" sz="1800" dirty="0" smtClean="0"/>
+              <a:t>через приложение </a:t>
+            </a:r>
+            <a:r>
+              <a:rPr lang="cs-CZ" sz="1800" dirty="0" smtClean="0">
+                <a:latin typeface="Arial Rounded MT Bold" panose="020F0704030504030204" pitchFamily="34" charset="0"/>
+              </a:rPr>
+              <a:t>POSTMAN,</a:t>
+            </a:r>
+            <a:r>
+              <a:rPr lang="ru-RU" sz="1800" dirty="0" smtClean="0">
+                <a:latin typeface="Arial Rounded MT Bold" panose="020F0704030504030204" pitchFamily="34" charset="0"/>
+              </a:rPr>
+              <a:t> хотя есть и другие альтернативы - такие как </a:t>
+            </a:r>
+            <a:r>
+              <a:rPr lang="cs-CZ" sz="1800" dirty="0" smtClean="0">
+                <a:latin typeface="Arial Rounded MT Bold" panose="020F0704030504030204" pitchFamily="34" charset="0"/>
+              </a:rPr>
+              <a:t>Insomnia, </a:t>
+            </a:r>
+            <a:r>
+              <a:rPr lang="en-US" sz="1800" dirty="0" err="1" smtClean="0">
+                <a:latin typeface="Arial Rounded MT Bold" panose="020F0704030504030204" pitchFamily="34" charset="0"/>
+              </a:rPr>
+              <a:t>Apidog</a:t>
+            </a:r>
+            <a:r>
+              <a:rPr lang="ru-RU" sz="1800" dirty="0" smtClean="0">
+                <a:latin typeface="Arial Rounded MT Bold" panose="020F0704030504030204" pitchFamily="34" charset="0"/>
+              </a:rPr>
+              <a:t>, </a:t>
+            </a:r>
+            <a:r>
+              <a:rPr lang="en-US" sz="1800" dirty="0" err="1">
+                <a:latin typeface="Arial Rounded MT Bold" panose="020F0704030504030204" pitchFamily="34" charset="0"/>
+              </a:rPr>
+              <a:t>SoapUI</a:t>
+            </a:r>
+            <a:r>
+              <a:rPr lang="en-US" sz="1800" dirty="0">
+                <a:latin typeface="Arial Rounded MT Bold" panose="020F0704030504030204" pitchFamily="34" charset="0"/>
+              </a:rPr>
+              <a:t> </a:t>
+            </a:r>
+            <a:r>
+              <a:rPr lang="ru-RU" sz="1800" dirty="0" smtClean="0">
+                <a:latin typeface="Arial Rounded MT Bold" panose="020F0704030504030204" pitchFamily="34" charset="0"/>
+              </a:rPr>
+              <a:t>и другие.</a:t>
+            </a:r>
+          </a:p>
+          <a:p>
+            <a:pPr algn="just"/>
+            <a:endParaRPr lang="ru-RU" sz="1800" dirty="0" smtClean="0">
+              <a:latin typeface="Arial Rounded MT Bold" panose="020F0704030504030204" pitchFamily="34" charset="0"/>
+            </a:endParaRPr>
+          </a:p>
+          <a:p>
+            <a:pPr algn="just"/>
+            <a:r>
+              <a:rPr lang="ru-RU" sz="1800" dirty="0" smtClean="0">
+                <a:latin typeface="Arial Rounded MT Bold" panose="020F0704030504030204" pitchFamily="34" charset="0"/>
+              </a:rPr>
+              <a:t>В ходе тестирования были проверены следующие запросы:  </a:t>
+            </a:r>
+            <a:endParaRPr lang="en-US" dirty="0"/>
+          </a:p>
+          <a:p>
+            <a:pPr marL="742950" lvl="1" indent="-285750" algn="just">
+              <a:buFont typeface="Wingdings" panose="05000000000000000000" pitchFamily="2" charset="2"/>
+              <a:buChar char="Ø"/>
+            </a:pPr>
+            <a:r>
+              <a:rPr lang="ru-RU" dirty="0" smtClean="0">
+                <a:latin typeface="Arial Rounded MT Bold" panose="020F0704030504030204" pitchFamily="34" charset="0"/>
+                <a:ea typeface="+mj-ea"/>
+                <a:cs typeface="+mj-cs"/>
+              </a:rPr>
+              <a:t>корректность </a:t>
+            </a:r>
+            <a:r>
+              <a:rPr lang="ru-RU" dirty="0">
+                <a:latin typeface="Arial Rounded MT Bold" panose="020F0704030504030204" pitchFamily="34" charset="0"/>
+                <a:ea typeface="+mj-ea"/>
+                <a:cs typeface="+mj-cs"/>
+              </a:rPr>
+              <a:t>ответа на запросы поиска маршрутов, включая структуру данных (названия </a:t>
+            </a:r>
+            <a:r>
+              <a:rPr lang="ru-RU" dirty="0" smtClean="0">
+                <a:latin typeface="Arial Rounded MT Bold" panose="020F0704030504030204" pitchFamily="34" charset="0"/>
+                <a:ea typeface="+mj-ea"/>
+                <a:cs typeface="+mj-cs"/>
+              </a:rPr>
+              <a:t>станций и </a:t>
+            </a:r>
+            <a:r>
+              <a:rPr lang="ru-RU" dirty="0">
+                <a:latin typeface="Arial Rounded MT Bold" panose="020F0704030504030204" pitchFamily="34" charset="0"/>
+                <a:ea typeface="+mj-ea"/>
+                <a:cs typeface="+mj-cs"/>
+              </a:rPr>
+              <a:t>время </a:t>
+            </a:r>
+            <a:r>
+              <a:rPr lang="ru-RU" dirty="0" smtClean="0">
+                <a:latin typeface="Arial Rounded MT Bold" panose="020F0704030504030204" pitchFamily="34" charset="0"/>
+                <a:ea typeface="+mj-ea"/>
+                <a:cs typeface="+mj-cs"/>
+              </a:rPr>
+              <a:t>отправления/прибытия);</a:t>
+            </a:r>
+          </a:p>
+          <a:p>
+            <a:pPr marL="742950" lvl="1" indent="-285750" algn="just">
+              <a:buFont typeface="Wingdings" panose="05000000000000000000" pitchFamily="2" charset="2"/>
+              <a:buChar char="Ø"/>
+            </a:pPr>
+            <a:r>
+              <a:rPr lang="ru-RU" dirty="0" smtClean="0">
+                <a:latin typeface="Arial Rounded MT Bold" panose="020F0704030504030204" pitchFamily="34" charset="0"/>
+                <a:ea typeface="+mj-ea"/>
+                <a:cs typeface="+mj-cs"/>
+              </a:rPr>
+              <a:t>API-запросы </a:t>
+            </a:r>
+            <a:r>
+              <a:rPr lang="ru-RU" dirty="0">
+                <a:latin typeface="Arial Rounded MT Bold" panose="020F0704030504030204" pitchFamily="34" charset="0"/>
+                <a:ea typeface="+mj-ea"/>
+                <a:cs typeface="+mj-cs"/>
+              </a:rPr>
+              <a:t>на обработку маршрутов с фильтрами </a:t>
+            </a:r>
+            <a:r>
+              <a:rPr lang="ru-RU" dirty="0" smtClean="0">
+                <a:latin typeface="Arial Rounded MT Bold" panose="020F0704030504030204" pitchFamily="34" charset="0"/>
+                <a:ea typeface="+mj-ea"/>
+                <a:cs typeface="+mj-cs"/>
+              </a:rPr>
+              <a:t>только </a:t>
+            </a:r>
+            <a:r>
+              <a:rPr lang="ru-RU" dirty="0">
+                <a:latin typeface="Arial Rounded MT Bold" panose="020F0704030504030204" pitchFamily="34" charset="0"/>
+                <a:ea typeface="+mj-ea"/>
+                <a:cs typeface="+mj-cs"/>
+              </a:rPr>
+              <a:t>прямые маршруты, время отправления</a:t>
+            </a:r>
+            <a:r>
+              <a:rPr lang="ru-RU" dirty="0" smtClean="0">
+                <a:latin typeface="Arial Rounded MT Bold" panose="020F0704030504030204" pitchFamily="34" charset="0"/>
+                <a:ea typeface="+mj-ea"/>
+                <a:cs typeface="+mj-cs"/>
+              </a:rPr>
+              <a:t>).</a:t>
+            </a:r>
+          </a:p>
+          <a:p>
+            <a:pPr marL="742950" lvl="1" indent="-285750" algn="just">
+              <a:buFont typeface="Wingdings" panose="05000000000000000000" pitchFamily="2" charset="2"/>
+              <a:buChar char="Ø"/>
+            </a:pPr>
+            <a:r>
+              <a:rPr lang="ru-RU" dirty="0" smtClean="0">
+                <a:latin typeface="Arial Rounded MT Bold" panose="020F0704030504030204" pitchFamily="34" charset="0"/>
+                <a:ea typeface="+mj-ea"/>
+                <a:cs typeface="+mj-cs"/>
+              </a:rPr>
+              <a:t>добавление маршрута </a:t>
+            </a:r>
+            <a:r>
+              <a:rPr lang="ru-RU" dirty="0">
+                <a:latin typeface="Arial Rounded MT Bold" panose="020F0704030504030204" pitchFamily="34" charset="0"/>
+                <a:ea typeface="+mj-ea"/>
+                <a:cs typeface="+mj-cs"/>
+              </a:rPr>
+              <a:t>в «</a:t>
+            </a:r>
+            <a:r>
+              <a:rPr lang="ru-RU" dirty="0" smtClean="0">
+                <a:latin typeface="Arial Rounded MT Bold" panose="020F0704030504030204" pitchFamily="34" charset="0"/>
+                <a:ea typeface="+mj-ea"/>
+                <a:cs typeface="+mj-cs"/>
+              </a:rPr>
+              <a:t>Избранное»;</a:t>
+            </a:r>
+          </a:p>
+          <a:p>
+            <a:pPr marL="742950" lvl="1" indent="-285750" algn="just">
+              <a:buFont typeface="Wingdings" panose="05000000000000000000" pitchFamily="2" charset="2"/>
+              <a:buChar char="Ø"/>
+            </a:pPr>
+            <a:r>
+              <a:rPr lang="ru-RU" dirty="0" smtClean="0">
+                <a:latin typeface="Arial Rounded MT Bold" panose="020F0704030504030204" pitchFamily="34" charset="0"/>
+                <a:ea typeface="+mj-ea"/>
+                <a:cs typeface="+mj-cs"/>
+              </a:rPr>
+              <a:t>отображение карты построенного маршрута;</a:t>
+            </a:r>
+          </a:p>
+          <a:p>
+            <a:pPr marL="742950" lvl="1" indent="-285750" algn="just">
+              <a:buFont typeface="Wingdings" panose="05000000000000000000" pitchFamily="2" charset="2"/>
+              <a:buChar char="Ø"/>
+            </a:pPr>
+            <a:r>
+              <a:rPr lang="ru-RU" dirty="0" smtClean="0">
+                <a:latin typeface="Arial Rounded MT Bold" panose="020F0704030504030204" pitchFamily="34" charset="0"/>
+                <a:ea typeface="+mj-ea"/>
+                <a:cs typeface="+mj-cs"/>
+              </a:rPr>
+              <a:t>добавление построенного маршрута в корзину для оплаты билетов;</a:t>
+            </a:r>
+          </a:p>
+          <a:p>
+            <a:pPr marL="742950" lvl="1" indent="-285750" algn="just">
+              <a:buFont typeface="Wingdings" panose="05000000000000000000" pitchFamily="2" charset="2"/>
+              <a:buChar char="Ø"/>
+            </a:pPr>
+            <a:r>
+              <a:rPr lang="ru-RU" dirty="0" smtClean="0">
+                <a:latin typeface="Arial Rounded MT Bold" panose="020F0704030504030204" pitchFamily="34" charset="0"/>
+                <a:ea typeface="+mj-ea"/>
+                <a:cs typeface="+mj-cs"/>
+              </a:rPr>
+              <a:t>корректность отображения в запросе итоговой суммы к оплате.</a:t>
+            </a:r>
+            <a:endParaRPr lang="en-US" sz="1800" dirty="0">
+              <a:latin typeface="Arial Rounded MT Bold" panose="020F0704030504030204" pitchFamily="34" charset="0"/>
+            </a:endParaRPr>
+          </a:p>
+        </p:txBody>
+      </p:sp>
+    </p:spTree>
+    <p:extLst>
+      <p:ext uri="{BB962C8B-B14F-4D97-AF65-F5344CB8AC3E}">
+        <p14:creationId xmlns:p14="http://schemas.microsoft.com/office/powerpoint/2010/main" val="2911503002"/>
+      </p:ext>
+    </p:extLst>
+  </p:cSld>
+  <p:clrMapOvr>
+    <a:masterClrMapping/>
+  </p:clrMapOvr>
+</p:sld>
+</file>
+
+<file path=ppt/slides/slide11.xml><?xml version="1.0" encoding="utf-8"?>
+<p:sld xmlns:a="http://schemas.openxmlformats.org/drawingml/2006/main" xmlns:r="http://schemas.openxmlformats.org/officeDocument/2006/relationships" xmlns:p="http://schemas.openxmlformats.org/presentationml/2006/main" showMasterSp="0">
+  <p:cSld>
+    <p:spTree>
+      <p:nvGrpSpPr>
+        <p:cNvPr id="1" name=""/>
+        <p:cNvGrpSpPr/>
+        <p:nvPr/>
+      </p:nvGrpSpPr>
+      <p:grpSpPr>
+        <a:xfrm>
+          <a:off x="0" y="0"/>
+          <a:ext cx="0" cy="0"/>
+          <a:chOff x="0" y="0"/>
+          <a:chExt cx="0" cy="0"/>
+        </a:xfrm>
+      </p:grpSpPr>
+      <p:sp>
+        <p:nvSpPr>
+          <p:cNvPr id="2" name="Заголовок 1"/>
+          <p:cNvSpPr>
+            <a:spLocks noGrp="1"/>
+          </p:cNvSpPr>
+          <p:nvPr>
+            <p:ph type="title"/>
+          </p:nvPr>
+        </p:nvSpPr>
+        <p:spPr>
+          <a:xfrm>
+            <a:off x="0" y="178290"/>
+            <a:ext cx="7526956" cy="666214"/>
+          </a:xfrm>
+          <a:solidFill>
+            <a:schemeClr val="bg1"/>
+          </a:solidFill>
+        </p:spPr>
+        <p:txBody>
+          <a:bodyPr>
+            <a:noAutofit/>
+          </a:bodyPr>
+          <a:lstStyle/>
+          <a:p>
+            <a:r>
+              <a:rPr lang="ru-RU" sz="2000" dirty="0" smtClean="0"/>
+              <a:t>Тест 4.1. К</a:t>
+            </a:r>
+            <a:r>
+              <a:rPr lang="ru-RU" sz="2000" dirty="0" smtClean="0"/>
+              <a:t>орректность </a:t>
+            </a:r>
+            <a:r>
+              <a:rPr lang="ru-RU" sz="2000" dirty="0"/>
+              <a:t>ответа на запросы поиска маршрутов</a:t>
+            </a:r>
+            <a:endParaRPr lang="en-US" sz="2000" dirty="0"/>
+          </a:p>
+        </p:txBody>
+      </p:sp>
+      <p:pic>
+        <p:nvPicPr>
+          <p:cNvPr id="4" name="Объект 3"/>
+          <p:cNvPicPr>
+            <a:picLocks noGrp="1" noChangeAspect="1"/>
+          </p:cNvPicPr>
+          <p:nvPr>
+            <p:ph idx="1"/>
+          </p:nvPr>
+        </p:nvPicPr>
+        <p:blipFill>
+          <a:blip r:embed="rId3" cstate="print">
+            <a:extLst>
+              <a:ext uri="{28A0092B-C50C-407E-A947-70E740481C1C}">
+                <a14:useLocalDpi xmlns:a14="http://schemas.microsoft.com/office/drawing/2010/main" val="0"/>
+              </a:ext>
+            </a:extLst>
+          </a:blip>
+          <a:stretch>
+            <a:fillRect/>
+          </a:stretch>
+        </p:blipFill>
+        <p:spPr>
+          <a:xfrm>
+            <a:off x="7941733" y="179363"/>
+            <a:ext cx="651197" cy="651197"/>
+          </a:xfrm>
+          <a:prstGeom prst="roundRect">
+            <a:avLst>
+              <a:gd name="adj" fmla="val 8594"/>
+            </a:avLst>
+          </a:prstGeom>
+          <a:solidFill>
+            <a:srgbClr val="FFFFFF">
+              <a:shade val="85000"/>
+            </a:srgbClr>
+          </a:solidFill>
+          <a:ln>
+            <a:noFill/>
+          </a:ln>
+          <a:effectLst>
+            <a:reflection blurRad="12700" stA="38000" endPos="28000" dist="5000" dir="5400000" sy="-100000" algn="bl" rotWithShape="0"/>
+          </a:effectLst>
+        </p:spPr>
+      </p:pic>
+      <p:pic>
+        <p:nvPicPr>
+          <p:cNvPr id="3" name="Рисунок 2"/>
+          <p:cNvPicPr>
+            <a:picLocks noChangeAspect="1"/>
+          </p:cNvPicPr>
+          <p:nvPr/>
+        </p:nvPicPr>
+        <p:blipFill>
+          <a:blip r:embed="rId4"/>
+          <a:stretch>
+            <a:fillRect/>
+          </a:stretch>
+        </p:blipFill>
+        <p:spPr>
+          <a:xfrm>
+            <a:off x="86627" y="3584075"/>
+            <a:ext cx="6718434" cy="3159941"/>
+          </a:xfrm>
+          <a:prstGeom prst="rect">
+            <a:avLst/>
+          </a:prstGeom>
+        </p:spPr>
+      </p:pic>
+      <p:sp>
+        <p:nvSpPr>
+          <p:cNvPr id="5" name="Овал 4"/>
+          <p:cNvSpPr/>
+          <p:nvPr/>
+        </p:nvSpPr>
+        <p:spPr>
+          <a:xfrm>
+            <a:off x="4812631" y="5232400"/>
+            <a:ext cx="699169" cy="231273"/>
+          </a:xfrm>
+          <a:prstGeom prst="ellipse">
+            <a:avLst/>
+          </a:prstGeom>
+          <a:noFill/>
+          <a:ln>
+            <a:solidFill>
+              <a:srgbClr val="FF0000"/>
+            </a:solidFill>
+          </a:ln>
+        </p:spPr>
+        <p:style>
+          <a:lnRef idx="2">
+            <a:schemeClr val="accent1">
+              <a:shade val="50000"/>
+            </a:schemeClr>
+          </a:lnRef>
+          <a:fillRef idx="1">
+            <a:schemeClr val="accent1"/>
+          </a:fillRef>
+          <a:effectRef idx="0">
+            <a:schemeClr val="accent1"/>
+          </a:effectRef>
+          <a:fontRef idx="minor">
+            <a:schemeClr val="lt1"/>
+          </a:fontRef>
+        </p:style>
+        <p:txBody>
+          <a:bodyPr rtlCol="0" anchor="ctr"/>
+          <a:lstStyle/>
+          <a:p>
+            <a:pPr algn="ctr"/>
+            <a:endParaRPr lang="en-US"/>
+          </a:p>
+        </p:txBody>
+      </p:sp>
+      <p:pic>
+        <p:nvPicPr>
+          <p:cNvPr id="7" name="Рисунок 6"/>
+          <p:cNvPicPr>
+            <a:picLocks noChangeAspect="1"/>
+          </p:cNvPicPr>
+          <p:nvPr/>
+        </p:nvPicPr>
+        <p:blipFill>
+          <a:blip r:embed="rId5"/>
+          <a:stretch>
+            <a:fillRect/>
+          </a:stretch>
+        </p:blipFill>
+        <p:spPr>
+          <a:xfrm>
+            <a:off x="84667" y="977769"/>
+            <a:ext cx="6739774" cy="2553543"/>
+          </a:xfrm>
+          <a:prstGeom prst="rect">
+            <a:avLst/>
+          </a:prstGeom>
+        </p:spPr>
+      </p:pic>
+      <p:pic>
+        <p:nvPicPr>
+          <p:cNvPr id="8" name="Рисунок 7"/>
+          <p:cNvPicPr>
+            <a:picLocks noChangeAspect="1"/>
+          </p:cNvPicPr>
+          <p:nvPr/>
+        </p:nvPicPr>
+        <p:blipFill>
+          <a:blip r:embed="rId6"/>
+          <a:stretch>
+            <a:fillRect/>
+          </a:stretch>
+        </p:blipFill>
+        <p:spPr>
+          <a:xfrm>
+            <a:off x="6941318" y="2614826"/>
+            <a:ext cx="1976521" cy="424707"/>
+          </a:xfrm>
+          <a:prstGeom prst="rect">
+            <a:avLst/>
+          </a:prstGeom>
+        </p:spPr>
+      </p:pic>
+      <p:sp>
+        <p:nvSpPr>
+          <p:cNvPr id="10" name="Прямоугольник с двумя скругленными противолежащими углами 9"/>
+          <p:cNvSpPr/>
+          <p:nvPr/>
+        </p:nvSpPr>
+        <p:spPr>
+          <a:xfrm>
+            <a:off x="6843562" y="3657600"/>
+            <a:ext cx="2165684" cy="3060834"/>
+          </a:xfrm>
+          <a:prstGeom prst="round2DiagRect">
+            <a:avLst/>
+          </a:prstGeom>
+          <a:noFill/>
+          <a:ln w="57150">
+            <a:solidFill>
+              <a:srgbClr val="FF0000"/>
+            </a:solidFill>
+          </a:ln>
+          <a:effectLst>
+            <a:outerShdw blurRad="149987" dist="250190" dir="8460000" algn="ctr">
+              <a:srgbClr val="000000">
+                <a:alpha val="28000"/>
+              </a:srgbClr>
+            </a:outerShdw>
+          </a:effectLst>
+          <a:scene3d>
+            <a:camera prst="orthographicFront">
+              <a:rot lat="0" lon="0" rev="0"/>
+            </a:camera>
+            <a:lightRig rig="contrasting" dir="t">
+              <a:rot lat="0" lon="0" rev="1500000"/>
+            </a:lightRig>
+          </a:scene3d>
+          <a:sp3d prstMaterial="metal">
+            <a:bevelT w="88900" h="88900"/>
+          </a:sp3d>
+        </p:spPr>
+        <p:style>
+          <a:lnRef idx="2">
+            <a:schemeClr val="accent1">
+              <a:shade val="50000"/>
+            </a:schemeClr>
+          </a:lnRef>
+          <a:fillRef idx="1">
+            <a:schemeClr val="accent1"/>
+          </a:fillRef>
+          <a:effectRef idx="0">
+            <a:schemeClr val="accent1"/>
+          </a:effectRef>
+          <a:fontRef idx="minor">
+            <a:schemeClr val="lt1"/>
+          </a:fontRef>
+        </p:style>
+        <p:txBody>
+          <a:bodyPr rtlCol="0" anchor="ctr"/>
+          <a:lstStyle/>
+          <a:p>
+            <a:r>
+              <a:rPr lang="ru-RU" sz="1200" dirty="0" smtClean="0"/>
+              <a:t>В </a:t>
+            </a:r>
+            <a:r>
+              <a:rPr lang="ru-RU" sz="1200" dirty="0" err="1"/>
+              <a:t>П</a:t>
+            </a:r>
+            <a:r>
+              <a:rPr lang="ru-RU" sz="1200" dirty="0" err="1" smtClean="0"/>
+              <a:t>остмане</a:t>
+            </a:r>
+            <a:r>
+              <a:rPr lang="ru-RU" sz="1200" dirty="0" smtClean="0"/>
+              <a:t> написан скрипт на проверку наличия текста «Прага» и «Брно». Тесты завершены со статусом «200 ОК»</a:t>
+            </a:r>
+          </a:p>
+          <a:p>
+            <a:endParaRPr lang="ru-RU" sz="1200" dirty="0" smtClean="0"/>
+          </a:p>
+          <a:p>
+            <a:r>
+              <a:rPr lang="ru-RU" sz="1200" dirty="0" smtClean="0"/>
+              <a:t>Наличие этих полей во вкладке </a:t>
+            </a:r>
+            <a:r>
+              <a:rPr lang="en-US" sz="1200" dirty="0" smtClean="0"/>
+              <a:t>“</a:t>
+            </a:r>
+            <a:r>
+              <a:rPr lang="cs-CZ" sz="1200" dirty="0" smtClean="0"/>
+              <a:t>Body</a:t>
+            </a:r>
+            <a:r>
+              <a:rPr lang="en-US" sz="1200" dirty="0" smtClean="0"/>
+              <a:t>”</a:t>
+            </a:r>
+            <a:r>
+              <a:rPr lang="ru-RU" sz="1200" dirty="0" smtClean="0"/>
+              <a:t>свидетельствует о правильности ответа на запрос</a:t>
+            </a:r>
+            <a:r>
+              <a:rPr lang="ru-RU" sz="1400" dirty="0" smtClean="0"/>
+              <a:t>.</a:t>
+            </a:r>
+          </a:p>
+          <a:p>
+            <a:endParaRPr lang="en-US" sz="1400" dirty="0"/>
+          </a:p>
+        </p:txBody>
+      </p:sp>
+      <p:pic>
+        <p:nvPicPr>
+          <p:cNvPr id="11" name="Рисунок 10"/>
+          <p:cNvPicPr>
+            <a:picLocks noChangeAspect="1"/>
+          </p:cNvPicPr>
+          <p:nvPr/>
+        </p:nvPicPr>
+        <p:blipFill>
+          <a:blip r:embed="rId7"/>
+          <a:stretch>
+            <a:fillRect/>
+          </a:stretch>
+        </p:blipFill>
+        <p:spPr>
+          <a:xfrm>
+            <a:off x="6934200" y="6208794"/>
+            <a:ext cx="1949914" cy="324986"/>
+          </a:xfrm>
+          <a:prstGeom prst="rect">
+            <a:avLst/>
+          </a:prstGeom>
+        </p:spPr>
+      </p:pic>
+      <p:sp>
+        <p:nvSpPr>
+          <p:cNvPr id="12" name="Овал 11"/>
+          <p:cNvSpPr/>
+          <p:nvPr/>
+        </p:nvSpPr>
+        <p:spPr>
+          <a:xfrm>
+            <a:off x="706296" y="1981200"/>
+            <a:ext cx="699169" cy="231273"/>
+          </a:xfrm>
+          <a:prstGeom prst="ellipse">
+            <a:avLst/>
+          </a:prstGeom>
+          <a:noFill/>
+          <a:ln>
+            <a:solidFill>
+              <a:srgbClr val="FF0000"/>
+            </a:solidFill>
+          </a:ln>
+        </p:spPr>
+        <p:style>
+          <a:lnRef idx="2">
+            <a:schemeClr val="accent1">
+              <a:shade val="50000"/>
+            </a:schemeClr>
+          </a:lnRef>
+          <a:fillRef idx="1">
+            <a:schemeClr val="accent1"/>
+          </a:fillRef>
+          <a:effectRef idx="0">
+            <a:schemeClr val="accent1"/>
+          </a:effectRef>
+          <a:fontRef idx="minor">
+            <a:schemeClr val="lt1"/>
+          </a:fontRef>
+        </p:style>
+        <p:txBody>
+          <a:bodyPr rtlCol="0" anchor="ctr"/>
+          <a:lstStyle/>
+          <a:p>
+            <a:pPr algn="ctr"/>
+            <a:endParaRPr lang="en-US"/>
+          </a:p>
+        </p:txBody>
+      </p:sp>
+      <p:sp>
+        <p:nvSpPr>
+          <p:cNvPr id="13" name="Овал 12"/>
+          <p:cNvSpPr/>
+          <p:nvPr/>
+        </p:nvSpPr>
+        <p:spPr>
+          <a:xfrm>
+            <a:off x="5235965" y="2616201"/>
+            <a:ext cx="699169" cy="231273"/>
+          </a:xfrm>
+          <a:prstGeom prst="ellipse">
+            <a:avLst/>
+          </a:prstGeom>
+          <a:noFill/>
+          <a:ln>
+            <a:solidFill>
+              <a:srgbClr val="FF0000"/>
+            </a:solidFill>
+          </a:ln>
+        </p:spPr>
+        <p:style>
+          <a:lnRef idx="2">
+            <a:schemeClr val="accent1">
+              <a:shade val="50000"/>
+            </a:schemeClr>
+          </a:lnRef>
+          <a:fillRef idx="1">
+            <a:schemeClr val="accent1"/>
+          </a:fillRef>
+          <a:effectRef idx="0">
+            <a:schemeClr val="accent1"/>
+          </a:effectRef>
+          <a:fontRef idx="minor">
+            <a:schemeClr val="lt1"/>
+          </a:fontRef>
+        </p:style>
+        <p:txBody>
+          <a:bodyPr rtlCol="0" anchor="ctr"/>
+          <a:lstStyle/>
+          <a:p>
+            <a:pPr algn="ctr"/>
+            <a:endParaRPr lang="en-US"/>
+          </a:p>
+        </p:txBody>
+      </p:sp>
+      <p:sp>
+        <p:nvSpPr>
+          <p:cNvPr id="14" name="Овал 13"/>
+          <p:cNvSpPr/>
+          <p:nvPr/>
+        </p:nvSpPr>
+        <p:spPr>
+          <a:xfrm>
+            <a:off x="5193629" y="2269067"/>
+            <a:ext cx="699169" cy="231273"/>
+          </a:xfrm>
+          <a:prstGeom prst="ellipse">
+            <a:avLst/>
+          </a:prstGeom>
+          <a:noFill/>
+          <a:ln>
+            <a:solidFill>
+              <a:srgbClr val="FF0000"/>
+            </a:solidFill>
+          </a:ln>
+        </p:spPr>
+        <p:style>
+          <a:lnRef idx="2">
+            <a:schemeClr val="accent1">
+              <a:shade val="50000"/>
+            </a:schemeClr>
+          </a:lnRef>
+          <a:fillRef idx="1">
+            <a:schemeClr val="accent1"/>
+          </a:fillRef>
+          <a:effectRef idx="0">
+            <a:schemeClr val="accent1"/>
+          </a:effectRef>
+          <a:fontRef idx="minor">
+            <a:schemeClr val="lt1"/>
+          </a:fontRef>
+        </p:style>
+        <p:txBody>
+          <a:bodyPr rtlCol="0" anchor="ctr"/>
+          <a:lstStyle/>
+          <a:p>
+            <a:pPr algn="ctr"/>
+            <a:endParaRPr lang="en-US"/>
+          </a:p>
+        </p:txBody>
+      </p:sp>
+      <p:sp>
+        <p:nvSpPr>
+          <p:cNvPr id="15" name="Овал 14"/>
+          <p:cNvSpPr/>
+          <p:nvPr/>
+        </p:nvSpPr>
+        <p:spPr>
+          <a:xfrm>
+            <a:off x="1688429" y="1964267"/>
+            <a:ext cx="699169" cy="231273"/>
+          </a:xfrm>
+          <a:prstGeom prst="ellipse">
+            <a:avLst/>
+          </a:prstGeom>
+          <a:noFill/>
+          <a:ln>
+            <a:solidFill>
+              <a:srgbClr val="FF0000"/>
+            </a:solidFill>
+          </a:ln>
+        </p:spPr>
+        <p:style>
+          <a:lnRef idx="2">
+            <a:schemeClr val="accent1">
+              <a:shade val="50000"/>
+            </a:schemeClr>
+          </a:lnRef>
+          <a:fillRef idx="1">
+            <a:schemeClr val="accent1"/>
+          </a:fillRef>
+          <a:effectRef idx="0">
+            <a:schemeClr val="accent1"/>
+          </a:effectRef>
+          <a:fontRef idx="minor">
+            <a:schemeClr val="lt1"/>
+          </a:fontRef>
+        </p:style>
+        <p:txBody>
+          <a:bodyPr rtlCol="0" anchor="ctr"/>
+          <a:lstStyle/>
+          <a:p>
+            <a:pPr algn="ctr"/>
+            <a:endParaRPr lang="en-US"/>
+          </a:p>
+        </p:txBody>
+      </p:sp>
+      <p:sp>
+        <p:nvSpPr>
+          <p:cNvPr id="16" name="Прямоугольник с двумя скругленными противолежащими углами 15"/>
+          <p:cNvSpPr/>
+          <p:nvPr/>
+        </p:nvSpPr>
+        <p:spPr>
+          <a:xfrm>
+            <a:off x="6877430" y="982134"/>
+            <a:ext cx="2165684" cy="2518968"/>
+          </a:xfrm>
+          <a:prstGeom prst="round2DiagRect">
+            <a:avLst/>
+          </a:prstGeom>
+          <a:noFill/>
+          <a:ln w="57150">
+            <a:solidFill>
+              <a:srgbClr val="FF0000"/>
+            </a:solidFill>
+          </a:ln>
+          <a:effectLst>
+            <a:outerShdw blurRad="149987" dist="250190" dir="8460000" algn="ctr">
+              <a:srgbClr val="000000">
+                <a:alpha val="28000"/>
+              </a:srgbClr>
+            </a:outerShdw>
+          </a:effectLst>
+          <a:scene3d>
+            <a:camera prst="orthographicFront">
+              <a:rot lat="0" lon="0" rev="0"/>
+            </a:camera>
+            <a:lightRig rig="contrasting" dir="t">
+              <a:rot lat="0" lon="0" rev="1500000"/>
+            </a:lightRig>
+          </a:scene3d>
+          <a:sp3d prstMaterial="metal">
+            <a:bevelT w="88900" h="88900"/>
+          </a:sp3d>
+        </p:spPr>
+        <p:style>
+          <a:lnRef idx="2">
+            <a:schemeClr val="accent1">
+              <a:shade val="50000"/>
+            </a:schemeClr>
+          </a:lnRef>
+          <a:fillRef idx="1">
+            <a:schemeClr val="accent1"/>
+          </a:fillRef>
+          <a:effectRef idx="0">
+            <a:schemeClr val="accent1"/>
+          </a:effectRef>
+          <a:fontRef idx="minor">
+            <a:schemeClr val="lt1"/>
+          </a:fontRef>
+        </p:style>
+        <p:txBody>
+          <a:bodyPr rtlCol="0" anchor="ctr"/>
+          <a:lstStyle/>
+          <a:p>
+            <a:endParaRPr lang="en-US" sz="1400" dirty="0"/>
+          </a:p>
+        </p:txBody>
+      </p:sp>
+      <p:sp>
+        <p:nvSpPr>
+          <p:cNvPr id="17" name="Прямоугольник 16"/>
+          <p:cNvSpPr/>
+          <p:nvPr/>
+        </p:nvSpPr>
+        <p:spPr>
+          <a:xfrm>
+            <a:off x="7027333" y="1185333"/>
+            <a:ext cx="1490133" cy="1384995"/>
+          </a:xfrm>
+          <a:prstGeom prst="rect">
+            <a:avLst/>
+          </a:prstGeom>
+        </p:spPr>
+        <p:txBody>
+          <a:bodyPr wrap="square">
+            <a:spAutoFit/>
+          </a:bodyPr>
+          <a:lstStyle/>
+          <a:p>
+            <a:r>
+              <a:rPr lang="ru-RU" sz="1200" dirty="0"/>
+              <a:t>Запрос с данными в браузере </a:t>
+            </a:r>
+            <a:r>
+              <a:rPr lang="en-US" sz="1200" dirty="0"/>
+              <a:t>Google Chrome</a:t>
+            </a:r>
+            <a:r>
+              <a:rPr lang="ru-RU" sz="1200" dirty="0"/>
+              <a:t>.</a:t>
+            </a:r>
+            <a:r>
+              <a:rPr lang="cs-CZ" sz="1200" dirty="0"/>
+              <a:t> </a:t>
+            </a:r>
+            <a:endParaRPr lang="ru-RU" sz="1200" dirty="0" smtClean="0"/>
+          </a:p>
+          <a:p>
+            <a:r>
+              <a:rPr lang="ru-RU" sz="1200" dirty="0" smtClean="0"/>
+              <a:t>Доступен </a:t>
+            </a:r>
+            <a:r>
+              <a:rPr lang="ru-RU" sz="1200" dirty="0"/>
+              <a:t>во вкладке </a:t>
+            </a:r>
+            <a:r>
+              <a:rPr lang="cs-CZ" sz="1200" dirty="0"/>
+              <a:t>Preview </a:t>
+            </a:r>
+            <a:r>
+              <a:rPr lang="ru-RU" sz="1200" dirty="0" smtClean="0"/>
+              <a:t>после клика по ссылке </a:t>
+            </a:r>
+            <a:r>
+              <a:rPr lang="cs-CZ" sz="1200" dirty="0" smtClean="0"/>
+              <a:t>spojeni/</a:t>
+            </a:r>
+            <a:endParaRPr lang="ru-RU" sz="1200" dirty="0"/>
+          </a:p>
+        </p:txBody>
+      </p:sp>
+    </p:spTree>
+    <p:extLst>
+      <p:ext uri="{BB962C8B-B14F-4D97-AF65-F5344CB8AC3E}">
+        <p14:creationId xmlns:p14="http://schemas.microsoft.com/office/powerpoint/2010/main" val="1074910313"/>
       </p:ext>
     </p:extLst>
   </p:cSld>
@@ -11206,8 +12568,8 @@
         </p:nvSpPr>
         <p:spPr>
           <a:xfrm>
-            <a:off x="160386" y="1225689"/>
-            <a:ext cx="8817360" cy="5632311"/>
+            <a:off x="112259" y="1023559"/>
+            <a:ext cx="8817360" cy="5917004"/>
           </a:xfrm>
           <a:prstGeom prst="rect">
             <a:avLst/>
@@ -11226,10 +12588,44 @@
               <a:t>Сервис </a:t>
             </a:r>
             <a:r>
-              <a:rPr lang="ru-RU" b="1" dirty="0">
-                <a:hlinkClick r:id="rId4" tooltip="https://idos.cz/"/>
-              </a:rPr>
-              <a:t>IDOS.cz</a:t>
+              <a:rPr lang="ru-RU" b="1" dirty="0" smtClean="0"/>
+              <a:t>IDOS.cz (</a:t>
+            </a:r>
+            <a:r>
+              <a:rPr lang="en-US" b="1" dirty="0" err="1" smtClean="0"/>
+              <a:t>I</a:t>
+            </a:r>
+            <a:r>
+              <a:rPr lang="en-US" dirty="0" err="1" smtClean="0"/>
+              <a:t>nformační</a:t>
+            </a:r>
+            <a:r>
+              <a:rPr lang="en-US" dirty="0"/>
+              <a:t> </a:t>
+            </a:r>
+            <a:r>
+              <a:rPr lang="en-US" b="1" dirty="0" err="1"/>
+              <a:t>DO</a:t>
+            </a:r>
+            <a:r>
+              <a:rPr lang="en-US" dirty="0" err="1"/>
+              <a:t>pravní</a:t>
+            </a:r>
+            <a:r>
+              <a:rPr lang="en-US" dirty="0"/>
+              <a:t> </a:t>
+            </a:r>
+            <a:r>
+              <a:rPr lang="en-US" b="1" dirty="0" err="1" smtClean="0"/>
+              <a:t>S</a:t>
+            </a:r>
+            <a:r>
+              <a:rPr lang="en-US" dirty="0" err="1" smtClean="0"/>
+              <a:t>ystém</a:t>
+            </a:r>
+            <a:r>
+              <a:rPr lang="ru-RU" b="1" dirty="0" smtClean="0"/>
+              <a:t>)*</a:t>
             </a:r>
             <a:r>
               <a:rPr lang="ru-RU" dirty="0"/>
@@ -11250,7 +12646,7 @@
           </a:p>
           <a:p>
             <a:pPr algn="just"/>
-            <a:endParaRPr lang="ru-RU" dirty="0" smtClean="0"/>
+            <a:endParaRPr lang="ru-RU" sz="1400" dirty="0" smtClean="0"/>
           </a:p>
           <a:p>
             <a:pPr algn="just"/>
@@ -11269,40 +12665,40 @@
           </a:p>
           <a:p>
             <a:pPr algn="just"/>
-            <a:endParaRPr lang="ru-RU" dirty="0" smtClean="0"/>
+            <a:endParaRPr lang="ru-RU" sz="1200" dirty="0" smtClean="0"/>
           </a:p>
           <a:p>
             <a:pPr algn="just"/>
             <a:r>
               <a:rPr lang="ru-RU" dirty="0" smtClean="0"/>
-              <a:t>И все же, мне </a:t>
-            </a:r>
-            <a:r>
-              <a:rPr lang="ru-RU" dirty="0"/>
+              <a:t>И все же, </a:t>
+            </a:r>
+            <a:r>
+              <a:rPr lang="ru-RU" b="1" dirty="0" smtClean="0"/>
+              <a:t>мне </a:t>
+            </a:r>
+            <a:r>
+              <a:rPr lang="ru-RU" b="1" dirty="0"/>
               <a:t>показалось интересным проверить надежность данного сервиса и возможное наличие ошибок или </a:t>
             </a:r>
             <a:r>
+              <a:rPr lang="ru-RU" b="1" dirty="0" smtClean="0"/>
+              <a:t>багов, чтобы по возможности сделать его еще лучше и надежнее</a:t>
+            </a:r>
+            <a:r>
               <a:rPr lang="ru-RU" dirty="0" smtClean="0"/>
-              <a:t>багов, чтобы по возможности сделать его еще лучше и надежнее.</a:t>
+              <a:t>.</a:t>
             </a:r>
           </a:p>
           <a:p>
             <a:pPr algn="just"/>
-            <a:endParaRPr lang="ru-RU" dirty="0" smtClean="0"/>
+            <a:endParaRPr lang="ru-RU" sz="1200" dirty="0" smtClean="0"/>
           </a:p>
           <a:p>
             <a:pPr algn="just"/>
             <a:r>
               <a:rPr lang="ru-RU" dirty="0" smtClean="0"/>
-              <a:t>Немного о том, как устроен и работает данный ресурс. IDOS – это своего рода </a:t>
-            </a:r>
-            <a:r>
-              <a:rPr lang="ru-RU" dirty="0" err="1" smtClean="0"/>
-              <a:t>интергатор</a:t>
-            </a:r>
-            <a:r>
-              <a:rPr lang="ru-RU" dirty="0" smtClean="0"/>
-              <a:t> - он </a:t>
+              <a:t>Немного о том, как устроен и работает данный ресурс. IDOS – это своего рода интегратор - он </a:t>
             </a:r>
             <a:r>
               <a:rPr lang="ru-RU" dirty="0"/>
@@ -11312,7 +12708,7 @@
           </a:p>
           <a:p>
             <a:pPr algn="just"/>
-            <a:endParaRPr lang="ru-RU" dirty="0"/>
+            <a:endParaRPr lang="ru-RU" sz="1200" dirty="0"/>
           </a:p>
           <a:p>
             <a:pPr algn="just"/>
@@ -11365,13 +12761,52 @@
               <a:t>řádů</a:t>
             </a:r>
             <a:r>
-              <a:rPr lang="ru-RU" b="1" dirty="0"/>
+              <a:rPr lang="ru-RU" b="1" dirty="0" smtClean="0"/>
               <a:t>),</a:t>
             </a:r>
             <a:r>
+              <a:rPr lang="ru-RU" dirty="0" smtClean="0"/>
+              <a:t> </a:t>
+            </a:r>
+            <a:r>
               <a:rPr lang="ru-RU" dirty="0"/>
-              <a:t> что переводится как Центральная информационная система расписаний. </a:t>
-            </a:r>
+              <a:t>что переводится как Центральная информационная система расписаний</a:t>
+            </a:r>
+            <a:r>
+              <a:rPr lang="ru-RU" dirty="0" smtClean="0"/>
+              <a:t>.</a:t>
+            </a:r>
+          </a:p>
+          <a:p>
+            <a:pPr algn="just"/>
+            <a:endParaRPr lang="ru-RU" sz="1050" dirty="0" smtClean="0"/>
+          </a:p>
+          <a:p>
+            <a:pPr algn="just"/>
+            <a:r>
+              <a:rPr lang="ru-RU" sz="1200" dirty="0"/>
+              <a:t>----------</a:t>
+            </a:r>
+          </a:p>
+          <a:p>
+            <a:pPr algn="just"/>
+            <a:r>
+              <a:rPr lang="ru-RU" sz="1200" dirty="0"/>
+              <a:t>* </a:t>
+            </a:r>
+            <a:r>
+              <a:rPr lang="en-US" sz="1200" dirty="0" smtClean="0"/>
+              <a:t>(</a:t>
+            </a:r>
+            <a:r>
+              <a:rPr lang="en-US" sz="1200" dirty="0"/>
+              <a:t>https://cs.wikipedia.org/wiki/IDOS</a:t>
+            </a:r>
+            <a:r>
+              <a:rPr lang="en-US" sz="1200" dirty="0" smtClean="0"/>
+              <a:t>)</a:t>
+            </a:r>
+            <a:endParaRPr lang="ru-RU" dirty="0"/>
           </a:p>
         </p:txBody>
       </p:sp>
@@ -11495,7 +12930,7 @@
         <p:spPr>
           <a:xfrm>
             <a:off x="177011" y="1283095"/>
-            <a:ext cx="8817360" cy="5078313"/>
+            <a:ext cx="8817360" cy="6001643"/>
           </a:xfrm>
           <a:prstGeom prst="rect">
             <a:avLst/>
@@ -11511,11 +12946,19 @@
             <a:pPr algn="just"/>
             <a:r>
               <a:rPr lang="ru-RU" dirty="0" smtClean="0"/>
-              <a:t>Эта </a:t>
+              <a:t>Система </a:t>
+            </a:r>
+            <a:r>
+              <a:rPr lang="cs-CZ" dirty="0"/>
+              <a:t>IDOS </a:t>
+            </a:r>
+            <a:r>
+              <a:rPr lang="ru-RU" dirty="0" smtClean="0"/>
+              <a:t>управляется </a:t>
             </a:r>
             <a:r>
               <a:rPr lang="ru-RU" dirty="0"/>
-              <a:t>система управляется компанией </a:t>
+              <a:t>компанией </a:t>
             </a:r>
             <a:r>
               <a:rPr lang="ru-RU" b="1" dirty="0"/>
@@ -11542,11 +12985,11 @@
             <a:pPr algn="just"/>
             <a:r>
               <a:rPr lang="ru-RU" dirty="0"/>
-              <a:t>Каждый оператор регулярно обновляет данные о своих маршрутах, остановках и расписаниях, которые затем поступают в CIS JŘ</a:t>
+              <a:t>Каждый оператор регулярно обновляет данные о своих маршрутах, остановках и расписаниях, которые затем поступают в CIS </a:t>
             </a:r>
             <a:r>
               <a:rPr lang="ru-RU" dirty="0" smtClean="0"/>
-              <a:t>.</a:t>
+              <a:t>JŘ*.</a:t>
             </a:r>
           </a:p>
           <a:p>
@@ -11573,7 +13016,15 @@
             </a:r>
             <a:r>
               <a:rPr lang="ru-RU" dirty="0" smtClean="0"/>
-              <a:t>JŘ.  Но к сожалению доступ к этим данным закрыт для общего пользования, поэтому я принял решение для тестирования использовать список городов Чешской республики, доступный для просмотра.</a:t>
+              <a:t>JŘ.  Но к сожалению доступ к этим данным закрыт для общего пользования, поэтому я принял решение для тестирования использовать список городов Чешской республики, доступный для просмотра в </a:t>
+            </a:r>
+            <a:r>
+              <a:rPr lang="ru-RU" dirty="0" err="1" smtClean="0"/>
+              <a:t>википедии</a:t>
+            </a:r>
+            <a:r>
+              <a:rPr lang="ru-RU" dirty="0" smtClean="0"/>
+              <a:t>*.</a:t>
             </a:r>
           </a:p>
           <a:p>
@@ -11600,8 +13051,12 @@
             </a:r>
             <a:r>
               <a:rPr lang="ru-RU" dirty="0" smtClean="0"/>
-              <a:t> выбираются названия населенных пунктов для проведения тестов. </a:t>
-            </a:r>
+              <a:t> выбираются названия населенных пунктов для проведения многих тестов. </a:t>
+            </a:r>
+          </a:p>
+          <a:p>
+            <a:pPr algn="just"/>
+            <a:endParaRPr lang="ru-RU" dirty="0" smtClean="0"/>
           </a:p>
           <a:p>
             <a:pPr algn="just"/>
@@ -11612,10 +13067,41 @@
             <a:br>
               <a:rPr lang="ru-RU" dirty="0"/>
             </a:br>
-            <a:endParaRPr lang="ru-RU" dirty="0"/>
-          </a:p>
-          <a:p>
-            <a:pPr algn="just"/>
+            <a:r>
+              <a:rPr lang="ru-RU" sz="1200" dirty="0" smtClean="0"/>
+              <a:t>----------</a:t>
+            </a:r>
+          </a:p>
+          <a:p>
+            <a:pPr marL="171450" indent="-171450" algn="just">
+              <a:buFont typeface="Arial" panose="020B0604020202020204" pitchFamily="34" charset="0"/>
+              <a:buChar char="•"/>
+            </a:pPr>
+            <a:r>
+              <a:rPr lang="en-US" sz="1200" dirty="0" smtClean="0">
+                <a:hlinkClick r:id="rId4"/>
+              </a:rPr>
+              <a:t>https</a:t>
+            </a:r>
+            <a:r>
+              <a:rPr lang="en-US" sz="1200" dirty="0">
+                <a:hlinkClick r:id="rId4"/>
+              </a:rPr>
+              <a:t>://cs.wikipedia.org/wiki/Seznam_m%C4%9Bst_v_%</a:t>
+            </a:r>
+            <a:r>
+              <a:rPr lang="en-US" sz="1200" dirty="0" smtClean="0">
+                <a:hlinkClick r:id="rId4"/>
+              </a:rPr>
+              <a:t>C4%8Cesku</a:t>
+            </a:r>
+            <a:endParaRPr lang="ru-RU" sz="1200" dirty="0"/>
+          </a:p>
+          <a:p>
+            <a:pPr marL="285750" indent="-285750" algn="just">
+              <a:buFont typeface="Arial" panose="020B0604020202020204" pitchFamily="34" charset="0"/>
+              <a:buChar char="•"/>
+            </a:pPr>
             <a:r>
               <a:rPr lang="ru-RU" dirty="0"/>
               <a:t/>
@@ -11641,6 +13127,324 @@
 </file>
 
 <file path=ppt/slides/slide6.xml><?xml version="1.0" encoding="utf-8"?>
+<p:sld xmlns:a="http://schemas.openxmlformats.org/drawingml/2006/main" xmlns:r="http://schemas.openxmlformats.org/officeDocument/2006/relationships" xmlns:p="http://schemas.openxmlformats.org/presentationml/2006/main" showMasterSp="0">
+  <p:cSld>
+    <p:spTree>
+      <p:nvGrpSpPr>
+        <p:cNvPr id="1" name=""/>
+        <p:cNvGrpSpPr/>
+        <p:nvPr/>
+      </p:nvGrpSpPr>
+      <p:grpSpPr>
+        <a:xfrm>
+          <a:off x="0" y="0"/>
+          <a:ext cx="0" cy="0"/>
+          <a:chOff x="0" y="0"/>
+          <a:chExt cx="0" cy="0"/>
+        </a:xfrm>
+      </p:grpSpPr>
+      <p:sp>
+        <p:nvSpPr>
+          <p:cNvPr id="2" name="Заголовок 1"/>
+          <p:cNvSpPr>
+            <a:spLocks noGrp="1"/>
+          </p:cNvSpPr>
+          <p:nvPr>
+            <p:ph type="title"/>
+          </p:nvPr>
+        </p:nvSpPr>
+        <p:spPr>
+          <a:xfrm>
+            <a:off x="-1" y="182880"/>
+            <a:ext cx="7281949" cy="587141"/>
+          </a:xfrm>
+          <a:solidFill>
+            <a:schemeClr val="bg1"/>
+          </a:solidFill>
+        </p:spPr>
+        <p:txBody>
+          <a:bodyPr>
+            <a:normAutofit/>
+          </a:bodyPr>
+          <a:lstStyle/>
+          <a:p>
+            <a:pPr algn="ctr"/>
+            <a:r>
+              <a:rPr lang="ru-RU" dirty="0" smtClean="0"/>
+              <a:t>ВВЕДЕНИЕ</a:t>
+            </a:r>
+            <a:endParaRPr lang="en-US" dirty="0">
+              <a:latin typeface="Arial Rounded MT Bold" panose="020F0704030504030204" pitchFamily="34" charset="0"/>
+            </a:endParaRPr>
+          </a:p>
+        </p:txBody>
+      </p:sp>
+      <p:pic>
+        <p:nvPicPr>
+          <p:cNvPr id="4" name="Объект 3"/>
+          <p:cNvPicPr>
+            <a:picLocks noGrp="1" noChangeAspect="1"/>
+          </p:cNvPicPr>
+          <p:nvPr>
+            <p:ph idx="1"/>
+          </p:nvPr>
+        </p:nvPicPr>
+        <p:blipFill>
+          <a:blip r:embed="rId3" cstate="print">
+            <a:extLst>
+              <a:ext uri="{28A0092B-C50C-407E-A947-70E740481C1C}">
+                <a14:useLocalDpi xmlns:a14="http://schemas.microsoft.com/office/drawing/2010/main" val="0"/>
+              </a:ext>
+            </a:extLst>
+          </a:blip>
+          <a:stretch>
+            <a:fillRect/>
+          </a:stretch>
+        </p:blipFill>
+        <p:spPr>
+          <a:xfrm>
+            <a:off x="7767587" y="95474"/>
+            <a:ext cx="901027" cy="901027"/>
+          </a:xfrm>
+          <a:prstGeom prst="roundRect">
+            <a:avLst>
+              <a:gd name="adj" fmla="val 8594"/>
+            </a:avLst>
+          </a:prstGeom>
+          <a:solidFill>
+            <a:srgbClr val="FFFFFF">
+              <a:shade val="85000"/>
+            </a:srgbClr>
+          </a:solidFill>
+          <a:ln>
+            <a:noFill/>
+          </a:ln>
+          <a:effectLst>
+            <a:reflection blurRad="12700" stA="38000" endPos="28000" dist="5000" dir="5400000" sy="-100000" algn="bl" rotWithShape="0"/>
+          </a:effectLst>
+        </p:spPr>
+      </p:pic>
+      <p:sp>
+        <p:nvSpPr>
+          <p:cNvPr id="5" name="TextBox 4"/>
+          <p:cNvSpPr txBox="1"/>
+          <p:nvPr/>
+        </p:nvSpPr>
+        <p:spPr>
+          <a:xfrm>
+            <a:off x="138510" y="1042464"/>
+            <a:ext cx="8817360" cy="6186309"/>
+          </a:xfrm>
+          <a:prstGeom prst="rect">
+            <a:avLst/>
+          </a:prstGeom>
+          <a:noFill/>
+        </p:spPr>
+        <p:txBody>
+          <a:bodyPr wrap="square" rtlCol="0">
+            <a:spAutoFit/>
+          </a:bodyPr>
+          <a:lstStyle/>
+          <a:p>
+            <a:pPr algn="just"/>
+            <a:r>
+              <a:rPr lang="ru-RU" dirty="0" smtClean="0"/>
+              <a:t>Ввиду того, что транспортный сервис </a:t>
+            </a:r>
+            <a:r>
+              <a:rPr lang="cs-CZ" dirty="0" smtClean="0"/>
+              <a:t>IDOS</a:t>
+            </a:r>
+            <a:r>
+              <a:rPr lang="en-US" dirty="0" smtClean="0"/>
+              <a:t> </a:t>
+            </a:r>
+            <a:r>
+              <a:rPr lang="ru-RU" dirty="0" smtClean="0"/>
+              <a:t>это достаточно прокачанная система, находится в использовании  с 1998 года, поэтому многие ошибки (как логические, так и технические) и глюки (баги) уже были устранены. Этому послужил долгий процесс тестирования, совместно с отзывами пользователей.</a:t>
+            </a:r>
+          </a:p>
+          <a:p>
+            <a:pPr algn="just"/>
+            <a:endParaRPr lang="ru-RU" dirty="0"/>
+          </a:p>
+          <a:p>
+            <a:pPr algn="just"/>
+            <a:r>
+              <a:rPr lang="ru-RU" dirty="0" smtClean="0"/>
+              <a:t>Так как в моем случае тестирования нет доступа к исходному коду продукта, то была применена одна из техник тест-дизайна, а именно метод «черного ящика» </a:t>
+            </a:r>
+            <a:r>
+              <a:rPr lang="en-US" dirty="0"/>
+              <a:t>(black box test design technique)</a:t>
+            </a:r>
+            <a:r>
+              <a:rPr lang="ru-RU" dirty="0" smtClean="0"/>
+              <a:t>.</a:t>
+            </a:r>
+          </a:p>
+          <a:p>
+            <a:pPr algn="just"/>
+            <a:endParaRPr lang="ru-RU" dirty="0" smtClean="0"/>
+          </a:p>
+          <a:p>
+            <a:pPr algn="just" fontAlgn="base"/>
+            <a:r>
+              <a:rPr lang="ru-RU" dirty="0"/>
+              <a:t>Основной посыл такого тестирования в том, что </a:t>
+            </a:r>
+            <a:r>
+              <a:rPr lang="ru-RU" b="1" dirty="0" smtClean="0"/>
+              <a:t>неизвестно, </a:t>
+            </a:r>
+            <a:r>
+              <a:rPr lang="ru-RU" b="1" dirty="0"/>
+              <a:t>как устроена тестируемая </a:t>
+            </a:r>
+            <a:r>
+              <a:rPr lang="ru-RU" b="1" dirty="0" smtClean="0"/>
+              <a:t>система</a:t>
+            </a:r>
+            <a:r>
+              <a:rPr lang="ru-RU" dirty="0"/>
+              <a:t> </a:t>
+            </a:r>
+            <a:r>
+              <a:rPr lang="ru-RU" dirty="0" smtClean="0"/>
+              <a:t>изнутри, неизвестна структура кода (разве что</a:t>
+            </a:r>
+            <a:r>
+              <a:rPr lang="cs-CZ" dirty="0" smtClean="0"/>
+              <a:t> </a:t>
+            </a:r>
+            <a:r>
+              <a:rPr lang="ru-RU" dirty="0" smtClean="0"/>
+              <a:t>виден код </a:t>
+            </a:r>
+            <a:r>
+              <a:rPr lang="cs-CZ" dirty="0" smtClean="0"/>
+              <a:t>HTML</a:t>
+            </a:r>
+            <a:r>
+              <a:rPr lang="ru-RU" dirty="0" smtClean="0"/>
+              <a:t> в браузере и </a:t>
+            </a:r>
+            <a:r>
+              <a:rPr lang="cs-CZ" dirty="0" smtClean="0"/>
+              <a:t>DOM</a:t>
+            </a:r>
+            <a:r>
+              <a:rPr lang="ru-RU" dirty="0" smtClean="0"/>
+              <a:t>). </a:t>
+            </a:r>
+            <a:r>
+              <a:rPr lang="ru-RU" dirty="0"/>
+              <a:t>При таком </a:t>
+            </a:r>
+            <a:r>
+              <a:rPr lang="ru-RU" dirty="0" smtClean="0"/>
+              <a:t>тестировании, </a:t>
+            </a:r>
+            <a:r>
+              <a:rPr lang="ru-RU" dirty="0"/>
+              <a:t>тестировщик очень похож на обычного пользователя: тест анализ и исследование продукта он проводит опираясь на </a:t>
+            </a:r>
+            <a:r>
+              <a:rPr lang="ru-RU" dirty="0" smtClean="0"/>
+              <a:t>свои знания о продукте и </a:t>
+            </a:r>
+            <a:r>
+              <a:rPr lang="ru-RU" dirty="0"/>
+              <a:t>прочую </a:t>
+            </a:r>
+            <a:r>
+              <a:rPr lang="ru-RU" dirty="0" smtClean="0"/>
+              <a:t>документацию (например из раздела «Помощь/</a:t>
+            </a:r>
+            <a:r>
+              <a:rPr lang="en-US" dirty="0" err="1" smtClean="0"/>
+              <a:t>Nápověda</a:t>
+            </a:r>
+            <a:r>
+              <a:rPr lang="ru-RU" dirty="0" smtClean="0"/>
+              <a:t>»), </a:t>
+            </a:r>
+            <a:r>
+              <a:rPr lang="ru-RU" dirty="0"/>
+              <a:t>которая описывает этот продукт</a:t>
+            </a:r>
+            <a:r>
+              <a:rPr lang="ru-RU" dirty="0" smtClean="0"/>
+              <a:t>.</a:t>
+            </a:r>
+          </a:p>
+          <a:p>
+            <a:pPr algn="just" fontAlgn="base"/>
+            <a:endParaRPr lang="ru-RU" dirty="0"/>
+          </a:p>
+          <a:p>
+            <a:pPr algn="just" fontAlgn="base"/>
+            <a:r>
+              <a:rPr lang="ru-RU" dirty="0"/>
+              <a:t>Получается, что идеи для тестирования идут от предполагаемых </a:t>
+            </a:r>
+            <a:r>
+              <a:rPr lang="ru-RU" dirty="0" smtClean="0"/>
+              <a:t>образцов </a:t>
+            </a:r>
+            <a:r>
+              <a:rPr lang="ru-RU" dirty="0"/>
+              <a:t>поведения пользователей. Поэтому такой подход еще называют поведенческим</a:t>
+            </a:r>
+            <a:r>
+              <a:rPr lang="ru-RU" dirty="0" smtClean="0"/>
+              <a:t>.</a:t>
+            </a:r>
+          </a:p>
+          <a:p>
+            <a:pPr algn="just" fontAlgn="base"/>
+            <a:r>
+              <a:rPr lang="ru-RU" dirty="0" smtClean="0"/>
+              <a:t>Т.е. нет возможности </a:t>
+            </a:r>
+            <a:r>
+              <a:rPr lang="ru-RU" b="1" dirty="0" smtClean="0"/>
+              <a:t>сравнить необходимый результат с фактическим </a:t>
+            </a:r>
+            <a:r>
+              <a:rPr lang="ru-RU" dirty="0" smtClean="0"/>
+              <a:t>(что собственно и является процессом тестирования).</a:t>
+            </a:r>
+            <a:endParaRPr lang="ru-RU" dirty="0"/>
+          </a:p>
+          <a:p>
+            <a:pPr algn="just"/>
+            <a:endParaRPr lang="ru-RU" dirty="0" smtClean="0"/>
+          </a:p>
+          <a:p>
+            <a:pPr algn="just"/>
+            <a:r>
+              <a:rPr lang="ru-RU" dirty="0" smtClean="0"/>
+              <a:t>  </a:t>
+            </a:r>
+            <a:endParaRPr lang="en-US" dirty="0"/>
+          </a:p>
+        </p:txBody>
+      </p:sp>
+    </p:spTree>
+    <p:extLst>
+      <p:ext uri="{BB962C8B-B14F-4D97-AF65-F5344CB8AC3E}">
+        <p14:creationId xmlns:p14="http://schemas.microsoft.com/office/powerpoint/2010/main" val="220495252"/>
+      </p:ext>
+    </p:extLst>
+  </p:cSld>
+  <p:clrMapOvr>
+    <a:masterClrMapping/>
+  </p:clrMapOvr>
+</p:sld>
+</file>
+
+<file path=ppt/slides/slide7.xml><?xml version="1.0" encoding="utf-8"?>
 <p:sld xmlns:a="http://schemas.openxmlformats.org/drawingml/2006/main" xmlns:r="http://schemas.openxmlformats.org/officeDocument/2006/relationships" xmlns:p="http://schemas.openxmlformats.org/presentationml/2006/main">
   <p:cSld>
     <p:spTree>
@@ -11748,7 +13552,7 @@
 </p:sld>
 </file>
 
-<file path=ppt/slides/slide7.xml><?xml version="1.0" encoding="utf-8"?>
+<file path=ppt/slides/slide8.xml><?xml version="1.0" encoding="utf-8"?>
 <p:sld xmlns:a="http://schemas.openxmlformats.org/drawingml/2006/main" xmlns:r="http://schemas.openxmlformats.org/officeDocument/2006/relationships" xmlns:p="http://schemas.openxmlformats.org/presentationml/2006/main" showMasterSp="0">
   <p:cSld>
     <p:spTree>
@@ -11846,60 +13650,6 @@
           </a:effectLst>
         </p:spPr>
       </p:pic>
-      <p:sp>
-        <p:nvSpPr>
-          <p:cNvPr id="3" name="TextBox 2"/>
-          <p:cNvSpPr txBox="1"/>
-          <p:nvPr/>
-        </p:nvSpPr>
-        <p:spPr>
-          <a:xfrm>
-            <a:off x="177011" y="1283095"/>
-            <a:ext cx="8817360" cy="646331"/>
-          </a:xfrm>
-          <a:prstGeom prst="rect">
-            <a:avLst/>
-          </a:prstGeom>
-          <a:noFill/>
-        </p:spPr>
-        <p:txBody>
-          <a:bodyPr wrap="square" rtlCol="0">
-            <a:spAutoFit/>
-          </a:bodyPr>
-          <a:lstStyle/>
-          <a:p>
-            <a:pPr algn="just"/>
-            <a:r>
-              <a:rPr lang="ru-RU" dirty="0" smtClean="0"/>
-              <a:t>Эта </a:t>
-            </a:r>
-            <a:r>
-              <a:rPr lang="ru-RU" dirty="0"/>
-              <a:t>система управляется компанией </a:t>
-            </a:r>
-            <a:r>
-              <a:rPr lang="ru-RU" b="1" dirty="0"/>
-              <a:t>CHAPS </a:t>
-            </a:r>
-            <a:r>
-              <a:rPr lang="ru-RU" b="1" dirty="0" err="1"/>
-              <a:t>spol</a:t>
-            </a:r>
-            <a:r>
-              <a:rPr lang="ru-RU"/>
-              <a:t>. </a:t>
-            </a:r>
-            <a:r>
-              <a:rPr lang="ru-RU" dirty="0"/>
-              <a:t/>
-            </a:r>
-            <a:br>
-              <a:rPr lang="ru-RU" dirty="0"/>
-            </a:br>
-            <a:endParaRPr lang="en-US" dirty="0"/>
-          </a:p>
-        </p:txBody>
-      </p:sp>
     </p:spTree>
     <p:extLst>
       <p:ext uri="{BB962C8B-B14F-4D97-AF65-F5344CB8AC3E}">
@@ -11913,7 +13663,7 @@
 </p:sld>
 </file>
 
-<file path=ppt/slides/slide8.xml><?xml version="1.0" encoding="utf-8"?>
+<file path=ppt/slides/slide9.xml><?xml version="1.0" encoding="utf-8"?>
 <p:sld xmlns:a="http://schemas.openxmlformats.org/drawingml/2006/main" xmlns:r="http://schemas.openxmlformats.org/officeDocument/2006/relationships" xmlns:p="http://schemas.openxmlformats.org/presentationml/2006/main">
   <p:cSld>
     <p:spTree>
@@ -12028,497 +13778,6 @@
     <p:extLst>
       <p:ext uri="{BB962C8B-B14F-4D97-AF65-F5344CB8AC3E}">
         <p14:creationId xmlns:p14="http://schemas.microsoft.com/office/powerpoint/2010/main" val="2551736097"/>
-      </p:ext>
-    </p:extLst>
-  </p:cSld>
-  <p:clrMapOvr>
-    <a:masterClrMapping/>
-  </p:clrMapOvr>
-</p:sld>
-</file>
-
-<file path=ppt/slides/slide9.xml><?xml version="1.0" encoding="utf-8"?>
-<p:sld xmlns:a="http://schemas.openxmlformats.org/drawingml/2006/main" xmlns:r="http://schemas.openxmlformats.org/officeDocument/2006/relationships" xmlns:p="http://schemas.openxmlformats.org/presentationml/2006/main" showMasterSp="0">
-  <p:cSld>
-    <p:spTree>
-      <p:nvGrpSpPr>
-        <p:cNvPr id="1" name=""/>
-        <p:cNvGrpSpPr/>
-        <p:nvPr/>
-      </p:nvGrpSpPr>
-      <p:grpSpPr>
-        <a:xfrm>
-          <a:off x="0" y="0"/>
-          <a:ext cx="0" cy="0"/>
-          <a:chOff x="0" y="0"/>
-          <a:chExt cx="0" cy="0"/>
-        </a:xfrm>
-      </p:grpSpPr>
-      <p:sp>
-        <p:nvSpPr>
-          <p:cNvPr id="2" name="Заголовок 1"/>
-          <p:cNvSpPr>
-            <a:spLocks noGrp="1"/>
-          </p:cNvSpPr>
-          <p:nvPr>
-            <p:ph type="title"/>
-          </p:nvPr>
-        </p:nvSpPr>
-        <p:spPr>
-          <a:xfrm>
-            <a:off x="0" y="178290"/>
-            <a:ext cx="7210396" cy="666214"/>
-          </a:xfrm>
-          <a:solidFill>
-            <a:schemeClr val="bg1"/>
-          </a:solidFill>
-        </p:spPr>
-        <p:txBody>
-          <a:bodyPr>
-            <a:normAutofit fontScale="90000"/>
-          </a:bodyPr>
-          <a:lstStyle/>
-          <a:p>
-            <a:r>
-              <a:rPr lang="ru-RU" dirty="0" smtClean="0"/>
-              <a:t>Тестирование </a:t>
-            </a:r>
-            <a:r>
-              <a:rPr lang="en-US" dirty="0" smtClean="0">
-                <a:latin typeface="Arial Rounded MT Bold" panose="020F0704030504030204" pitchFamily="34" charset="0"/>
-              </a:rPr>
-              <a:t>API </a:t>
-            </a:r>
-            <a:r>
-              <a:rPr lang="ru-RU" dirty="0" smtClean="0"/>
-              <a:t>через </a:t>
-            </a:r>
-            <a:r>
-              <a:rPr lang="cs-CZ" dirty="0" smtClean="0">
-                <a:latin typeface="Arial Rounded MT Bold" panose="020F0704030504030204" pitchFamily="34" charset="0"/>
-              </a:rPr>
-              <a:t>Postman</a:t>
-            </a:r>
-            <a:endParaRPr lang="en-US" dirty="0">
-              <a:latin typeface="Arial Rounded MT Bold" panose="020F0704030504030204" pitchFamily="34" charset="0"/>
-            </a:endParaRPr>
-          </a:p>
-        </p:txBody>
-      </p:sp>
-      <p:pic>
-        <p:nvPicPr>
-          <p:cNvPr id="4" name="Объект 3"/>
-          <p:cNvPicPr>
-            <a:picLocks noGrp="1" noChangeAspect="1"/>
-          </p:cNvPicPr>
-          <p:nvPr>
-            <p:ph idx="1"/>
-          </p:nvPr>
-        </p:nvPicPr>
-        <p:blipFill>
-          <a:blip r:embed="rId3" cstate="print">
-            <a:extLst>
-              <a:ext uri="{28A0092B-C50C-407E-A947-70E740481C1C}">
-                <a14:useLocalDpi xmlns:a14="http://schemas.microsoft.com/office/drawing/2010/main" val="0"/>
-              </a:ext>
-            </a:extLst>
-          </a:blip>
-          <a:stretch>
-            <a:fillRect/>
-          </a:stretch>
-        </p:blipFill>
-        <p:spPr>
-          <a:xfrm>
-            <a:off x="7739339" y="122061"/>
-            <a:ext cx="892092" cy="892092"/>
-          </a:xfrm>
-          <a:prstGeom prst="roundRect">
-            <a:avLst>
-              <a:gd name="adj" fmla="val 8594"/>
-            </a:avLst>
-          </a:prstGeom>
-          <a:solidFill>
-            <a:srgbClr val="FFFFFF">
-              <a:shade val="85000"/>
-            </a:srgbClr>
-          </a:solidFill>
-          <a:ln>
-            <a:noFill/>
-          </a:ln>
-          <a:effectLst>
-            <a:reflection blurRad="12700" stA="38000" endPos="28000" dist="5000" dir="5400000" sy="-100000" algn="bl" rotWithShape="0"/>
-          </a:effectLst>
-        </p:spPr>
-      </p:pic>
-      <p:sp>
-        <p:nvSpPr>
-          <p:cNvPr id="6" name="Заголовок 1"/>
-          <p:cNvSpPr txBox="1">
-            <a:spLocks/>
-          </p:cNvSpPr>
-          <p:nvPr/>
-        </p:nvSpPr>
-        <p:spPr>
-          <a:xfrm>
-            <a:off x="244572" y="895342"/>
-            <a:ext cx="8409824" cy="5821342"/>
-          </a:xfrm>
-          <a:prstGeom prst="rect">
-            <a:avLst/>
-          </a:prstGeom>
-        </p:spPr>
-        <p:txBody>
-          <a:bodyPr vert="horz" lIns="91440" tIns="45720" rIns="91440" bIns="45720" rtlCol="0" anchor="ctr">
-            <a:noAutofit/>
-          </a:bodyPr>
-          <a:lstStyle>
-            <a:lvl1pPr algn="l" defTabSz="914400" rtl="0" eaLnBrk="1" latinLnBrk="0" hangingPunct="1">
-              <a:lnSpc>
-                <a:spcPct val="90000"/>
-              </a:lnSpc>
-              <a:spcBef>
-                <a:spcPct val="0"/>
-              </a:spcBef>
-              <a:buNone/>
-              <a:defRPr sz="3600" kern="1200">
-                <a:solidFill>
-                  <a:schemeClr val="tx1"/>
-                </a:solidFill>
-                <a:latin typeface="+mj-lt"/>
-                <a:ea typeface="+mj-ea"/>
-                <a:cs typeface="+mj-cs"/>
-              </a:defRPr>
-            </a:lvl1pPr>
-          </a:lstStyle>
-          <a:p>
-            <a:pPr algn="just"/>
-            <a:r>
-              <a:rPr lang="ru-RU" sz="1800" b="1" dirty="0"/>
-              <a:t>API</a:t>
-            </a:r>
-            <a:r>
-              <a:rPr lang="ru-RU" sz="1800" dirty="0"/>
-              <a:t> (</a:t>
-            </a:r>
-            <a:r>
-              <a:rPr lang="ru-RU" sz="1800" dirty="0" err="1"/>
-              <a:t>Application</a:t>
-            </a:r>
-            <a:r>
-              <a:rPr lang="ru-RU" sz="1800" dirty="0"/>
-              <a:t> </a:t>
-            </a:r>
-            <a:r>
-              <a:rPr lang="ru-RU" sz="1800" dirty="0" err="1"/>
-              <a:t>Programming</a:t>
-            </a:r>
-            <a:r>
-              <a:rPr lang="ru-RU" sz="1800" dirty="0"/>
-              <a:t> </a:t>
-            </a:r>
-            <a:r>
-              <a:rPr lang="ru-RU" sz="1800" dirty="0" err="1"/>
-              <a:t>Interface</a:t>
-            </a:r>
-            <a:r>
-              <a:rPr lang="ru-RU" sz="1800" dirty="0"/>
-              <a:t>) - это интерфейс, позволяющий программам взаимодействовать друг с другом, обмениваться данными и предоставлять доступ к своим функциям.</a:t>
-            </a:r>
-          </a:p>
-          <a:p>
-            <a:pPr algn="just"/>
-            <a:endParaRPr lang="en-US" sz="1800" dirty="0">
-              <a:latin typeface="Arial Rounded MT Bold" panose="020F0704030504030204" pitchFamily="34" charset="0"/>
-            </a:endParaRPr>
-          </a:p>
-          <a:p>
-            <a:pPr algn="just"/>
-            <a:r>
-              <a:rPr lang="ru-RU" sz="1800" dirty="0"/>
-              <a:t>Тестирование </a:t>
-            </a:r>
-            <a:r>
-              <a:rPr lang="en-US" sz="1800" dirty="0" smtClean="0">
-                <a:latin typeface="Arial Rounded MT Bold" panose="020F0704030504030204" pitchFamily="34" charset="0"/>
-              </a:rPr>
-              <a:t>API </a:t>
-            </a:r>
-            <a:r>
-              <a:rPr lang="ru-RU" sz="1800" dirty="0"/>
-              <a:t>ресурса </a:t>
-            </a:r>
-            <a:r>
-              <a:rPr lang="en-US" sz="1800" dirty="0">
-                <a:latin typeface="Arial Rounded MT Bold" panose="020F0704030504030204" pitchFamily="34" charset="0"/>
-              </a:rPr>
-              <a:t> </a:t>
-            </a:r>
-            <a:r>
-              <a:rPr lang="cs-CZ" sz="1800" dirty="0">
-                <a:latin typeface="Arial Rounded MT Bold" panose="020F0704030504030204" pitchFamily="34" charset="0"/>
-              </a:rPr>
-              <a:t>IDOS.c</a:t>
-            </a:r>
-            <a:r>
-              <a:rPr lang="en-US" sz="1800" dirty="0">
-                <a:latin typeface="Arial Rounded MT Bold" panose="020F0704030504030204" pitchFamily="34" charset="0"/>
-              </a:rPr>
-              <a:t>z </a:t>
-            </a:r>
-            <a:r>
-              <a:rPr lang="en-US" sz="1800" dirty="0" smtClean="0">
-                <a:latin typeface="Arial Rounded MT Bold" panose="020F0704030504030204" pitchFamily="34" charset="0"/>
-              </a:rPr>
-              <a:t> </a:t>
-            </a:r>
-            <a:r>
-              <a:rPr lang="ru-RU" sz="1800" dirty="0" smtClean="0">
-                <a:latin typeface="Arial Rounded MT Bold" panose="020F0704030504030204" pitchFamily="34" charset="0"/>
-              </a:rPr>
-              <a:t>было осуществлено </a:t>
-            </a:r>
-            <a:r>
-              <a:rPr lang="ru-RU" sz="1800" dirty="0" smtClean="0"/>
-              <a:t>через приложение </a:t>
-            </a:r>
-            <a:r>
-              <a:rPr lang="cs-CZ" sz="1800" dirty="0" smtClean="0">
-                <a:latin typeface="Arial Rounded MT Bold" panose="020F0704030504030204" pitchFamily="34" charset="0"/>
-              </a:rPr>
-              <a:t>POSTMAN,</a:t>
-            </a:r>
-            <a:r>
-              <a:rPr lang="ru-RU" sz="1800" dirty="0" smtClean="0">
-                <a:latin typeface="Arial Rounded MT Bold" panose="020F0704030504030204" pitchFamily="34" charset="0"/>
-              </a:rPr>
-              <a:t> хотя есть и другие альтернативы - такие как </a:t>
-            </a:r>
-            <a:r>
-              <a:rPr lang="cs-CZ" sz="1800" dirty="0" smtClean="0">
-                <a:latin typeface="Arial Rounded MT Bold" panose="020F0704030504030204" pitchFamily="34" charset="0"/>
-              </a:rPr>
-              <a:t>Insomnia, </a:t>
-            </a:r>
-            <a:r>
-              <a:rPr lang="en-US" sz="1800" dirty="0" err="1" smtClean="0">
-                <a:latin typeface="Arial Rounded MT Bold" panose="020F0704030504030204" pitchFamily="34" charset="0"/>
-              </a:rPr>
-              <a:t>Apidog</a:t>
-            </a:r>
-            <a:r>
-              <a:rPr lang="ru-RU" sz="1800" dirty="0" smtClean="0">
-                <a:latin typeface="Arial Rounded MT Bold" panose="020F0704030504030204" pitchFamily="34" charset="0"/>
-              </a:rPr>
-              <a:t>, </a:t>
-            </a:r>
-            <a:r>
-              <a:rPr lang="en-US" sz="1800" dirty="0" err="1">
-                <a:latin typeface="Arial Rounded MT Bold" panose="020F0704030504030204" pitchFamily="34" charset="0"/>
-              </a:rPr>
-              <a:t>SoapUI</a:t>
-            </a:r>
-            <a:r>
-              <a:rPr lang="en-US" sz="1800" dirty="0">
-                <a:latin typeface="Arial Rounded MT Bold" panose="020F0704030504030204" pitchFamily="34" charset="0"/>
-              </a:rPr>
-              <a:t> </a:t>
-            </a:r>
-            <a:r>
-              <a:rPr lang="ru-RU" sz="1800" dirty="0" smtClean="0">
-                <a:latin typeface="Arial Rounded MT Bold" panose="020F0704030504030204" pitchFamily="34" charset="0"/>
-              </a:rPr>
-              <a:t>и другие.</a:t>
-            </a:r>
-          </a:p>
-          <a:p>
-            <a:pPr algn="just"/>
-            <a:endParaRPr lang="ru-RU" sz="1800" dirty="0" smtClean="0">
-              <a:latin typeface="Arial Rounded MT Bold" panose="020F0704030504030204" pitchFamily="34" charset="0"/>
-            </a:endParaRPr>
-          </a:p>
-          <a:p>
-            <a:pPr algn="just"/>
-            <a:r>
-              <a:rPr lang="ru-RU" sz="1800" dirty="0" smtClean="0">
-                <a:latin typeface="Arial Rounded MT Bold" panose="020F0704030504030204" pitchFamily="34" charset="0"/>
-              </a:rPr>
-              <a:t>В ходе тестирования были проверены следующие запросы:  </a:t>
-            </a:r>
-            <a:endParaRPr lang="en-US" dirty="0"/>
-          </a:p>
-          <a:p>
-            <a:pPr marL="742950" lvl="1" indent="-285750" algn="just">
-              <a:buFont typeface="Wingdings" panose="05000000000000000000" pitchFamily="2" charset="2"/>
-              <a:buChar char="Ø"/>
-            </a:pPr>
-            <a:r>
-              <a:rPr lang="ru-RU" dirty="0" smtClean="0">
-                <a:latin typeface="Arial Rounded MT Bold" panose="020F0704030504030204" pitchFamily="34" charset="0"/>
-                <a:ea typeface="+mj-ea"/>
-                <a:cs typeface="+mj-cs"/>
-              </a:rPr>
-              <a:t>корректность </a:t>
-            </a:r>
-            <a:r>
-              <a:rPr lang="ru-RU" dirty="0">
-                <a:latin typeface="Arial Rounded MT Bold" panose="020F0704030504030204" pitchFamily="34" charset="0"/>
-                <a:ea typeface="+mj-ea"/>
-                <a:cs typeface="+mj-cs"/>
-              </a:rPr>
-              <a:t>ответа на запросы поиска маршрутов, включая структуру данных (названия </a:t>
-            </a:r>
-            <a:r>
-              <a:rPr lang="ru-RU" dirty="0" smtClean="0">
-                <a:latin typeface="Arial Rounded MT Bold" panose="020F0704030504030204" pitchFamily="34" charset="0"/>
-                <a:ea typeface="+mj-ea"/>
-                <a:cs typeface="+mj-cs"/>
-              </a:rPr>
-              <a:t>станций и </a:t>
-            </a:r>
-            <a:r>
-              <a:rPr lang="ru-RU" dirty="0">
-                <a:latin typeface="Arial Rounded MT Bold" panose="020F0704030504030204" pitchFamily="34" charset="0"/>
-                <a:ea typeface="+mj-ea"/>
-                <a:cs typeface="+mj-cs"/>
-              </a:rPr>
-              <a:t>время </a:t>
-            </a:r>
-            <a:r>
-              <a:rPr lang="ru-RU" dirty="0" smtClean="0">
-                <a:latin typeface="Arial Rounded MT Bold" panose="020F0704030504030204" pitchFamily="34" charset="0"/>
-                <a:ea typeface="+mj-ea"/>
-                <a:cs typeface="+mj-cs"/>
-              </a:rPr>
-              <a:t>отправления/прибытия);</a:t>
-            </a:r>
-          </a:p>
-          <a:p>
-            <a:pPr marL="742950" lvl="1" indent="-285750" algn="just">
-              <a:buFont typeface="Wingdings" panose="05000000000000000000" pitchFamily="2" charset="2"/>
-              <a:buChar char="Ø"/>
-            </a:pPr>
-            <a:r>
-              <a:rPr lang="ru-RU" dirty="0" smtClean="0">
-                <a:latin typeface="Arial Rounded MT Bold" panose="020F0704030504030204" pitchFamily="34" charset="0"/>
-                <a:ea typeface="+mj-ea"/>
-                <a:cs typeface="+mj-cs"/>
-              </a:rPr>
-              <a:t>API-запросы </a:t>
-            </a:r>
-            <a:r>
-              <a:rPr lang="ru-RU" dirty="0">
-                <a:latin typeface="Arial Rounded MT Bold" panose="020F0704030504030204" pitchFamily="34" charset="0"/>
-                <a:ea typeface="+mj-ea"/>
-                <a:cs typeface="+mj-cs"/>
-              </a:rPr>
-              <a:t>на обработку маршрутов с фильтрами </a:t>
-            </a:r>
-            <a:r>
-              <a:rPr lang="ru-RU" dirty="0" smtClean="0">
-                <a:latin typeface="Arial Rounded MT Bold" panose="020F0704030504030204" pitchFamily="34" charset="0"/>
-                <a:ea typeface="+mj-ea"/>
-                <a:cs typeface="+mj-cs"/>
-              </a:rPr>
-              <a:t>только </a:t>
-            </a:r>
-            <a:r>
-              <a:rPr lang="ru-RU" dirty="0">
-                <a:latin typeface="Arial Rounded MT Bold" panose="020F0704030504030204" pitchFamily="34" charset="0"/>
-                <a:ea typeface="+mj-ea"/>
-                <a:cs typeface="+mj-cs"/>
-              </a:rPr>
-              <a:t>прямые маршруты, время отправления</a:t>
-            </a:r>
-            <a:r>
-              <a:rPr lang="ru-RU" dirty="0" smtClean="0">
-                <a:latin typeface="Arial Rounded MT Bold" panose="020F0704030504030204" pitchFamily="34" charset="0"/>
-                <a:ea typeface="+mj-ea"/>
-                <a:cs typeface="+mj-cs"/>
-              </a:rPr>
-              <a:t>).</a:t>
-            </a:r>
-          </a:p>
-          <a:p>
-            <a:pPr marL="742950" lvl="1" indent="-285750" algn="just">
-              <a:buFont typeface="Wingdings" panose="05000000000000000000" pitchFamily="2" charset="2"/>
-              <a:buChar char="Ø"/>
-            </a:pPr>
-            <a:r>
-              <a:rPr lang="ru-RU" dirty="0" smtClean="0">
-                <a:latin typeface="Arial Rounded MT Bold" panose="020F0704030504030204" pitchFamily="34" charset="0"/>
-                <a:ea typeface="+mj-ea"/>
-                <a:cs typeface="+mj-cs"/>
-              </a:rPr>
-              <a:t>добавление маршрута </a:t>
-            </a:r>
-            <a:r>
-              <a:rPr lang="ru-RU" dirty="0">
-                <a:latin typeface="Arial Rounded MT Bold" panose="020F0704030504030204" pitchFamily="34" charset="0"/>
-                <a:ea typeface="+mj-ea"/>
-                <a:cs typeface="+mj-cs"/>
-              </a:rPr>
-              <a:t>в «</a:t>
-            </a:r>
-            <a:r>
-              <a:rPr lang="ru-RU" dirty="0" smtClean="0">
-                <a:latin typeface="Arial Rounded MT Bold" panose="020F0704030504030204" pitchFamily="34" charset="0"/>
-                <a:ea typeface="+mj-ea"/>
-                <a:cs typeface="+mj-cs"/>
-              </a:rPr>
-              <a:t>Избранное»;</a:t>
-            </a:r>
-          </a:p>
-          <a:p>
-            <a:pPr marL="742950" lvl="1" indent="-285750" algn="just">
-              <a:buFont typeface="Wingdings" panose="05000000000000000000" pitchFamily="2" charset="2"/>
-              <a:buChar char="Ø"/>
-            </a:pPr>
-            <a:r>
-              <a:rPr lang="ru-RU" dirty="0" smtClean="0">
-                <a:latin typeface="Arial Rounded MT Bold" panose="020F0704030504030204" pitchFamily="34" charset="0"/>
-                <a:ea typeface="+mj-ea"/>
-                <a:cs typeface="+mj-cs"/>
-              </a:rPr>
-              <a:t>отображение карты построенного маршрута;</a:t>
-            </a:r>
-          </a:p>
-          <a:p>
-            <a:pPr marL="742950" lvl="1" indent="-285750" algn="just">
-              <a:buFont typeface="Wingdings" panose="05000000000000000000" pitchFamily="2" charset="2"/>
-              <a:buChar char="Ø"/>
-            </a:pPr>
-            <a:r>
-              <a:rPr lang="ru-RU" dirty="0" smtClean="0">
-                <a:latin typeface="Arial Rounded MT Bold" panose="020F0704030504030204" pitchFamily="34" charset="0"/>
-                <a:ea typeface="+mj-ea"/>
-                <a:cs typeface="+mj-cs"/>
-              </a:rPr>
-              <a:t>добавление построенного маршрута в корзину для оплаты билетов;</a:t>
-            </a:r>
-          </a:p>
-          <a:p>
-            <a:pPr marL="742950" lvl="1" indent="-285750" algn="just">
-              <a:buFont typeface="Wingdings" panose="05000000000000000000" pitchFamily="2" charset="2"/>
-              <a:buChar char="Ø"/>
-            </a:pPr>
-            <a:r>
-              <a:rPr lang="ru-RU" dirty="0" smtClean="0">
-                <a:latin typeface="Arial Rounded MT Bold" panose="020F0704030504030204" pitchFamily="34" charset="0"/>
-                <a:ea typeface="+mj-ea"/>
-                <a:cs typeface="+mj-cs"/>
-              </a:rPr>
-              <a:t>корректность отображения в запросе итоговой суммы к оплате.</a:t>
-            </a:r>
-            <a:endParaRPr lang="en-US" sz="1800" dirty="0">
-              <a:latin typeface="Arial Rounded MT Bold" panose="020F0704030504030204" pitchFamily="34" charset="0"/>
-            </a:endParaRPr>
-          </a:p>
-        </p:txBody>
-      </p:sp>
-    </p:spTree>
-    <p:extLst>
-      <p:ext uri="{BB962C8B-B14F-4D97-AF65-F5344CB8AC3E}">
-        <p14:creationId xmlns:p14="http://schemas.microsoft.com/office/powerpoint/2010/main" val="2911503002"/>
       </p:ext>
     </p:extLst>
   </p:cSld>

--- a/IDOS_TestProject_Dotu_Alexandr.pptx
+++ b/IDOS_TestProject_Dotu_Alexandr.pptx
@@ -5,7 +5,7 @@
     <p:sldMasterId id="2147483714" r:id="rId1"/>
   </p:sldMasterIdLst>
   <p:notesMasterIdLst>
-    <p:notesMasterId r:id="rId13"/>
+    <p:notesMasterId r:id="rId20"/>
   </p:notesMasterIdLst>
   <p:sldIdLst>
     <p:sldId id="261" r:id="rId2"/>
@@ -19,6 +19,13 @@
     <p:sldId id="260" r:id="rId10"/>
     <p:sldId id="257" r:id="rId11"/>
     <p:sldId id="268" r:id="rId12"/>
+    <p:sldId id="270" r:id="rId13"/>
+    <p:sldId id="271" r:id="rId14"/>
+    <p:sldId id="272" r:id="rId15"/>
+    <p:sldId id="276" r:id="rId16"/>
+    <p:sldId id="273" r:id="rId17"/>
+    <p:sldId id="274" r:id="rId18"/>
+    <p:sldId id="275" r:id="rId19"/>
   </p:sldIdLst>
   <p:sldSz cx="9144000" cy="6858000" type="screen4x3"/>
   <p:notesSz cx="6858000" cy="9144000"/>
@@ -219,7 +226,7 @@
           <a:p>
             <a:fld id="{2EED2B5F-36AC-480A-AA26-BA663C00F754}" type="datetimeFigureOut">
               <a:rPr lang="en-US" smtClean="0"/>
-              <a:t>11/21/2024</a:t>
+              <a:t>11/23/2024</a:t>
             </a:fld>
             <a:endParaRPr lang="en-US"/>
           </a:p>
@@ -754,6 +761,540 @@
 </p:notes>
 </file>
 
+<file path=ppt/notesSlides/notesSlide12.xml><?xml version="1.0" encoding="utf-8"?>
+<p:notes xmlns:a="http://schemas.openxmlformats.org/drawingml/2006/main" xmlns:r="http://schemas.openxmlformats.org/officeDocument/2006/relationships" xmlns:p="http://schemas.openxmlformats.org/presentationml/2006/main">
+  <p:cSld>
+    <p:spTree>
+      <p:nvGrpSpPr>
+        <p:cNvPr id="1" name=""/>
+        <p:cNvGrpSpPr/>
+        <p:nvPr/>
+      </p:nvGrpSpPr>
+      <p:grpSpPr>
+        <a:xfrm>
+          <a:off x="0" y="0"/>
+          <a:ext cx="0" cy="0"/>
+          <a:chOff x="0" y="0"/>
+          <a:chExt cx="0" cy="0"/>
+        </a:xfrm>
+      </p:grpSpPr>
+      <p:sp>
+        <p:nvSpPr>
+          <p:cNvPr id="2" name="Образ слайда 1"/>
+          <p:cNvSpPr>
+            <a:spLocks noGrp="1" noRot="1" noChangeAspect="1"/>
+          </p:cNvSpPr>
+          <p:nvPr>
+            <p:ph type="sldImg"/>
+          </p:nvPr>
+        </p:nvSpPr>
+        <p:spPr>
+          <a:xfrm>
+            <a:off x="1371600" y="1143000"/>
+            <a:ext cx="4114800" cy="3086100"/>
+          </a:xfrm>
+        </p:spPr>
+      </p:sp>
+      <p:sp>
+        <p:nvSpPr>
+          <p:cNvPr id="3" name="Заметки 2"/>
+          <p:cNvSpPr>
+            <a:spLocks noGrp="1"/>
+          </p:cNvSpPr>
+          <p:nvPr>
+            <p:ph type="body" idx="1"/>
+          </p:nvPr>
+        </p:nvSpPr>
+        <p:spPr/>
+        <p:txBody>
+          <a:bodyPr/>
+          <a:lstStyle/>
+          <a:p>
+            <a:endParaRPr lang="en-US"/>
+          </a:p>
+        </p:txBody>
+      </p:sp>
+      <p:sp>
+        <p:nvSpPr>
+          <p:cNvPr id="4" name="Номер слайда 3"/>
+          <p:cNvSpPr>
+            <a:spLocks noGrp="1"/>
+          </p:cNvSpPr>
+          <p:nvPr>
+            <p:ph type="sldNum" sz="quarter" idx="10"/>
+          </p:nvPr>
+        </p:nvSpPr>
+        <p:spPr/>
+        <p:txBody>
+          <a:bodyPr/>
+          <a:lstStyle/>
+          <a:p>
+            <a:fld id="{28387F2E-C87D-4262-A6E2-73D2CE6EC267}" type="slidenum">
+              <a:rPr lang="en-US" smtClean="0"/>
+              <a:t>12</a:t>
+            </a:fld>
+            <a:endParaRPr lang="en-US"/>
+          </a:p>
+        </p:txBody>
+      </p:sp>
+    </p:spTree>
+    <p:extLst>
+      <p:ext uri="{BB962C8B-B14F-4D97-AF65-F5344CB8AC3E}">
+        <p14:creationId xmlns:p14="http://schemas.microsoft.com/office/powerpoint/2010/main" val="2971857596"/>
+      </p:ext>
+    </p:extLst>
+  </p:cSld>
+  <p:clrMapOvr>
+    <a:masterClrMapping/>
+  </p:clrMapOvr>
+</p:notes>
+</file>
+
+<file path=ppt/notesSlides/notesSlide13.xml><?xml version="1.0" encoding="utf-8"?>
+<p:notes xmlns:a="http://schemas.openxmlformats.org/drawingml/2006/main" xmlns:r="http://schemas.openxmlformats.org/officeDocument/2006/relationships" xmlns:p="http://schemas.openxmlformats.org/presentationml/2006/main">
+  <p:cSld>
+    <p:spTree>
+      <p:nvGrpSpPr>
+        <p:cNvPr id="1" name=""/>
+        <p:cNvGrpSpPr/>
+        <p:nvPr/>
+      </p:nvGrpSpPr>
+      <p:grpSpPr>
+        <a:xfrm>
+          <a:off x="0" y="0"/>
+          <a:ext cx="0" cy="0"/>
+          <a:chOff x="0" y="0"/>
+          <a:chExt cx="0" cy="0"/>
+        </a:xfrm>
+      </p:grpSpPr>
+      <p:sp>
+        <p:nvSpPr>
+          <p:cNvPr id="2" name="Образ слайда 1"/>
+          <p:cNvSpPr>
+            <a:spLocks noGrp="1" noRot="1" noChangeAspect="1"/>
+          </p:cNvSpPr>
+          <p:nvPr>
+            <p:ph type="sldImg"/>
+          </p:nvPr>
+        </p:nvSpPr>
+        <p:spPr>
+          <a:xfrm>
+            <a:off x="1371600" y="1143000"/>
+            <a:ext cx="4114800" cy="3086100"/>
+          </a:xfrm>
+        </p:spPr>
+      </p:sp>
+      <p:sp>
+        <p:nvSpPr>
+          <p:cNvPr id="3" name="Заметки 2"/>
+          <p:cNvSpPr>
+            <a:spLocks noGrp="1"/>
+          </p:cNvSpPr>
+          <p:nvPr>
+            <p:ph type="body" idx="1"/>
+          </p:nvPr>
+        </p:nvSpPr>
+        <p:spPr/>
+        <p:txBody>
+          <a:bodyPr/>
+          <a:lstStyle/>
+          <a:p>
+            <a:endParaRPr lang="en-US"/>
+          </a:p>
+        </p:txBody>
+      </p:sp>
+      <p:sp>
+        <p:nvSpPr>
+          <p:cNvPr id="4" name="Номер слайда 3"/>
+          <p:cNvSpPr>
+            <a:spLocks noGrp="1"/>
+          </p:cNvSpPr>
+          <p:nvPr>
+            <p:ph type="sldNum" sz="quarter" idx="10"/>
+          </p:nvPr>
+        </p:nvSpPr>
+        <p:spPr/>
+        <p:txBody>
+          <a:bodyPr/>
+          <a:lstStyle/>
+          <a:p>
+            <a:fld id="{28387F2E-C87D-4262-A6E2-73D2CE6EC267}" type="slidenum">
+              <a:rPr lang="en-US" smtClean="0"/>
+              <a:t>13</a:t>
+            </a:fld>
+            <a:endParaRPr lang="en-US"/>
+          </a:p>
+        </p:txBody>
+      </p:sp>
+    </p:spTree>
+    <p:extLst>
+      <p:ext uri="{BB962C8B-B14F-4D97-AF65-F5344CB8AC3E}">
+        <p14:creationId xmlns:p14="http://schemas.microsoft.com/office/powerpoint/2010/main" val="3170375059"/>
+      </p:ext>
+    </p:extLst>
+  </p:cSld>
+  <p:clrMapOvr>
+    <a:masterClrMapping/>
+  </p:clrMapOvr>
+</p:notes>
+</file>
+
+<file path=ppt/notesSlides/notesSlide14.xml><?xml version="1.0" encoding="utf-8"?>
+<p:notes xmlns:a="http://schemas.openxmlformats.org/drawingml/2006/main" xmlns:r="http://schemas.openxmlformats.org/officeDocument/2006/relationships" xmlns:p="http://schemas.openxmlformats.org/presentationml/2006/main">
+  <p:cSld>
+    <p:spTree>
+      <p:nvGrpSpPr>
+        <p:cNvPr id="1" name=""/>
+        <p:cNvGrpSpPr/>
+        <p:nvPr/>
+      </p:nvGrpSpPr>
+      <p:grpSpPr>
+        <a:xfrm>
+          <a:off x="0" y="0"/>
+          <a:ext cx="0" cy="0"/>
+          <a:chOff x="0" y="0"/>
+          <a:chExt cx="0" cy="0"/>
+        </a:xfrm>
+      </p:grpSpPr>
+      <p:sp>
+        <p:nvSpPr>
+          <p:cNvPr id="2" name="Образ слайда 1"/>
+          <p:cNvSpPr>
+            <a:spLocks noGrp="1" noRot="1" noChangeAspect="1"/>
+          </p:cNvSpPr>
+          <p:nvPr>
+            <p:ph type="sldImg"/>
+          </p:nvPr>
+        </p:nvSpPr>
+        <p:spPr>
+          <a:xfrm>
+            <a:off x="1371600" y="1143000"/>
+            <a:ext cx="4114800" cy="3086100"/>
+          </a:xfrm>
+        </p:spPr>
+      </p:sp>
+      <p:sp>
+        <p:nvSpPr>
+          <p:cNvPr id="3" name="Заметки 2"/>
+          <p:cNvSpPr>
+            <a:spLocks noGrp="1"/>
+          </p:cNvSpPr>
+          <p:nvPr>
+            <p:ph type="body" idx="1"/>
+          </p:nvPr>
+        </p:nvSpPr>
+        <p:spPr/>
+        <p:txBody>
+          <a:bodyPr/>
+          <a:lstStyle/>
+          <a:p>
+            <a:endParaRPr lang="en-US"/>
+          </a:p>
+        </p:txBody>
+      </p:sp>
+      <p:sp>
+        <p:nvSpPr>
+          <p:cNvPr id="4" name="Номер слайда 3"/>
+          <p:cNvSpPr>
+            <a:spLocks noGrp="1"/>
+          </p:cNvSpPr>
+          <p:nvPr>
+            <p:ph type="sldNum" sz="quarter" idx="10"/>
+          </p:nvPr>
+        </p:nvSpPr>
+        <p:spPr/>
+        <p:txBody>
+          <a:bodyPr/>
+          <a:lstStyle/>
+          <a:p>
+            <a:fld id="{28387F2E-C87D-4262-A6E2-73D2CE6EC267}" type="slidenum">
+              <a:rPr lang="en-US" smtClean="0"/>
+              <a:t>14</a:t>
+            </a:fld>
+            <a:endParaRPr lang="en-US"/>
+          </a:p>
+        </p:txBody>
+      </p:sp>
+    </p:spTree>
+    <p:extLst>
+      <p:ext uri="{BB962C8B-B14F-4D97-AF65-F5344CB8AC3E}">
+        <p14:creationId xmlns:p14="http://schemas.microsoft.com/office/powerpoint/2010/main" val="2061505239"/>
+      </p:ext>
+    </p:extLst>
+  </p:cSld>
+  <p:clrMapOvr>
+    <a:masterClrMapping/>
+  </p:clrMapOvr>
+</p:notes>
+</file>
+
+<file path=ppt/notesSlides/notesSlide15.xml><?xml version="1.0" encoding="utf-8"?>
+<p:notes xmlns:a="http://schemas.openxmlformats.org/drawingml/2006/main" xmlns:r="http://schemas.openxmlformats.org/officeDocument/2006/relationships" xmlns:p="http://schemas.openxmlformats.org/presentationml/2006/main">
+  <p:cSld>
+    <p:spTree>
+      <p:nvGrpSpPr>
+        <p:cNvPr id="1" name=""/>
+        <p:cNvGrpSpPr/>
+        <p:nvPr/>
+      </p:nvGrpSpPr>
+      <p:grpSpPr>
+        <a:xfrm>
+          <a:off x="0" y="0"/>
+          <a:ext cx="0" cy="0"/>
+          <a:chOff x="0" y="0"/>
+          <a:chExt cx="0" cy="0"/>
+        </a:xfrm>
+      </p:grpSpPr>
+      <p:sp>
+        <p:nvSpPr>
+          <p:cNvPr id="2" name="Образ слайда 1"/>
+          <p:cNvSpPr>
+            <a:spLocks noGrp="1" noRot="1" noChangeAspect="1"/>
+          </p:cNvSpPr>
+          <p:nvPr>
+            <p:ph type="sldImg"/>
+          </p:nvPr>
+        </p:nvSpPr>
+        <p:spPr>
+          <a:xfrm>
+            <a:off x="1371600" y="1143000"/>
+            <a:ext cx="4114800" cy="3086100"/>
+          </a:xfrm>
+        </p:spPr>
+      </p:sp>
+      <p:sp>
+        <p:nvSpPr>
+          <p:cNvPr id="3" name="Заметки 2"/>
+          <p:cNvSpPr>
+            <a:spLocks noGrp="1"/>
+          </p:cNvSpPr>
+          <p:nvPr>
+            <p:ph type="body" idx="1"/>
+          </p:nvPr>
+        </p:nvSpPr>
+        <p:spPr/>
+        <p:txBody>
+          <a:bodyPr/>
+          <a:lstStyle/>
+          <a:p>
+            <a:endParaRPr lang="en-US"/>
+          </a:p>
+        </p:txBody>
+      </p:sp>
+      <p:sp>
+        <p:nvSpPr>
+          <p:cNvPr id="4" name="Номер слайда 3"/>
+          <p:cNvSpPr>
+            <a:spLocks noGrp="1"/>
+          </p:cNvSpPr>
+          <p:nvPr>
+            <p:ph type="sldNum" sz="quarter" idx="10"/>
+          </p:nvPr>
+        </p:nvSpPr>
+        <p:spPr/>
+        <p:txBody>
+          <a:bodyPr/>
+          <a:lstStyle/>
+          <a:p>
+            <a:fld id="{28387F2E-C87D-4262-A6E2-73D2CE6EC267}" type="slidenum">
+              <a:rPr lang="en-US" smtClean="0"/>
+              <a:t>16</a:t>
+            </a:fld>
+            <a:endParaRPr lang="en-US"/>
+          </a:p>
+        </p:txBody>
+      </p:sp>
+    </p:spTree>
+    <p:extLst>
+      <p:ext uri="{BB962C8B-B14F-4D97-AF65-F5344CB8AC3E}">
+        <p14:creationId xmlns:p14="http://schemas.microsoft.com/office/powerpoint/2010/main" val="3813536468"/>
+      </p:ext>
+    </p:extLst>
+  </p:cSld>
+  <p:clrMapOvr>
+    <a:masterClrMapping/>
+  </p:clrMapOvr>
+</p:notes>
+</file>
+
+<file path=ppt/notesSlides/notesSlide16.xml><?xml version="1.0" encoding="utf-8"?>
+<p:notes xmlns:a="http://schemas.openxmlformats.org/drawingml/2006/main" xmlns:r="http://schemas.openxmlformats.org/officeDocument/2006/relationships" xmlns:p="http://schemas.openxmlformats.org/presentationml/2006/main">
+  <p:cSld>
+    <p:spTree>
+      <p:nvGrpSpPr>
+        <p:cNvPr id="1" name=""/>
+        <p:cNvGrpSpPr/>
+        <p:nvPr/>
+      </p:nvGrpSpPr>
+      <p:grpSpPr>
+        <a:xfrm>
+          <a:off x="0" y="0"/>
+          <a:ext cx="0" cy="0"/>
+          <a:chOff x="0" y="0"/>
+          <a:chExt cx="0" cy="0"/>
+        </a:xfrm>
+      </p:grpSpPr>
+      <p:sp>
+        <p:nvSpPr>
+          <p:cNvPr id="2" name="Образ слайда 1"/>
+          <p:cNvSpPr>
+            <a:spLocks noGrp="1" noRot="1" noChangeAspect="1"/>
+          </p:cNvSpPr>
+          <p:nvPr>
+            <p:ph type="sldImg"/>
+          </p:nvPr>
+        </p:nvSpPr>
+        <p:spPr>
+          <a:xfrm>
+            <a:off x="1371600" y="1143000"/>
+            <a:ext cx="4114800" cy="3086100"/>
+          </a:xfrm>
+        </p:spPr>
+      </p:sp>
+      <p:sp>
+        <p:nvSpPr>
+          <p:cNvPr id="3" name="Заметки 2"/>
+          <p:cNvSpPr>
+            <a:spLocks noGrp="1"/>
+          </p:cNvSpPr>
+          <p:nvPr>
+            <p:ph type="body" idx="1"/>
+          </p:nvPr>
+        </p:nvSpPr>
+        <p:spPr/>
+        <p:txBody>
+          <a:bodyPr/>
+          <a:lstStyle/>
+          <a:p>
+            <a:endParaRPr lang="en-US"/>
+          </a:p>
+        </p:txBody>
+      </p:sp>
+      <p:sp>
+        <p:nvSpPr>
+          <p:cNvPr id="4" name="Номер слайда 3"/>
+          <p:cNvSpPr>
+            <a:spLocks noGrp="1"/>
+          </p:cNvSpPr>
+          <p:nvPr>
+            <p:ph type="sldNum" sz="quarter" idx="10"/>
+          </p:nvPr>
+        </p:nvSpPr>
+        <p:spPr/>
+        <p:txBody>
+          <a:bodyPr/>
+          <a:lstStyle/>
+          <a:p>
+            <a:fld id="{28387F2E-C87D-4262-A6E2-73D2CE6EC267}" type="slidenum">
+              <a:rPr lang="en-US" smtClean="0"/>
+              <a:t>17</a:t>
+            </a:fld>
+            <a:endParaRPr lang="en-US"/>
+          </a:p>
+        </p:txBody>
+      </p:sp>
+    </p:spTree>
+    <p:extLst>
+      <p:ext uri="{BB962C8B-B14F-4D97-AF65-F5344CB8AC3E}">
+        <p14:creationId xmlns:p14="http://schemas.microsoft.com/office/powerpoint/2010/main" val="567087403"/>
+      </p:ext>
+    </p:extLst>
+  </p:cSld>
+  <p:clrMapOvr>
+    <a:masterClrMapping/>
+  </p:clrMapOvr>
+</p:notes>
+</file>
+
+<file path=ppt/notesSlides/notesSlide17.xml><?xml version="1.0" encoding="utf-8"?>
+<p:notes xmlns:a="http://schemas.openxmlformats.org/drawingml/2006/main" xmlns:r="http://schemas.openxmlformats.org/officeDocument/2006/relationships" xmlns:p="http://schemas.openxmlformats.org/presentationml/2006/main">
+  <p:cSld>
+    <p:spTree>
+      <p:nvGrpSpPr>
+        <p:cNvPr id="1" name=""/>
+        <p:cNvGrpSpPr/>
+        <p:nvPr/>
+      </p:nvGrpSpPr>
+      <p:grpSpPr>
+        <a:xfrm>
+          <a:off x="0" y="0"/>
+          <a:ext cx="0" cy="0"/>
+          <a:chOff x="0" y="0"/>
+          <a:chExt cx="0" cy="0"/>
+        </a:xfrm>
+      </p:grpSpPr>
+      <p:sp>
+        <p:nvSpPr>
+          <p:cNvPr id="2" name="Образ слайда 1"/>
+          <p:cNvSpPr>
+            <a:spLocks noGrp="1" noRot="1" noChangeAspect="1"/>
+          </p:cNvSpPr>
+          <p:nvPr>
+            <p:ph type="sldImg"/>
+          </p:nvPr>
+        </p:nvSpPr>
+        <p:spPr>
+          <a:xfrm>
+            <a:off x="1371600" y="1143000"/>
+            <a:ext cx="4114800" cy="3086100"/>
+          </a:xfrm>
+        </p:spPr>
+      </p:sp>
+      <p:sp>
+        <p:nvSpPr>
+          <p:cNvPr id="3" name="Заметки 2"/>
+          <p:cNvSpPr>
+            <a:spLocks noGrp="1"/>
+          </p:cNvSpPr>
+          <p:nvPr>
+            <p:ph type="body" idx="1"/>
+          </p:nvPr>
+        </p:nvSpPr>
+        <p:spPr/>
+        <p:txBody>
+          <a:bodyPr/>
+          <a:lstStyle/>
+          <a:p>
+            <a:endParaRPr lang="en-US"/>
+          </a:p>
+        </p:txBody>
+      </p:sp>
+      <p:sp>
+        <p:nvSpPr>
+          <p:cNvPr id="4" name="Номер слайда 3"/>
+          <p:cNvSpPr>
+            <a:spLocks noGrp="1"/>
+          </p:cNvSpPr>
+          <p:nvPr>
+            <p:ph type="sldNum" sz="quarter" idx="10"/>
+          </p:nvPr>
+        </p:nvSpPr>
+        <p:spPr/>
+        <p:txBody>
+          <a:bodyPr/>
+          <a:lstStyle/>
+          <a:p>
+            <a:fld id="{28387F2E-C87D-4262-A6E2-73D2CE6EC267}" type="slidenum">
+              <a:rPr lang="en-US" smtClean="0"/>
+              <a:t>18</a:t>
+            </a:fld>
+            <a:endParaRPr lang="en-US"/>
+          </a:p>
+        </p:txBody>
+      </p:sp>
+    </p:spTree>
+    <p:extLst>
+      <p:ext uri="{BB962C8B-B14F-4D97-AF65-F5344CB8AC3E}">
+        <p14:creationId xmlns:p14="http://schemas.microsoft.com/office/powerpoint/2010/main" val="515614881"/>
+      </p:ext>
+    </p:extLst>
+  </p:cSld>
+  <p:clrMapOvr>
+    <a:masterClrMapping/>
+  </p:clrMapOvr>
+</p:notes>
+</file>
+
 <file path=ppt/notesSlides/notesSlide2.xml><?xml version="1.0" encoding="utf-8"?>
 <p:notes xmlns:a="http://schemas.openxmlformats.org/drawingml/2006/main" xmlns:r="http://schemas.openxmlformats.org/officeDocument/2006/relationships" xmlns:p="http://schemas.openxmlformats.org/presentationml/2006/main">
   <p:cSld>
@@ -1745,7 +2286,7 @@
           <a:p>
             <a:fld id="{FB255CF5-3CF5-431F-BEAF-90432C5674A7}" type="datetimeFigureOut">
               <a:rPr lang="en-US" smtClean="0"/>
-              <a:t>11/21/2024</a:t>
+              <a:t>11/23/2024</a:t>
             </a:fld>
             <a:endParaRPr lang="en-US"/>
           </a:p>
@@ -2177,7 +2718,7 @@
           <a:p>
             <a:fld id="{FB255CF5-3CF5-431F-BEAF-90432C5674A7}" type="datetimeFigureOut">
               <a:rPr lang="en-US" smtClean="0"/>
-              <a:t>11/21/2024</a:t>
+              <a:t>11/23/2024</a:t>
             </a:fld>
             <a:endParaRPr lang="en-US"/>
           </a:p>
@@ -2526,7 +3067,7 @@
           <a:p>
             <a:fld id="{FB255CF5-3CF5-431F-BEAF-90432C5674A7}" type="datetimeFigureOut">
               <a:rPr lang="en-US" smtClean="0"/>
-              <a:t>11/21/2024</a:t>
+              <a:t>11/23/2024</a:t>
             </a:fld>
             <a:endParaRPr lang="en-US"/>
           </a:p>
@@ -2944,7 +3485,7 @@
           <a:p>
             <a:fld id="{FB255CF5-3CF5-431F-BEAF-90432C5674A7}" type="datetimeFigureOut">
               <a:rPr lang="en-US" smtClean="0"/>
-              <a:t>11/21/2024</a:t>
+              <a:t>11/23/2024</a:t>
             </a:fld>
             <a:endParaRPr lang="en-US"/>
           </a:p>
@@ -3525,7 +4066,7 @@
           <a:p>
             <a:fld id="{FB255CF5-3CF5-431F-BEAF-90432C5674A7}" type="datetimeFigureOut">
               <a:rPr lang="en-US" smtClean="0"/>
-              <a:t>11/21/2024</a:t>
+              <a:t>11/23/2024</a:t>
             </a:fld>
             <a:endParaRPr lang="en-US"/>
           </a:p>
@@ -4219,7 +4760,7 @@
           <a:p>
             <a:fld id="{FB255CF5-3CF5-431F-BEAF-90432C5674A7}" type="datetimeFigureOut">
               <a:rPr lang="en-US" smtClean="0"/>
-              <a:t>11/21/2024</a:t>
+              <a:t>11/23/2024</a:t>
             </a:fld>
             <a:endParaRPr lang="en-US"/>
           </a:p>
@@ -5145,7 +5686,7 @@
           <a:p>
             <a:fld id="{FB255CF5-3CF5-431F-BEAF-90432C5674A7}" type="datetimeFigureOut">
               <a:rPr lang="en-US" smtClean="0"/>
-              <a:t>11/21/2024</a:t>
+              <a:t>11/23/2024</a:t>
             </a:fld>
             <a:endParaRPr lang="en-US"/>
           </a:p>
@@ -5476,7 +6017,7 @@
           <a:p>
             <a:fld id="{FB255CF5-3CF5-431F-BEAF-90432C5674A7}" type="datetimeFigureOut">
               <a:rPr lang="en-US" smtClean="0"/>
-              <a:t>11/21/2024</a:t>
+              <a:t>11/23/2024</a:t>
             </a:fld>
             <a:endParaRPr lang="en-US"/>
           </a:p>
@@ -5755,7 +6296,7 @@
           <a:p>
             <a:fld id="{FB255CF5-3CF5-431F-BEAF-90432C5674A7}" type="datetimeFigureOut">
               <a:rPr lang="en-US" smtClean="0"/>
-              <a:t>11/21/2024</a:t>
+              <a:t>11/23/2024</a:t>
             </a:fld>
             <a:endParaRPr lang="en-US"/>
           </a:p>
@@ -6091,7 +6632,7 @@
           <a:p>
             <a:fld id="{FB255CF5-3CF5-431F-BEAF-90432C5674A7}" type="datetimeFigureOut">
               <a:rPr lang="en-US" smtClean="0"/>
-              <a:t>11/21/2024</a:t>
+              <a:t>11/23/2024</a:t>
             </a:fld>
             <a:endParaRPr lang="en-US"/>
           </a:p>
@@ -6498,7 +7039,7 @@
           <a:p>
             <a:fld id="{FB255CF5-3CF5-431F-BEAF-90432C5674A7}" type="datetimeFigureOut">
               <a:rPr lang="en-US" smtClean="0"/>
-              <a:t>11/21/2024</a:t>
+              <a:t>11/23/2024</a:t>
             </a:fld>
             <a:endParaRPr lang="en-US"/>
           </a:p>
@@ -6897,7 +7438,7 @@
           <a:p>
             <a:fld id="{FB255CF5-3CF5-431F-BEAF-90432C5674A7}" type="datetimeFigureOut">
               <a:rPr lang="en-US" smtClean="0"/>
-              <a:t>11/21/2024</a:t>
+              <a:t>11/23/2024</a:t>
             </a:fld>
             <a:endParaRPr lang="en-US"/>
           </a:p>
@@ -7416,7 +7957,7 @@
           <a:p>
             <a:fld id="{FB255CF5-3CF5-431F-BEAF-90432C5674A7}" type="datetimeFigureOut">
               <a:rPr lang="en-US" smtClean="0"/>
-              <a:t>11/21/2024</a:t>
+              <a:t>11/23/2024</a:t>
             </a:fld>
             <a:endParaRPr lang="en-US"/>
           </a:p>
@@ -7686,7 +8227,7 @@
           <a:p>
             <a:fld id="{FB255CF5-3CF5-431F-BEAF-90432C5674A7}" type="datetimeFigureOut">
               <a:rPr lang="en-US" smtClean="0"/>
-              <a:t>11/21/2024</a:t>
+              <a:t>11/23/2024</a:t>
             </a:fld>
             <a:endParaRPr lang="en-US"/>
           </a:p>
@@ -7848,7 +8389,7 @@
           <a:p>
             <a:fld id="{FB255CF5-3CF5-431F-BEAF-90432C5674A7}" type="datetimeFigureOut">
               <a:rPr lang="en-US" smtClean="0"/>
-              <a:t>11/21/2024</a:t>
+              <a:t>11/23/2024</a:t>
             </a:fld>
             <a:endParaRPr lang="en-US"/>
           </a:p>
@@ -8251,7 +8792,7 @@
           <a:p>
             <a:fld id="{FB255CF5-3CF5-431F-BEAF-90432C5674A7}" type="datetimeFigureOut">
               <a:rPr lang="en-US" smtClean="0"/>
-              <a:t>11/21/2024</a:t>
+              <a:t>11/23/2024</a:t>
             </a:fld>
             <a:endParaRPr lang="en-US"/>
           </a:p>
@@ -8673,7 +9214,7 @@
           <a:p>
             <a:fld id="{FB255CF5-3CF5-431F-BEAF-90432C5674A7}" type="datetimeFigureOut">
               <a:rPr lang="en-US" smtClean="0"/>
-              <a:t>11/21/2024</a:t>
+              <a:t>11/23/2024</a:t>
             </a:fld>
             <a:endParaRPr lang="en-US"/>
           </a:p>
@@ -8788,7 +9329,7 @@
           </a:prstGeom>
           <a:extLst>
             <a:ext uri="{909E8E84-426E-40dd-AFC4-6F175D3DCCD1}">
-              <a14:hiddenFill xmlns:a14="http://schemas.microsoft.com/office/drawing/2010/main" xmlns="">
+              <a14:hiddenFill xmlns="" xmlns:a14="http://schemas.microsoft.com/office/drawing/2010/main">
                 <a:solidFill>
                   <a:srgbClr val="FFFFFF"/>
                 </a:solidFill>
@@ -8927,7 +9468,7 @@
           <a:p>
             <a:fld id="{FB255CF5-3CF5-431F-BEAF-90432C5674A7}" type="datetimeFigureOut">
               <a:rPr lang="en-US" smtClean="0"/>
-              <a:t>11/21/2024</a:t>
+              <a:t>11/23/2024</a:t>
             </a:fld>
             <a:endParaRPr lang="en-US"/>
           </a:p>
@@ -10131,158 +10672,176 @@
           <a:p>
             <a:pPr algn="just"/>
             <a:r>
-              <a:rPr lang="ru-RU" sz="1800" b="1" dirty="0"/>
+              <a:rPr lang="ru-RU" sz="1700" b="1" dirty="0">
+                <a:latin typeface="+mn-lt"/>
+              </a:rPr>
               <a:t>API</a:t>
             </a:r>
             <a:r>
-              <a:rPr lang="ru-RU" sz="1800" dirty="0"/>
+              <a:rPr lang="ru-RU" sz="1700" dirty="0">
+                <a:latin typeface="+mn-lt"/>
+              </a:rPr>
               <a:t> (</a:t>
             </a:r>
             <a:r>
-              <a:rPr lang="ru-RU" sz="1800" dirty="0" err="1"/>
+              <a:rPr lang="ru-RU" sz="1700" dirty="0" err="1">
+                <a:latin typeface="+mn-lt"/>
+              </a:rPr>
               <a:t>Application</a:t>
             </a:r>
             <a:r>
-              <a:rPr lang="ru-RU" sz="1800" dirty="0"/>
+              <a:rPr lang="ru-RU" sz="1700" dirty="0">
+                <a:latin typeface="+mn-lt"/>
+              </a:rPr>
               <a:t> </a:t>
             </a:r>
             <a:r>
-              <a:rPr lang="ru-RU" sz="1800" dirty="0" err="1"/>
+              <a:rPr lang="ru-RU" sz="1700" dirty="0" err="1">
+                <a:latin typeface="+mn-lt"/>
+              </a:rPr>
               <a:t>Programming</a:t>
             </a:r>
             <a:r>
-              <a:rPr lang="ru-RU" sz="1800" dirty="0"/>
+              <a:rPr lang="ru-RU" sz="1700" dirty="0">
+                <a:latin typeface="+mn-lt"/>
+              </a:rPr>
               <a:t> </a:t>
             </a:r>
             <a:r>
-              <a:rPr lang="ru-RU" sz="1800" dirty="0" err="1"/>
+              <a:rPr lang="ru-RU" sz="1700" dirty="0" err="1">
+                <a:latin typeface="+mn-lt"/>
+              </a:rPr>
               <a:t>Interface</a:t>
             </a:r>
             <a:r>
-              <a:rPr lang="ru-RU" sz="1800" dirty="0"/>
+              <a:rPr lang="ru-RU" sz="1700" dirty="0">
+                <a:latin typeface="+mn-lt"/>
+              </a:rPr>
               <a:t>) - это интерфейс, позволяющий программам взаимодействовать друг с другом, обмениваться данными и предоставлять доступ к своим функциям.</a:t>
             </a:r>
           </a:p>
           <a:p>
             <a:pPr algn="just"/>
-            <a:endParaRPr lang="en-US" sz="1800" dirty="0">
-              <a:latin typeface="Arial Rounded MT Bold" panose="020F0704030504030204" pitchFamily="34" charset="0"/>
+            <a:endParaRPr lang="en-US" sz="1700" dirty="0">
+              <a:latin typeface="+mn-lt"/>
             </a:endParaRPr>
           </a:p>
           <a:p>
             <a:pPr algn="just"/>
             <a:r>
-              <a:rPr lang="ru-RU" sz="1800" dirty="0"/>
+              <a:rPr lang="ru-RU" sz="1700" dirty="0">
+                <a:latin typeface="+mn-lt"/>
+              </a:rPr>
               <a:t>Тестирование </a:t>
             </a:r>
             <a:r>
-              <a:rPr lang="en-US" sz="1800" dirty="0" smtClean="0">
-                <a:latin typeface="Arial Rounded MT Bold" panose="020F0704030504030204" pitchFamily="34" charset="0"/>
+              <a:rPr lang="en-US" sz="1700" dirty="0" smtClean="0">
+                <a:latin typeface="+mn-lt"/>
               </a:rPr>
               <a:t>API </a:t>
             </a:r>
             <a:r>
-              <a:rPr lang="ru-RU" sz="1800" dirty="0"/>
+              <a:rPr lang="ru-RU" sz="1700" dirty="0">
+                <a:latin typeface="+mn-lt"/>
+              </a:rPr>
               <a:t>ресурса </a:t>
             </a:r>
             <a:r>
-              <a:rPr lang="en-US" sz="1800" dirty="0">
-                <a:latin typeface="Arial Rounded MT Bold" panose="020F0704030504030204" pitchFamily="34" charset="0"/>
+              <a:rPr lang="en-US" sz="1700" dirty="0">
+                <a:latin typeface="+mn-lt"/>
               </a:rPr>
               <a:t> </a:t>
             </a:r>
             <a:r>
-              <a:rPr lang="cs-CZ" sz="1800" dirty="0">
-                <a:latin typeface="Arial Rounded MT Bold" panose="020F0704030504030204" pitchFamily="34" charset="0"/>
+              <a:rPr lang="cs-CZ" sz="1700" dirty="0">
+                <a:latin typeface="+mn-lt"/>
               </a:rPr>
               <a:t>IDOS.c</a:t>
             </a:r>
             <a:r>
-              <a:rPr lang="en-US" sz="1800" dirty="0">
-                <a:latin typeface="Arial Rounded MT Bold" panose="020F0704030504030204" pitchFamily="34" charset="0"/>
+              <a:rPr lang="en-US" sz="1700" dirty="0">
+                <a:latin typeface="+mn-lt"/>
               </a:rPr>
               <a:t>z </a:t>
             </a:r>
             <a:r>
-              <a:rPr lang="en-US" sz="1800" dirty="0" smtClean="0">
-                <a:latin typeface="Arial Rounded MT Bold" panose="020F0704030504030204" pitchFamily="34" charset="0"/>
+              <a:rPr lang="en-US" sz="1700" dirty="0" smtClean="0">
+                <a:latin typeface="+mn-lt"/>
               </a:rPr>
               <a:t> </a:t>
             </a:r>
             <a:r>
-              <a:rPr lang="ru-RU" sz="1800" dirty="0" smtClean="0">
-                <a:latin typeface="Arial Rounded MT Bold" panose="020F0704030504030204" pitchFamily="34" charset="0"/>
+              <a:rPr lang="ru-RU" sz="1700" dirty="0" smtClean="0">
+                <a:latin typeface="+mn-lt"/>
               </a:rPr>
-              <a:t>было осуществлено </a:t>
-            </a:r>
-            <a:r>
-              <a:rPr lang="ru-RU" sz="1800" dirty="0" smtClean="0"/>
-              <a:t>через приложение </a:t>
-            </a:r>
-            <a:r>
-              <a:rPr lang="cs-CZ" sz="1800" dirty="0" smtClean="0">
-                <a:latin typeface="Arial Rounded MT Bold" panose="020F0704030504030204" pitchFamily="34" charset="0"/>
+              <a:t>было осуществлено через приложение </a:t>
+            </a:r>
+            <a:r>
+              <a:rPr lang="cs-CZ" sz="1700" dirty="0" smtClean="0">
+                <a:latin typeface="+mn-lt"/>
               </a:rPr>
               <a:t>POSTMAN,</a:t>
             </a:r>
             <a:r>
-              <a:rPr lang="ru-RU" sz="1800" dirty="0" smtClean="0">
-                <a:latin typeface="Arial Rounded MT Bold" panose="020F0704030504030204" pitchFamily="34" charset="0"/>
+              <a:rPr lang="ru-RU" sz="1700" dirty="0" smtClean="0">
+                <a:latin typeface="+mn-lt"/>
               </a:rPr>
               <a:t> хотя есть и другие альтернативы - такие как </a:t>
             </a:r>
             <a:r>
-              <a:rPr lang="cs-CZ" sz="1800" dirty="0" smtClean="0">
-                <a:latin typeface="Arial Rounded MT Bold" panose="020F0704030504030204" pitchFamily="34" charset="0"/>
+              <a:rPr lang="cs-CZ" sz="1700" dirty="0" smtClean="0">
+                <a:latin typeface="+mn-lt"/>
               </a:rPr>
               <a:t>Insomnia, </a:t>
             </a:r>
             <a:r>
-              <a:rPr lang="en-US" sz="1800" dirty="0" err="1" smtClean="0">
-                <a:latin typeface="Arial Rounded MT Bold" panose="020F0704030504030204" pitchFamily="34" charset="0"/>
+              <a:rPr lang="en-US" sz="1700" dirty="0" err="1" smtClean="0">
+                <a:latin typeface="+mn-lt"/>
               </a:rPr>
               <a:t>Apidog</a:t>
             </a:r>
             <a:r>
-              <a:rPr lang="ru-RU" sz="1800" dirty="0" smtClean="0">
-                <a:latin typeface="Arial Rounded MT Bold" panose="020F0704030504030204" pitchFamily="34" charset="0"/>
+              <a:rPr lang="ru-RU" sz="1700" dirty="0" smtClean="0">
+                <a:latin typeface="+mn-lt"/>
               </a:rPr>
               <a:t>, </a:t>
             </a:r>
             <a:r>
-              <a:rPr lang="en-US" sz="1800" dirty="0" err="1">
-                <a:latin typeface="Arial Rounded MT Bold" panose="020F0704030504030204" pitchFamily="34" charset="0"/>
+              <a:rPr lang="en-US" sz="1700" dirty="0" err="1">
+                <a:latin typeface="+mn-lt"/>
               </a:rPr>
               <a:t>SoapUI</a:t>
             </a:r>
             <a:r>
-              <a:rPr lang="en-US" sz="1800" dirty="0">
-                <a:latin typeface="Arial Rounded MT Bold" panose="020F0704030504030204" pitchFamily="34" charset="0"/>
+              <a:rPr lang="en-US" sz="1700" dirty="0">
+                <a:latin typeface="+mn-lt"/>
               </a:rPr>
               <a:t> </a:t>
             </a:r>
             <a:r>
-              <a:rPr lang="ru-RU" sz="1800" dirty="0" smtClean="0">
-                <a:latin typeface="Arial Rounded MT Bold" panose="020F0704030504030204" pitchFamily="34" charset="0"/>
+              <a:rPr lang="ru-RU" sz="1700" dirty="0" smtClean="0">
+                <a:latin typeface="+mn-lt"/>
               </a:rPr>
               <a:t>и другие.</a:t>
             </a:r>
           </a:p>
           <a:p>
             <a:pPr algn="just"/>
-            <a:endParaRPr lang="ru-RU" sz="1800" dirty="0" smtClean="0">
-              <a:latin typeface="Arial Rounded MT Bold" panose="020F0704030504030204" pitchFamily="34" charset="0"/>
+            <a:endParaRPr lang="ru-RU" sz="1700" dirty="0" smtClean="0">
+              <a:latin typeface="+mn-lt"/>
             </a:endParaRPr>
           </a:p>
           <a:p>
             <a:pPr algn="just"/>
             <a:r>
-              <a:rPr lang="ru-RU" sz="1800" dirty="0" smtClean="0">
-                <a:latin typeface="Arial Rounded MT Bold" panose="020F0704030504030204" pitchFamily="34" charset="0"/>
+              <a:rPr lang="ru-RU" sz="1700" dirty="0" smtClean="0">
+                <a:latin typeface="+mn-lt"/>
               </a:rPr>
               <a:t>В ходе тестирования были проверены следующие запросы:  </a:t>
             </a:r>
-            <a:endParaRPr lang="en-US" dirty="0"/>
+            <a:endParaRPr lang="en-US" sz="1700" dirty="0">
+              <a:latin typeface="+mn-lt"/>
+            </a:endParaRPr>
           </a:p>
           <a:p>
             <a:pPr marL="742950" lvl="1" indent="-285750" algn="just">
@@ -10290,45 +10849,41 @@
               <a:buChar char="Ø"/>
             </a:pPr>
             <a:r>
-              <a:rPr lang="ru-RU" dirty="0" smtClean="0">
-                <a:latin typeface="Arial Rounded MT Bold" panose="020F0704030504030204" pitchFamily="34" charset="0"/>
+              <a:rPr lang="ru-RU" sz="1700" dirty="0" smtClean="0">
                 <a:ea typeface="+mj-ea"/>
                 <a:cs typeface="+mj-cs"/>
               </a:rPr>
               <a:t>корректность </a:t>
             </a:r>
             <a:r>
-              <a:rPr lang="ru-RU" dirty="0">
-                <a:latin typeface="Arial Rounded MT Bold" panose="020F0704030504030204" pitchFamily="34" charset="0"/>
+              <a:rPr lang="ru-RU" sz="1700" dirty="0">
                 <a:ea typeface="+mj-ea"/>
                 <a:cs typeface="+mj-cs"/>
               </a:rPr>
-              <a:t>ответа на запросы поиска маршрутов, включая структуру данных (названия </a:t>
-            </a:r>
-            <a:r>
-              <a:rPr lang="ru-RU" dirty="0" smtClean="0">
-                <a:latin typeface="Arial Rounded MT Bold" panose="020F0704030504030204" pitchFamily="34" charset="0"/>
+              <a:t>ответа на запросы поиска маршрутов, включая структуру </a:t>
+            </a:r>
+            <a:r>
+              <a:rPr lang="ru-RU" sz="1700" dirty="0" smtClean="0">
                 <a:ea typeface="+mj-ea"/>
                 <a:cs typeface="+mj-cs"/>
               </a:rPr>
-              <a:t>станций и </a:t>
-            </a:r>
-            <a:r>
-              <a:rPr lang="ru-RU" dirty="0">
-                <a:latin typeface="Arial Rounded MT Bold" panose="020F0704030504030204" pitchFamily="34" charset="0"/>
+              <a:t>данных – названия пунктов отправления и прибытия </a:t>
+            </a:r>
+            <a:r>
+              <a:rPr lang="ru-RU" sz="1700" dirty="0" smtClean="0"/>
+              <a:t>Прага-Брно</a:t>
+            </a:r>
+            <a:r>
+              <a:rPr lang="ru-RU" sz="1700" dirty="0" smtClean="0">
                 <a:ea typeface="+mj-ea"/>
                 <a:cs typeface="+mj-cs"/>
               </a:rPr>
-              <a:t>время </a:t>
-            </a:r>
-            <a:r>
-              <a:rPr lang="ru-RU" dirty="0" smtClean="0">
-                <a:latin typeface="Arial Rounded MT Bold" panose="020F0704030504030204" pitchFamily="34" charset="0"/>
-                <a:ea typeface="+mj-ea"/>
-                <a:cs typeface="+mj-cs"/>
-              </a:rPr>
-              <a:t>отправления/прибытия);</a:t>
-            </a:r>
+              <a:t>;</a:t>
+            </a:r>
+            <a:endParaRPr lang="ru-RU" sz="1700" dirty="0" smtClean="0">
+              <a:ea typeface="+mj-ea"/>
+              <a:cs typeface="+mj-cs"/>
+            </a:endParaRPr>
           </a:p>
           <a:p>
             <a:pPr marL="742950" lvl="1" indent="-285750" algn="just">
@@ -10336,45 +10891,44 @@
               <a:buChar char="Ø"/>
             </a:pPr>
             <a:r>
-              <a:rPr lang="ru-RU" dirty="0" smtClean="0">
-                <a:latin typeface="Arial Rounded MT Bold" panose="020F0704030504030204" pitchFamily="34" charset="0"/>
+              <a:rPr lang="ru-RU" sz="1700" dirty="0" smtClean="0">
                 <a:ea typeface="+mj-ea"/>
                 <a:cs typeface="+mj-cs"/>
               </a:rPr>
               <a:t>API-запросы </a:t>
             </a:r>
             <a:r>
-              <a:rPr lang="ru-RU" dirty="0">
-                <a:latin typeface="Arial Rounded MT Bold" panose="020F0704030504030204" pitchFamily="34" charset="0"/>
+              <a:rPr lang="ru-RU" sz="1700" dirty="0">
                 <a:ea typeface="+mj-ea"/>
                 <a:cs typeface="+mj-cs"/>
               </a:rPr>
-              <a:t>на обработку маршрутов с фильтрами </a:t>
-            </a:r>
-            <a:r>
-              <a:rPr lang="ru-RU" dirty="0" smtClean="0">
-                <a:latin typeface="Arial Rounded MT Bold" panose="020F0704030504030204" pitchFamily="34" charset="0"/>
+              <a:t>на обработку </a:t>
+            </a:r>
+            <a:r>
+              <a:rPr lang="ru-RU" sz="1700" dirty="0" smtClean="0">
                 <a:ea typeface="+mj-ea"/>
                 <a:cs typeface="+mj-cs"/>
               </a:rPr>
-              <a:t>только </a:t>
-            </a:r>
-            <a:r>
-              <a:rPr lang="ru-RU" dirty="0">
-                <a:latin typeface="Arial Rounded MT Bold" panose="020F0704030504030204" pitchFamily="34" charset="0"/>
+              <a:t>маршрутов, выбранных из предустановленных самой системой (выбран пример маршрута </a:t>
+            </a:r>
+            <a:r>
+              <a:rPr lang="ru-RU" sz="1700" dirty="0" err="1" smtClean="0">
                 <a:ea typeface="+mj-ea"/>
                 <a:cs typeface="+mj-cs"/>
               </a:rPr>
-              <a:t>прямые маршруты, время отправления</a:t>
-            </a:r>
-            <a:r>
-              <a:rPr lang="ru-RU" dirty="0" smtClean="0">
-                <a:latin typeface="Arial Rounded MT Bold" panose="020F0704030504030204" pitchFamily="34" charset="0"/>
+              <a:t>Плзень</a:t>
+            </a:r>
+            <a:r>
+              <a:rPr lang="ru-RU" sz="1700" dirty="0" smtClean="0">
                 <a:ea typeface="+mj-ea"/>
                 <a:cs typeface="+mj-cs"/>
               </a:rPr>
-              <a:t>).</a:t>
-            </a:r>
+              <a:t>-Прага).</a:t>
+            </a:r>
+            <a:endParaRPr lang="ru-RU" sz="1700" dirty="0" smtClean="0">
+              <a:ea typeface="+mj-ea"/>
+              <a:cs typeface="+mj-cs"/>
+            </a:endParaRPr>
           </a:p>
           <a:p>
             <a:pPr marL="742950" lvl="1" indent="-285750" algn="just">
@@ -10382,24 +10936,21 @@
               <a:buChar char="Ø"/>
             </a:pPr>
             <a:r>
-              <a:rPr lang="ru-RU" dirty="0" smtClean="0">
-                <a:latin typeface="Arial Rounded MT Bold" panose="020F0704030504030204" pitchFamily="34" charset="0"/>
+              <a:rPr lang="ru-RU" sz="1700" dirty="0" smtClean="0">
                 <a:ea typeface="+mj-ea"/>
                 <a:cs typeface="+mj-cs"/>
               </a:rPr>
               <a:t>добавление маршрута </a:t>
             </a:r>
             <a:r>
-              <a:rPr lang="ru-RU" dirty="0">
-                <a:latin typeface="Arial Rounded MT Bold" panose="020F0704030504030204" pitchFamily="34" charset="0"/>
+              <a:rPr lang="ru-RU" sz="1700" dirty="0">
                 <a:ea typeface="+mj-ea"/>
                 <a:cs typeface="+mj-cs"/>
               </a:rPr>
               <a:t>в «</a:t>
             </a:r>
             <a:r>
-              <a:rPr lang="ru-RU" dirty="0" smtClean="0">
-                <a:latin typeface="Arial Rounded MT Bold" panose="020F0704030504030204" pitchFamily="34" charset="0"/>
+              <a:rPr lang="ru-RU" sz="1700" dirty="0" smtClean="0">
                 <a:ea typeface="+mj-ea"/>
                 <a:cs typeface="+mj-cs"/>
               </a:rPr>
@@ -10412,8 +10963,7 @@
               <a:buChar char="Ø"/>
             </a:pPr>
             <a:r>
-              <a:rPr lang="ru-RU" dirty="0" smtClean="0">
-                <a:latin typeface="Arial Rounded MT Bold" panose="020F0704030504030204" pitchFamily="34" charset="0"/>
+              <a:rPr lang="ru-RU" sz="1700" dirty="0" smtClean="0">
                 <a:ea typeface="+mj-ea"/>
                 <a:cs typeface="+mj-cs"/>
               </a:rPr>
@@ -10426,8 +10976,7 @@
               <a:buChar char="Ø"/>
             </a:pPr>
             <a:r>
-              <a:rPr lang="ru-RU" dirty="0" smtClean="0">
-                <a:latin typeface="Arial Rounded MT Bold" panose="020F0704030504030204" pitchFamily="34" charset="0"/>
+              <a:rPr lang="ru-RU" sz="1700" dirty="0" smtClean="0">
                 <a:ea typeface="+mj-ea"/>
                 <a:cs typeface="+mj-cs"/>
               </a:rPr>
@@ -10440,16 +10989,134 @@
               <a:buChar char="Ø"/>
             </a:pPr>
             <a:r>
-              <a:rPr lang="ru-RU" dirty="0" smtClean="0">
-                <a:latin typeface="Arial Rounded MT Bold" panose="020F0704030504030204" pitchFamily="34" charset="0"/>
+              <a:rPr lang="ru-RU" sz="1700" dirty="0" smtClean="0">
                 <a:ea typeface="+mj-ea"/>
                 <a:cs typeface="+mj-cs"/>
               </a:rPr>
-              <a:t>корректность отображения в запросе итоговой суммы к оплате.</a:t>
-            </a:r>
-            <a:endParaRPr lang="en-US" sz="1800" dirty="0">
-              <a:latin typeface="Arial Rounded MT Bold" panose="020F0704030504030204" pitchFamily="34" charset="0"/>
+              <a:t>корректность </a:t>
+            </a:r>
+            <a:r>
+              <a:rPr lang="ru-RU" sz="1700" dirty="0" smtClean="0">
+                <a:ea typeface="+mj-ea"/>
+                <a:cs typeface="+mj-cs"/>
+              </a:rPr>
+              <a:t>отображения в запросе итоговой суммы к </a:t>
+            </a:r>
+            <a:r>
+              <a:rPr lang="ru-RU" sz="1700" dirty="0" smtClean="0">
+                <a:ea typeface="+mj-ea"/>
+                <a:cs typeface="+mj-cs"/>
+              </a:rPr>
+              <a:t>оплате.</a:t>
+            </a:r>
+          </a:p>
+          <a:p>
+            <a:pPr lvl="1" algn="just"/>
+            <a:endParaRPr lang="ru-RU" sz="1100" dirty="0"/>
+          </a:p>
+          <a:p>
+            <a:pPr marL="0" lvl="1" algn="just"/>
+            <a:r>
+              <a:rPr lang="ru-RU" sz="1700" dirty="0" smtClean="0">
+                <a:ea typeface="+mj-ea"/>
+                <a:cs typeface="+mj-cs"/>
+              </a:rPr>
+              <a:t>Для тестирования была создана коллекция (</a:t>
+            </a:r>
+            <a:r>
+              <a:rPr lang="en-US" sz="1700" dirty="0" smtClean="0">
+                <a:ea typeface="+mj-ea"/>
+                <a:cs typeface="+mj-cs"/>
+              </a:rPr>
+              <a:t>Collection</a:t>
+            </a:r>
+            <a:r>
+              <a:rPr lang="ru-RU" sz="1700" dirty="0" smtClean="0">
+                <a:ea typeface="+mj-ea"/>
+                <a:cs typeface="+mj-cs"/>
+              </a:rPr>
+              <a:t>)</a:t>
+            </a:r>
+            <a:r>
+              <a:rPr lang="en-US" sz="1700" dirty="0" smtClean="0">
+                <a:ea typeface="+mj-ea"/>
+                <a:cs typeface="+mj-cs"/>
+              </a:rPr>
+              <a:t> </a:t>
+            </a:r>
+            <a:r>
+              <a:rPr lang="ru-RU" sz="1700" dirty="0" smtClean="0">
+                <a:ea typeface="+mj-ea"/>
+                <a:cs typeface="+mj-cs"/>
+              </a:rPr>
+              <a:t>и тестовое окружение (</a:t>
+            </a:r>
+            <a:r>
+              <a:rPr lang="en-US" sz="1700" dirty="0" smtClean="0">
+                <a:ea typeface="+mj-ea"/>
+                <a:cs typeface="+mj-cs"/>
+              </a:rPr>
+              <a:t>IDOS </a:t>
+            </a:r>
+            <a:r>
+              <a:rPr lang="en-US" sz="1700" dirty="0" err="1" smtClean="0">
+                <a:ea typeface="+mj-ea"/>
+                <a:cs typeface="+mj-cs"/>
+              </a:rPr>
+              <a:t>enviromnent</a:t>
+            </a:r>
+            <a:r>
+              <a:rPr lang="ru-RU" sz="1700" dirty="0" smtClean="0">
+                <a:ea typeface="+mj-ea"/>
+                <a:cs typeface="+mj-cs"/>
+              </a:rPr>
+              <a:t>), сами тесты были запущены при помощи функционала «Запустить Коллекцию/</a:t>
+            </a:r>
+            <a:r>
+              <a:rPr lang="en-US" sz="1700" dirty="0" smtClean="0">
+                <a:ea typeface="+mj-ea"/>
+                <a:cs typeface="+mj-cs"/>
+              </a:rPr>
+              <a:t>Run collection</a:t>
+            </a:r>
+            <a:r>
+              <a:rPr lang="ru-RU" sz="1700" dirty="0" smtClean="0">
+                <a:ea typeface="+mj-ea"/>
+                <a:cs typeface="+mj-cs"/>
+              </a:rPr>
+              <a:t>».</a:t>
+            </a:r>
+          </a:p>
+          <a:p>
+            <a:pPr marL="0" lvl="1" algn="just"/>
+            <a:endParaRPr lang="ru-RU" sz="1200" dirty="0" smtClean="0">
+              <a:ea typeface="+mj-ea"/>
+              <a:cs typeface="+mj-cs"/>
             </a:endParaRPr>
+          </a:p>
+          <a:p>
+            <a:pPr marL="0" lvl="1" algn="just"/>
+            <a:r>
+              <a:rPr lang="ru-RU" sz="1700" dirty="0" smtClean="0">
+                <a:ea typeface="+mj-ea"/>
+                <a:cs typeface="+mj-cs"/>
+              </a:rPr>
+              <a:t>Полный </a:t>
+            </a:r>
+            <a:r>
+              <a:rPr lang="ru-RU" sz="1700" dirty="0" err="1" smtClean="0">
+                <a:ea typeface="+mj-ea"/>
+                <a:cs typeface="+mj-cs"/>
+              </a:rPr>
+              <a:t>видеообзор</a:t>
+            </a:r>
+            <a:r>
+              <a:rPr lang="ru-RU" sz="1700" dirty="0" smtClean="0">
+                <a:ea typeface="+mj-ea"/>
+                <a:cs typeface="+mj-cs"/>
+              </a:rPr>
+              <a:t> теста можно просмотреть по ссылке….</a:t>
+            </a:r>
           </a:p>
         </p:txBody>
       </p:sp>
@@ -10510,11 +11177,7 @@
           <a:p>
             <a:r>
               <a:rPr lang="ru-RU" sz="2000" dirty="0" smtClean="0"/>
-              <a:t>Тест 4.1. К</a:t>
-            </a:r>
-            <a:r>
-              <a:rPr lang="ru-RU" sz="2000" dirty="0" smtClean="0"/>
-              <a:t>орректность </a:t>
+              <a:t>Тест 4.1. Корректность </a:t>
             </a:r>
             <a:r>
               <a:rPr lang="ru-RU" sz="2000" dirty="0"/>
@@ -11136,6 +11799,4721 @@
     <p:extLst>
       <p:ext uri="{BB962C8B-B14F-4D97-AF65-F5344CB8AC3E}">
         <p14:creationId xmlns:p14="http://schemas.microsoft.com/office/powerpoint/2010/main" val="1074910313"/>
+      </p:ext>
+    </p:extLst>
+  </p:cSld>
+  <p:clrMapOvr>
+    <a:masterClrMapping/>
+  </p:clrMapOvr>
+</p:sld>
+</file>
+
+<file path=ppt/slides/slide12.xml><?xml version="1.0" encoding="utf-8"?>
+<p:sld xmlns:a="http://schemas.openxmlformats.org/drawingml/2006/main" xmlns:r="http://schemas.openxmlformats.org/officeDocument/2006/relationships" xmlns:p="http://schemas.openxmlformats.org/presentationml/2006/main" showMasterSp="0">
+  <p:cSld>
+    <p:bg>
+      <p:bgPr>
+        <a:gradFill rotWithShape="1">
+          <a:gsLst>
+            <a:gs pos="0">
+              <a:schemeClr val="bg2">
+                <a:tint val="96000"/>
+                <a:shade val="100000"/>
+                <a:hueMod val="270000"/>
+                <a:satMod val="200000"/>
+                <a:lumMod val="128000"/>
+              </a:schemeClr>
+            </a:gs>
+            <a:gs pos="56000">
+              <a:schemeClr val="bg2">
+                <a:shade val="100000"/>
+                <a:hueMod val="100000"/>
+                <a:satMod val="110000"/>
+                <a:lumMod val="130000"/>
+              </a:schemeClr>
+            </a:gs>
+            <a:gs pos="100000">
+              <a:schemeClr val="bg2">
+                <a:shade val="78000"/>
+                <a:hueMod val="44000"/>
+                <a:satMod val="200000"/>
+                <a:lumMod val="69000"/>
+              </a:schemeClr>
+            </a:gs>
+          </a:gsLst>
+          <a:lin ang="2520000" scaled="0"/>
+        </a:gradFill>
+        <a:effectLst/>
+      </p:bgPr>
+    </p:bg>
+    <p:spTree>
+      <p:nvGrpSpPr>
+        <p:cNvPr id="1" name=""/>
+        <p:cNvGrpSpPr/>
+        <p:nvPr/>
+      </p:nvGrpSpPr>
+      <p:grpSpPr>
+        <a:xfrm>
+          <a:off x="0" y="0"/>
+          <a:ext cx="0" cy="0"/>
+          <a:chOff x="0" y="0"/>
+          <a:chExt cx="0" cy="0"/>
+        </a:xfrm>
+      </p:grpSpPr>
+      <p:pic>
+        <p:nvPicPr>
+          <p:cNvPr id="9" name="Рисунок 8"/>
+          <p:cNvPicPr>
+            <a:picLocks noChangeAspect="1"/>
+          </p:cNvPicPr>
+          <p:nvPr/>
+        </p:nvPicPr>
+        <p:blipFill>
+          <a:blip r:embed="rId3"/>
+          <a:stretch>
+            <a:fillRect/>
+          </a:stretch>
+        </p:blipFill>
+        <p:spPr>
+          <a:xfrm>
+            <a:off x="173256" y="914400"/>
+            <a:ext cx="4774032" cy="2384186"/>
+          </a:xfrm>
+          <a:prstGeom prst="rect">
+            <a:avLst/>
+          </a:prstGeom>
+        </p:spPr>
+      </p:pic>
+      <p:pic>
+        <p:nvPicPr>
+          <p:cNvPr id="6" name="Рисунок 5"/>
+          <p:cNvPicPr>
+            <a:picLocks noChangeAspect="1"/>
+          </p:cNvPicPr>
+          <p:nvPr/>
+        </p:nvPicPr>
+        <p:blipFill>
+          <a:blip r:embed="rId4"/>
+          <a:stretch>
+            <a:fillRect/>
+          </a:stretch>
+        </p:blipFill>
+        <p:spPr>
+          <a:xfrm>
+            <a:off x="72551" y="3407343"/>
+            <a:ext cx="6285297" cy="3371018"/>
+          </a:xfrm>
+          <a:prstGeom prst="rect">
+            <a:avLst/>
+          </a:prstGeom>
+        </p:spPr>
+      </p:pic>
+      <p:sp>
+        <p:nvSpPr>
+          <p:cNvPr id="2" name="Заголовок 1"/>
+          <p:cNvSpPr>
+            <a:spLocks noGrp="1"/>
+          </p:cNvSpPr>
+          <p:nvPr>
+            <p:ph type="title"/>
+          </p:nvPr>
+        </p:nvSpPr>
+        <p:spPr>
+          <a:xfrm>
+            <a:off x="0" y="178290"/>
+            <a:ext cx="7526956" cy="666214"/>
+          </a:xfrm>
+          <a:solidFill>
+            <a:schemeClr val="bg1"/>
+          </a:solidFill>
+        </p:spPr>
+        <p:txBody>
+          <a:bodyPr>
+            <a:noAutofit/>
+          </a:bodyPr>
+          <a:lstStyle/>
+          <a:p>
+            <a:r>
+              <a:rPr lang="ru-RU" sz="2000" dirty="0" smtClean="0"/>
+              <a:t>Тест </a:t>
+            </a:r>
+            <a:r>
+              <a:rPr lang="ru-RU" sz="2000" dirty="0" smtClean="0"/>
+              <a:t>4.</a:t>
+            </a:r>
+            <a:r>
+              <a:rPr lang="en-US" sz="2000" dirty="0" smtClean="0"/>
+              <a:t>2</a:t>
+            </a:r>
+            <a:r>
+              <a:rPr lang="ru-RU" sz="2000" dirty="0" smtClean="0"/>
+              <a:t>. </a:t>
+            </a:r>
+            <a:r>
+              <a:rPr lang="ru-RU" sz="2000" dirty="0" smtClean="0"/>
+              <a:t>Корректность </a:t>
+            </a:r>
+            <a:r>
+              <a:rPr lang="ru-RU" sz="2000" dirty="0"/>
+              <a:t>ответа на </a:t>
+            </a:r>
+            <a:r>
+              <a:rPr lang="ru-RU" sz="2000" dirty="0" smtClean="0"/>
+              <a:t>запросы</a:t>
+            </a:r>
+            <a:r>
+              <a:rPr lang="en-US" sz="2000" dirty="0"/>
+              <a:t>,</a:t>
+            </a:r>
+            <a:r>
+              <a:rPr lang="ru-RU" sz="2000" dirty="0" smtClean="0"/>
+              <a:t> </a:t>
+            </a:r>
+            <a:r>
+              <a:rPr lang="ru-RU" sz="2000" dirty="0"/>
+              <a:t>выбранных из </a:t>
+            </a:r>
+            <a:r>
+              <a:rPr lang="en-US" sz="2000" dirty="0" smtClean="0"/>
+              <a:t/>
+            </a:r>
+            <a:br>
+              <a:rPr lang="en-US" sz="2000" dirty="0" smtClean="0"/>
+            </a:br>
+            <a:r>
+              <a:rPr lang="en-US" sz="2000" dirty="0"/>
+              <a:t>	</a:t>
+            </a:r>
+            <a:r>
+              <a:rPr lang="en-US" sz="2000" dirty="0" smtClean="0"/>
+              <a:t>   </a:t>
+            </a:r>
+            <a:r>
+              <a:rPr lang="ru-RU" sz="2000" dirty="0" smtClean="0"/>
+              <a:t>предустановленных </a:t>
+            </a:r>
+            <a:r>
+              <a:rPr lang="ru-RU" sz="2000" dirty="0"/>
+              <a:t>самой системой</a:t>
+            </a:r>
+            <a:endParaRPr lang="en-US" sz="2000" dirty="0"/>
+          </a:p>
+        </p:txBody>
+      </p:sp>
+      <p:pic>
+        <p:nvPicPr>
+          <p:cNvPr id="4" name="Объект 3"/>
+          <p:cNvPicPr>
+            <a:picLocks noGrp="1" noChangeAspect="1"/>
+          </p:cNvPicPr>
+          <p:nvPr>
+            <p:ph idx="1"/>
+          </p:nvPr>
+        </p:nvPicPr>
+        <p:blipFill>
+          <a:blip r:embed="rId5" cstate="print">
+            <a:extLst>
+              <a:ext uri="{28A0092B-C50C-407E-A947-70E740481C1C}">
+                <a14:useLocalDpi xmlns:a14="http://schemas.microsoft.com/office/drawing/2010/main" val="0"/>
+              </a:ext>
+            </a:extLst>
+          </a:blip>
+          <a:stretch>
+            <a:fillRect/>
+          </a:stretch>
+        </p:blipFill>
+        <p:spPr>
+          <a:xfrm>
+            <a:off x="7941733" y="179363"/>
+            <a:ext cx="651197" cy="651197"/>
+          </a:xfrm>
+          <a:prstGeom prst="roundRect">
+            <a:avLst>
+              <a:gd name="adj" fmla="val 8594"/>
+            </a:avLst>
+          </a:prstGeom>
+          <a:solidFill>
+            <a:srgbClr val="FFFFFF">
+              <a:shade val="85000"/>
+            </a:srgbClr>
+          </a:solidFill>
+          <a:ln>
+            <a:noFill/>
+          </a:ln>
+          <a:effectLst>
+            <a:reflection blurRad="12700" stA="38000" endPos="28000" dist="5000" dir="5400000" sy="-100000" algn="bl" rotWithShape="0"/>
+          </a:effectLst>
+        </p:spPr>
+      </p:pic>
+      <p:sp>
+        <p:nvSpPr>
+          <p:cNvPr id="5" name="Овал 4"/>
+          <p:cNvSpPr/>
+          <p:nvPr/>
+        </p:nvSpPr>
+        <p:spPr>
+          <a:xfrm>
+            <a:off x="3647975" y="4452751"/>
+            <a:ext cx="699169" cy="231273"/>
+          </a:xfrm>
+          <a:prstGeom prst="ellipse">
+            <a:avLst/>
+          </a:prstGeom>
+          <a:noFill/>
+          <a:ln>
+            <a:solidFill>
+              <a:srgbClr val="FF0000"/>
+            </a:solidFill>
+          </a:ln>
+        </p:spPr>
+        <p:style>
+          <a:lnRef idx="2">
+            <a:schemeClr val="accent1">
+              <a:shade val="50000"/>
+            </a:schemeClr>
+          </a:lnRef>
+          <a:fillRef idx="1">
+            <a:schemeClr val="accent1"/>
+          </a:fillRef>
+          <a:effectRef idx="0">
+            <a:schemeClr val="accent1"/>
+          </a:effectRef>
+          <a:fontRef idx="minor">
+            <a:schemeClr val="lt1"/>
+          </a:fontRef>
+        </p:style>
+        <p:txBody>
+          <a:bodyPr rtlCol="0" anchor="ctr"/>
+          <a:lstStyle/>
+          <a:p>
+            <a:pPr algn="ctr"/>
+            <a:endParaRPr lang="en-US"/>
+          </a:p>
+        </p:txBody>
+      </p:sp>
+      <p:sp>
+        <p:nvSpPr>
+          <p:cNvPr id="10" name="Прямоугольник с двумя скругленными противолежащими углами 9"/>
+          <p:cNvSpPr/>
+          <p:nvPr/>
+        </p:nvSpPr>
+        <p:spPr>
+          <a:xfrm>
+            <a:off x="6468177" y="3426593"/>
+            <a:ext cx="2502569" cy="3301466"/>
+          </a:xfrm>
+          <a:prstGeom prst="round2DiagRect">
+            <a:avLst/>
+          </a:prstGeom>
+          <a:noFill/>
+          <a:ln w="57150">
+            <a:solidFill>
+              <a:srgbClr val="FF0000"/>
+            </a:solidFill>
+          </a:ln>
+          <a:effectLst>
+            <a:outerShdw blurRad="149987" dist="250190" dir="8460000" algn="ctr">
+              <a:srgbClr val="000000">
+                <a:alpha val="28000"/>
+              </a:srgbClr>
+            </a:outerShdw>
+          </a:effectLst>
+          <a:scene3d>
+            <a:camera prst="orthographicFront">
+              <a:rot lat="0" lon="0" rev="0"/>
+            </a:camera>
+            <a:lightRig rig="contrasting" dir="t">
+              <a:rot lat="0" lon="0" rev="1500000"/>
+            </a:lightRig>
+          </a:scene3d>
+          <a:sp3d prstMaterial="metal">
+            <a:bevelT w="88900" h="88900"/>
+          </a:sp3d>
+        </p:spPr>
+        <p:style>
+          <a:lnRef idx="2">
+            <a:schemeClr val="accent1">
+              <a:shade val="50000"/>
+            </a:schemeClr>
+          </a:lnRef>
+          <a:fillRef idx="1">
+            <a:schemeClr val="accent1"/>
+          </a:fillRef>
+          <a:effectRef idx="0">
+            <a:schemeClr val="accent1"/>
+          </a:effectRef>
+          <a:fontRef idx="minor">
+            <a:schemeClr val="lt1"/>
+          </a:fontRef>
+        </p:style>
+        <p:txBody>
+          <a:bodyPr rtlCol="0" anchor="ctr"/>
+          <a:lstStyle/>
+          <a:p>
+            <a:r>
+              <a:rPr lang="ru-RU" sz="1200" dirty="0" smtClean="0"/>
+              <a:t>Для проверки ответа на запрос, во вкладке </a:t>
+            </a:r>
+            <a:r>
+              <a:rPr lang="en-US" sz="1200" dirty="0" smtClean="0"/>
+              <a:t>Body</a:t>
+            </a:r>
+            <a:r>
+              <a:rPr lang="ru-RU" sz="1200" dirty="0" smtClean="0"/>
+              <a:t>, раздел </a:t>
+            </a:r>
+            <a:r>
+              <a:rPr lang="en-US" sz="1200" dirty="0" smtClean="0"/>
+              <a:t>Pretty,</a:t>
+            </a:r>
+            <a:r>
+              <a:rPr lang="ru-RU" sz="1200" dirty="0" smtClean="0"/>
+              <a:t> был выбран формат</a:t>
+            </a:r>
+            <a:r>
+              <a:rPr lang="en-US" sz="1200" dirty="0" err="1" smtClean="0"/>
+              <a:t>Json</a:t>
+            </a:r>
+            <a:r>
+              <a:rPr lang="ru-RU" sz="1200" dirty="0" smtClean="0"/>
+              <a:t>.</a:t>
+            </a:r>
+          </a:p>
+          <a:p>
+            <a:r>
+              <a:rPr lang="ru-RU" sz="1200" dirty="0" smtClean="0"/>
+              <a:t>Через окно поиска найдены данные «</a:t>
+            </a:r>
+            <a:r>
+              <a:rPr lang="ru-RU" sz="1200" dirty="0" err="1" smtClean="0"/>
+              <a:t>Плзен</a:t>
+            </a:r>
+            <a:r>
+              <a:rPr lang="ru-RU" sz="1200" dirty="0" smtClean="0"/>
+              <a:t>» </a:t>
+            </a:r>
+            <a:r>
+              <a:rPr lang="ru-RU" sz="1200" dirty="0" smtClean="0"/>
+              <a:t>и </a:t>
+            </a:r>
+            <a:r>
+              <a:rPr lang="ru-RU" sz="1200" dirty="0" smtClean="0"/>
+              <a:t>«Прага». </a:t>
+            </a:r>
+            <a:endParaRPr lang="ru-RU" sz="1200" dirty="0" smtClean="0"/>
+          </a:p>
+          <a:p>
+            <a:r>
+              <a:rPr lang="ru-RU" sz="1200" dirty="0" smtClean="0"/>
+              <a:t>Наличие этих </a:t>
+            </a:r>
+            <a:r>
+              <a:rPr lang="ru-RU" sz="1200" dirty="0" smtClean="0"/>
+              <a:t>значений в ключах </a:t>
+            </a:r>
+            <a:r>
+              <a:rPr lang="en-US" sz="1200" b="1" dirty="0"/>
+              <a:t>"</a:t>
+            </a:r>
+            <a:r>
+              <a:rPr lang="en-US" sz="1200" b="1" dirty="0" err="1"/>
+              <a:t>sFromName</a:t>
+            </a:r>
+            <a:r>
+              <a:rPr lang="en-US" sz="1200" b="1" dirty="0" smtClean="0"/>
+              <a:t>":</a:t>
+            </a:r>
+            <a:r>
+              <a:rPr lang="ru-RU" sz="1200" b="1" dirty="0" smtClean="0"/>
+              <a:t> </a:t>
+            </a:r>
+            <a:r>
+              <a:rPr lang="ru-RU" sz="1200" dirty="0" smtClean="0"/>
+              <a:t>и </a:t>
+            </a:r>
+            <a:r>
+              <a:rPr lang="en-US" sz="1200" b="1" dirty="0"/>
+              <a:t>"</a:t>
+            </a:r>
+            <a:r>
+              <a:rPr lang="en-US" sz="1200" b="1" dirty="0" err="1" smtClean="0"/>
+              <a:t>sToName</a:t>
+            </a:r>
+            <a:r>
+              <a:rPr lang="en-US" sz="1200" b="1" dirty="0" smtClean="0"/>
+              <a:t>": </a:t>
+            </a:r>
+            <a:r>
+              <a:rPr lang="ru-RU" sz="1200" dirty="0" smtClean="0"/>
+              <a:t>свидетельствует </a:t>
+            </a:r>
+            <a:r>
+              <a:rPr lang="ru-RU" sz="1200" dirty="0" smtClean="0"/>
+              <a:t>о правильности ответа на запрос</a:t>
+            </a:r>
+            <a:r>
+              <a:rPr lang="ru-RU" sz="1400" dirty="0" smtClean="0"/>
+              <a:t>.</a:t>
+            </a:r>
+            <a:endParaRPr lang="en-US" sz="1400" dirty="0" smtClean="0"/>
+          </a:p>
+          <a:p>
+            <a:endParaRPr lang="en-US" sz="1400" dirty="0"/>
+          </a:p>
+          <a:p>
+            <a:endParaRPr lang="ru-RU" sz="1400" dirty="0" smtClean="0"/>
+          </a:p>
+          <a:p>
+            <a:endParaRPr lang="en-US" sz="1400" dirty="0"/>
+          </a:p>
+        </p:txBody>
+      </p:sp>
+      <p:sp>
+        <p:nvSpPr>
+          <p:cNvPr id="12" name="Овал 11"/>
+          <p:cNvSpPr/>
+          <p:nvPr/>
+        </p:nvSpPr>
+        <p:spPr>
+          <a:xfrm>
+            <a:off x="2290813" y="6254818"/>
+            <a:ext cx="2531443" cy="232610"/>
+          </a:xfrm>
+          <a:prstGeom prst="ellipse">
+            <a:avLst/>
+          </a:prstGeom>
+          <a:noFill/>
+          <a:ln>
+            <a:solidFill>
+              <a:srgbClr val="FF0000"/>
+            </a:solidFill>
+          </a:ln>
+        </p:spPr>
+        <p:style>
+          <a:lnRef idx="2">
+            <a:schemeClr val="accent1">
+              <a:shade val="50000"/>
+            </a:schemeClr>
+          </a:lnRef>
+          <a:fillRef idx="1">
+            <a:schemeClr val="accent1"/>
+          </a:fillRef>
+          <a:effectRef idx="0">
+            <a:schemeClr val="accent1"/>
+          </a:effectRef>
+          <a:fontRef idx="minor">
+            <a:schemeClr val="lt1"/>
+          </a:fontRef>
+        </p:style>
+        <p:txBody>
+          <a:bodyPr rtlCol="0" anchor="ctr"/>
+          <a:lstStyle/>
+          <a:p>
+            <a:pPr algn="ctr"/>
+            <a:endParaRPr lang="en-US"/>
+          </a:p>
+        </p:txBody>
+      </p:sp>
+      <p:sp>
+        <p:nvSpPr>
+          <p:cNvPr id="13" name="Овал 12"/>
+          <p:cNvSpPr/>
+          <p:nvPr/>
+        </p:nvSpPr>
+        <p:spPr>
+          <a:xfrm>
+            <a:off x="3657422" y="4108114"/>
+            <a:ext cx="699169" cy="231273"/>
+          </a:xfrm>
+          <a:prstGeom prst="ellipse">
+            <a:avLst/>
+          </a:prstGeom>
+          <a:noFill/>
+          <a:ln>
+            <a:solidFill>
+              <a:srgbClr val="FF0000"/>
+            </a:solidFill>
+          </a:ln>
+        </p:spPr>
+        <p:style>
+          <a:lnRef idx="2">
+            <a:schemeClr val="accent1">
+              <a:shade val="50000"/>
+            </a:schemeClr>
+          </a:lnRef>
+          <a:fillRef idx="1">
+            <a:schemeClr val="accent1"/>
+          </a:fillRef>
+          <a:effectRef idx="0">
+            <a:schemeClr val="accent1"/>
+          </a:effectRef>
+          <a:fontRef idx="minor">
+            <a:schemeClr val="lt1"/>
+          </a:fontRef>
+        </p:style>
+        <p:txBody>
+          <a:bodyPr rtlCol="0" anchor="ctr"/>
+          <a:lstStyle/>
+          <a:p>
+            <a:pPr algn="ctr"/>
+            <a:endParaRPr lang="en-US"/>
+          </a:p>
+        </p:txBody>
+      </p:sp>
+      <p:sp>
+        <p:nvSpPr>
+          <p:cNvPr id="15" name="Овал 14"/>
+          <p:cNvSpPr/>
+          <p:nvPr/>
+        </p:nvSpPr>
+        <p:spPr>
+          <a:xfrm>
+            <a:off x="3093717" y="2445530"/>
+            <a:ext cx="746763" cy="268794"/>
+          </a:xfrm>
+          <a:prstGeom prst="ellipse">
+            <a:avLst/>
+          </a:prstGeom>
+          <a:noFill/>
+          <a:ln>
+            <a:solidFill>
+              <a:srgbClr val="FF0000"/>
+            </a:solidFill>
+          </a:ln>
+        </p:spPr>
+        <p:style>
+          <a:lnRef idx="2">
+            <a:schemeClr val="accent1">
+              <a:shade val="50000"/>
+            </a:schemeClr>
+          </a:lnRef>
+          <a:fillRef idx="1">
+            <a:schemeClr val="accent1"/>
+          </a:fillRef>
+          <a:effectRef idx="0">
+            <a:schemeClr val="accent1"/>
+          </a:effectRef>
+          <a:fontRef idx="minor">
+            <a:schemeClr val="lt1"/>
+          </a:fontRef>
+        </p:style>
+        <p:txBody>
+          <a:bodyPr rtlCol="0" anchor="ctr"/>
+          <a:lstStyle/>
+          <a:p>
+            <a:pPr algn="ctr"/>
+            <a:endParaRPr lang="en-US"/>
+          </a:p>
+        </p:txBody>
+      </p:sp>
+      <p:sp>
+        <p:nvSpPr>
+          <p:cNvPr id="16" name="Прямоугольник с двумя скругленными противолежащими углами 15"/>
+          <p:cNvSpPr/>
+          <p:nvPr/>
+        </p:nvSpPr>
+        <p:spPr>
+          <a:xfrm>
+            <a:off x="5111014" y="953258"/>
+            <a:ext cx="3402710" cy="2300081"/>
+          </a:xfrm>
+          <a:prstGeom prst="round2DiagRect">
+            <a:avLst/>
+          </a:prstGeom>
+          <a:noFill/>
+          <a:ln w="57150">
+            <a:solidFill>
+              <a:srgbClr val="FF0000"/>
+            </a:solidFill>
+          </a:ln>
+          <a:effectLst>
+            <a:outerShdw blurRad="149987" dist="250190" dir="8460000" algn="ctr">
+              <a:srgbClr val="000000">
+                <a:alpha val="28000"/>
+              </a:srgbClr>
+            </a:outerShdw>
+          </a:effectLst>
+          <a:scene3d>
+            <a:camera prst="orthographicFront">
+              <a:rot lat="0" lon="0" rev="0"/>
+            </a:camera>
+            <a:lightRig rig="contrasting" dir="t">
+              <a:rot lat="0" lon="0" rev="1500000"/>
+            </a:lightRig>
+          </a:scene3d>
+          <a:sp3d prstMaterial="metal">
+            <a:bevelT w="88900" h="88900"/>
+          </a:sp3d>
+        </p:spPr>
+        <p:style>
+          <a:lnRef idx="2">
+            <a:schemeClr val="accent1">
+              <a:shade val="50000"/>
+            </a:schemeClr>
+          </a:lnRef>
+          <a:fillRef idx="1">
+            <a:schemeClr val="accent1"/>
+          </a:fillRef>
+          <a:effectRef idx="0">
+            <a:schemeClr val="accent1"/>
+          </a:effectRef>
+          <a:fontRef idx="minor">
+            <a:schemeClr val="lt1"/>
+          </a:fontRef>
+        </p:style>
+        <p:txBody>
+          <a:bodyPr rtlCol="0" anchor="ctr"/>
+          <a:lstStyle/>
+          <a:p>
+            <a:endParaRPr lang="en-US" sz="1400" dirty="0"/>
+          </a:p>
+        </p:txBody>
+      </p:sp>
+      <p:sp>
+        <p:nvSpPr>
+          <p:cNvPr id="17" name="Прямоугольник 16"/>
+          <p:cNvSpPr/>
+          <p:nvPr/>
+        </p:nvSpPr>
+        <p:spPr>
+          <a:xfrm>
+            <a:off x="5255394" y="1166082"/>
+            <a:ext cx="2742308" cy="1200329"/>
+          </a:xfrm>
+          <a:prstGeom prst="rect">
+            <a:avLst/>
+          </a:prstGeom>
+        </p:spPr>
+        <p:txBody>
+          <a:bodyPr wrap="square">
+            <a:spAutoFit/>
+          </a:bodyPr>
+          <a:lstStyle/>
+          <a:p>
+            <a:r>
+              <a:rPr lang="ru-RU" sz="1200" dirty="0"/>
+              <a:t>Запрос с данными в браузере </a:t>
+            </a:r>
+            <a:r>
+              <a:rPr lang="en-US" sz="1200" dirty="0"/>
+              <a:t>Google Chrome</a:t>
+            </a:r>
+            <a:r>
+              <a:rPr lang="ru-RU" sz="1200" dirty="0"/>
+              <a:t>.</a:t>
+            </a:r>
+            <a:r>
+              <a:rPr lang="cs-CZ" sz="1200" dirty="0"/>
+              <a:t> </a:t>
+            </a:r>
+            <a:endParaRPr lang="ru-RU" sz="1200" dirty="0" smtClean="0"/>
+          </a:p>
+          <a:p>
+            <a:r>
+              <a:rPr lang="ru-RU" sz="1200" dirty="0" smtClean="0"/>
+              <a:t>Запущен по ссылке ниже кнопки поиска «</a:t>
+            </a:r>
+            <a:r>
+              <a:rPr lang="en-US" sz="1200" dirty="0" err="1" smtClean="0"/>
+              <a:t>Hledat</a:t>
+            </a:r>
+            <a:r>
+              <a:rPr lang="ru-RU" sz="1200" dirty="0" smtClean="0"/>
+              <a:t>»</a:t>
+            </a:r>
+          </a:p>
+          <a:p>
+            <a:r>
+              <a:rPr lang="ru-RU" sz="1200" dirty="0" smtClean="0"/>
+              <a:t>Для запроса скопирована ссылка именем</a:t>
+            </a:r>
+            <a:r>
+              <a:rPr lang="en-US" sz="1200" dirty="0" smtClean="0"/>
+              <a:t>/Name: </a:t>
+            </a:r>
+            <a:r>
+              <a:rPr lang="en-US" sz="1200" b="1" dirty="0" err="1" smtClean="0"/>
+              <a:t>vysledky</a:t>
+            </a:r>
+            <a:r>
+              <a:rPr lang="cs-CZ" sz="1200" b="1" dirty="0" smtClean="0"/>
+              <a:t>/</a:t>
+            </a:r>
+            <a:endParaRPr lang="ru-RU" sz="1200" b="1" dirty="0"/>
+          </a:p>
+        </p:txBody>
+      </p:sp>
+      <p:pic>
+        <p:nvPicPr>
+          <p:cNvPr id="18" name="Рисунок 17"/>
+          <p:cNvPicPr>
+            <a:picLocks noChangeAspect="1"/>
+          </p:cNvPicPr>
+          <p:nvPr/>
+        </p:nvPicPr>
+        <p:blipFill>
+          <a:blip r:embed="rId6"/>
+          <a:stretch>
+            <a:fillRect/>
+          </a:stretch>
+        </p:blipFill>
+        <p:spPr>
+          <a:xfrm>
+            <a:off x="5361273" y="2390029"/>
+            <a:ext cx="1953928" cy="767057"/>
+          </a:xfrm>
+          <a:prstGeom prst="rect">
+            <a:avLst/>
+          </a:prstGeom>
+        </p:spPr>
+      </p:pic>
+      <p:sp>
+        <p:nvSpPr>
+          <p:cNvPr id="14" name="Овал 13"/>
+          <p:cNvSpPr/>
+          <p:nvPr/>
+        </p:nvSpPr>
+        <p:spPr>
+          <a:xfrm>
+            <a:off x="5347630" y="2374945"/>
+            <a:ext cx="699169" cy="231273"/>
+          </a:xfrm>
+          <a:prstGeom prst="ellipse">
+            <a:avLst/>
+          </a:prstGeom>
+          <a:noFill/>
+          <a:ln>
+            <a:solidFill>
+              <a:srgbClr val="FF0000"/>
+            </a:solidFill>
+          </a:ln>
+        </p:spPr>
+        <p:style>
+          <a:lnRef idx="2">
+            <a:schemeClr val="accent1">
+              <a:shade val="50000"/>
+            </a:schemeClr>
+          </a:lnRef>
+          <a:fillRef idx="1">
+            <a:schemeClr val="accent1"/>
+          </a:fillRef>
+          <a:effectRef idx="0">
+            <a:schemeClr val="accent1"/>
+          </a:effectRef>
+          <a:fontRef idx="minor">
+            <a:schemeClr val="lt1"/>
+          </a:fontRef>
+        </p:style>
+        <p:txBody>
+          <a:bodyPr rtlCol="0" anchor="ctr"/>
+          <a:lstStyle/>
+          <a:p>
+            <a:pPr algn="ctr"/>
+            <a:endParaRPr lang="en-US"/>
+          </a:p>
+        </p:txBody>
+      </p:sp>
+      <p:pic>
+        <p:nvPicPr>
+          <p:cNvPr id="19" name="Рисунок 18"/>
+          <p:cNvPicPr>
+            <a:picLocks noChangeAspect="1"/>
+          </p:cNvPicPr>
+          <p:nvPr/>
+        </p:nvPicPr>
+        <p:blipFill>
+          <a:blip r:embed="rId7"/>
+          <a:stretch>
+            <a:fillRect/>
+          </a:stretch>
+        </p:blipFill>
+        <p:spPr>
+          <a:xfrm>
+            <a:off x="6583681" y="5821109"/>
+            <a:ext cx="2234784" cy="666317"/>
+          </a:xfrm>
+          <a:prstGeom prst="rect">
+            <a:avLst/>
+          </a:prstGeom>
+        </p:spPr>
+      </p:pic>
+    </p:spTree>
+    <p:extLst>
+      <p:ext uri="{BB962C8B-B14F-4D97-AF65-F5344CB8AC3E}">
+        <p14:creationId xmlns:p14="http://schemas.microsoft.com/office/powerpoint/2010/main" val="3486556867"/>
+      </p:ext>
+    </p:extLst>
+  </p:cSld>
+  <p:clrMapOvr>
+    <a:masterClrMapping/>
+  </p:clrMapOvr>
+</p:sld>
+</file>
+
+<file path=ppt/slides/slide13.xml><?xml version="1.0" encoding="utf-8"?>
+<p:sld xmlns:a="http://schemas.openxmlformats.org/drawingml/2006/main" xmlns:r="http://schemas.openxmlformats.org/officeDocument/2006/relationships" xmlns:p="http://schemas.openxmlformats.org/presentationml/2006/main" showMasterSp="0">
+  <p:cSld>
+    <p:spTree>
+      <p:nvGrpSpPr>
+        <p:cNvPr id="1" name=""/>
+        <p:cNvGrpSpPr/>
+        <p:nvPr/>
+      </p:nvGrpSpPr>
+      <p:grpSpPr>
+        <a:xfrm>
+          <a:off x="0" y="0"/>
+          <a:ext cx="0" cy="0"/>
+          <a:chOff x="0" y="0"/>
+          <a:chExt cx="0" cy="0"/>
+        </a:xfrm>
+      </p:grpSpPr>
+      <p:pic>
+        <p:nvPicPr>
+          <p:cNvPr id="20" name="Рисунок 19"/>
+          <p:cNvPicPr>
+            <a:picLocks noChangeAspect="1"/>
+          </p:cNvPicPr>
+          <p:nvPr/>
+        </p:nvPicPr>
+        <p:blipFill>
+          <a:blip r:embed="rId3"/>
+          <a:stretch>
+            <a:fillRect/>
+          </a:stretch>
+        </p:blipFill>
+        <p:spPr>
+          <a:xfrm>
+            <a:off x="86626" y="3736342"/>
+            <a:ext cx="6169795" cy="3050300"/>
+          </a:xfrm>
+          <a:prstGeom prst="rect">
+            <a:avLst/>
+          </a:prstGeom>
+        </p:spPr>
+      </p:pic>
+      <p:pic>
+        <p:nvPicPr>
+          <p:cNvPr id="11" name="Рисунок 10"/>
+          <p:cNvPicPr>
+            <a:picLocks noChangeAspect="1"/>
+          </p:cNvPicPr>
+          <p:nvPr/>
+        </p:nvPicPr>
+        <p:blipFill>
+          <a:blip r:embed="rId4"/>
+          <a:stretch>
+            <a:fillRect/>
+          </a:stretch>
+        </p:blipFill>
+        <p:spPr>
+          <a:xfrm>
+            <a:off x="6244394" y="2638910"/>
+            <a:ext cx="2584559" cy="633680"/>
+          </a:xfrm>
+          <a:prstGeom prst="rect">
+            <a:avLst/>
+          </a:prstGeom>
+        </p:spPr>
+      </p:pic>
+      <p:pic>
+        <p:nvPicPr>
+          <p:cNvPr id="7" name="Рисунок 6"/>
+          <p:cNvPicPr>
+            <a:picLocks noChangeAspect="1"/>
+          </p:cNvPicPr>
+          <p:nvPr/>
+        </p:nvPicPr>
+        <p:blipFill>
+          <a:blip r:embed="rId5"/>
+          <a:stretch>
+            <a:fillRect/>
+          </a:stretch>
+        </p:blipFill>
+        <p:spPr>
+          <a:xfrm>
+            <a:off x="57751" y="896717"/>
+            <a:ext cx="6025415" cy="2712757"/>
+          </a:xfrm>
+          <a:prstGeom prst="rect">
+            <a:avLst/>
+          </a:prstGeom>
+        </p:spPr>
+      </p:pic>
+      <p:sp>
+        <p:nvSpPr>
+          <p:cNvPr id="2" name="Заголовок 1"/>
+          <p:cNvSpPr>
+            <a:spLocks noGrp="1"/>
+          </p:cNvSpPr>
+          <p:nvPr>
+            <p:ph type="title"/>
+          </p:nvPr>
+        </p:nvSpPr>
+        <p:spPr>
+          <a:xfrm>
+            <a:off x="0" y="178290"/>
+            <a:ext cx="7526956" cy="666214"/>
+          </a:xfrm>
+          <a:solidFill>
+            <a:schemeClr val="bg1"/>
+          </a:solidFill>
+        </p:spPr>
+        <p:txBody>
+          <a:bodyPr>
+            <a:noAutofit/>
+          </a:bodyPr>
+          <a:lstStyle/>
+          <a:p>
+            <a:r>
+              <a:rPr lang="ru-RU" sz="2000" dirty="0" smtClean="0"/>
+              <a:t>Тест </a:t>
+            </a:r>
+            <a:r>
+              <a:rPr lang="ru-RU" sz="2000" dirty="0" smtClean="0"/>
+              <a:t>4.</a:t>
+            </a:r>
+            <a:r>
+              <a:rPr lang="en-US" sz="2000" dirty="0" smtClean="0"/>
+              <a:t>2</a:t>
+            </a:r>
+            <a:r>
+              <a:rPr lang="ru-RU" sz="2000" dirty="0" smtClean="0"/>
+              <a:t>. </a:t>
+            </a:r>
+            <a:r>
+              <a:rPr lang="ru-RU" sz="2000" dirty="0" smtClean="0"/>
+              <a:t>Корректность </a:t>
+            </a:r>
+            <a:r>
+              <a:rPr lang="ru-RU" sz="2000" dirty="0"/>
+              <a:t>ответа на </a:t>
+            </a:r>
+            <a:r>
+              <a:rPr lang="ru-RU" sz="2000" dirty="0"/>
+              <a:t>добавление маршрута </a:t>
+            </a:r>
+            <a:r>
+              <a:rPr lang="ru-RU" sz="2000" dirty="0" smtClean="0"/>
+              <a:t>в</a:t>
+            </a:r>
+            <a:r>
+              <a:rPr lang="ru-RU" sz="2000" dirty="0"/>
+              <a:t/>
+            </a:r>
+            <a:br>
+              <a:rPr lang="ru-RU" sz="2000" dirty="0"/>
+            </a:br>
+            <a:r>
+              <a:rPr lang="ru-RU" sz="2000" dirty="0"/>
+              <a:t>	   «Избранное/</a:t>
+            </a:r>
+            <a:r>
+              <a:rPr lang="en-US" sz="2000" b="1" dirty="0" err="1"/>
+              <a:t>Moje</a:t>
+            </a:r>
+            <a:r>
+              <a:rPr lang="en-US" sz="2000" b="1" dirty="0"/>
+              <a:t> </a:t>
+            </a:r>
+            <a:r>
+              <a:rPr lang="en-US" sz="2000" b="1" dirty="0" err="1"/>
+              <a:t>spojení</a:t>
+            </a:r>
+            <a:r>
+              <a:rPr lang="ru-RU" sz="2000" dirty="0"/>
+              <a:t>» </a:t>
+            </a:r>
+            <a:endParaRPr lang="en-US" sz="2000" dirty="0"/>
+          </a:p>
+        </p:txBody>
+      </p:sp>
+      <p:pic>
+        <p:nvPicPr>
+          <p:cNvPr id="4" name="Объект 3"/>
+          <p:cNvPicPr>
+            <a:picLocks noGrp="1" noChangeAspect="1"/>
+          </p:cNvPicPr>
+          <p:nvPr>
+            <p:ph idx="1"/>
+          </p:nvPr>
+        </p:nvPicPr>
+        <p:blipFill>
+          <a:blip r:embed="rId6" cstate="print">
+            <a:extLst>
+              <a:ext uri="{28A0092B-C50C-407E-A947-70E740481C1C}">
+                <a14:useLocalDpi xmlns:a14="http://schemas.microsoft.com/office/drawing/2010/main" val="0"/>
+              </a:ext>
+            </a:extLst>
+          </a:blip>
+          <a:stretch>
+            <a:fillRect/>
+          </a:stretch>
+        </p:blipFill>
+        <p:spPr>
+          <a:xfrm>
+            <a:off x="7941733" y="179363"/>
+            <a:ext cx="651197" cy="651197"/>
+          </a:xfrm>
+          <a:prstGeom prst="roundRect">
+            <a:avLst>
+              <a:gd name="adj" fmla="val 8594"/>
+            </a:avLst>
+          </a:prstGeom>
+          <a:solidFill>
+            <a:srgbClr val="FFFFFF">
+              <a:shade val="85000"/>
+            </a:srgbClr>
+          </a:solidFill>
+          <a:ln>
+            <a:noFill/>
+          </a:ln>
+          <a:effectLst>
+            <a:reflection blurRad="12700" stA="38000" endPos="28000" dist="5000" dir="5400000" sy="-100000" algn="bl" rotWithShape="0"/>
+          </a:effectLst>
+        </p:spPr>
+      </p:pic>
+      <p:sp>
+        <p:nvSpPr>
+          <p:cNvPr id="5" name="Овал 4"/>
+          <p:cNvSpPr/>
+          <p:nvPr/>
+        </p:nvSpPr>
+        <p:spPr>
+          <a:xfrm>
+            <a:off x="4186991" y="4851135"/>
+            <a:ext cx="673768" cy="211754"/>
+          </a:xfrm>
+          <a:prstGeom prst="ellipse">
+            <a:avLst/>
+          </a:prstGeom>
+          <a:noFill/>
+          <a:ln>
+            <a:solidFill>
+              <a:srgbClr val="FF0000"/>
+            </a:solidFill>
+          </a:ln>
+        </p:spPr>
+        <p:style>
+          <a:lnRef idx="2">
+            <a:schemeClr val="accent1">
+              <a:shade val="50000"/>
+            </a:schemeClr>
+          </a:lnRef>
+          <a:fillRef idx="1">
+            <a:schemeClr val="accent1"/>
+          </a:fillRef>
+          <a:effectRef idx="0">
+            <a:schemeClr val="accent1"/>
+          </a:effectRef>
+          <a:fontRef idx="minor">
+            <a:schemeClr val="lt1"/>
+          </a:fontRef>
+        </p:style>
+        <p:txBody>
+          <a:bodyPr rtlCol="0" anchor="ctr"/>
+          <a:lstStyle/>
+          <a:p>
+            <a:pPr algn="ctr"/>
+            <a:endParaRPr lang="en-US"/>
+          </a:p>
+        </p:txBody>
+      </p:sp>
+      <p:sp>
+        <p:nvSpPr>
+          <p:cNvPr id="10" name="Прямоугольник с двумя скругленными противолежащими углами 9"/>
+          <p:cNvSpPr/>
+          <p:nvPr/>
+        </p:nvSpPr>
+        <p:spPr>
+          <a:xfrm>
+            <a:off x="6343049" y="3792355"/>
+            <a:ext cx="2627698" cy="2935704"/>
+          </a:xfrm>
+          <a:prstGeom prst="round2DiagRect">
+            <a:avLst/>
+          </a:prstGeom>
+          <a:noFill/>
+          <a:ln w="57150">
+            <a:solidFill>
+              <a:srgbClr val="FF0000"/>
+            </a:solidFill>
+          </a:ln>
+          <a:effectLst>
+            <a:outerShdw blurRad="149987" dist="250190" dir="8460000" algn="ctr">
+              <a:srgbClr val="000000">
+                <a:alpha val="28000"/>
+              </a:srgbClr>
+            </a:outerShdw>
+          </a:effectLst>
+          <a:scene3d>
+            <a:camera prst="orthographicFront">
+              <a:rot lat="0" lon="0" rev="0"/>
+            </a:camera>
+            <a:lightRig rig="contrasting" dir="t">
+              <a:rot lat="0" lon="0" rev="1500000"/>
+            </a:lightRig>
+          </a:scene3d>
+          <a:sp3d prstMaterial="metal">
+            <a:bevelT w="88900" h="88900"/>
+          </a:sp3d>
+        </p:spPr>
+        <p:style>
+          <a:lnRef idx="2">
+            <a:schemeClr val="accent1">
+              <a:shade val="50000"/>
+            </a:schemeClr>
+          </a:lnRef>
+          <a:fillRef idx="1">
+            <a:schemeClr val="accent1"/>
+          </a:fillRef>
+          <a:effectRef idx="0">
+            <a:schemeClr val="accent1"/>
+          </a:effectRef>
+          <a:fontRef idx="minor">
+            <a:schemeClr val="lt1"/>
+          </a:fontRef>
+        </p:style>
+        <p:txBody>
+          <a:bodyPr rtlCol="0" anchor="ctr"/>
+          <a:lstStyle/>
+          <a:p>
+            <a:r>
+              <a:rPr lang="ru-RU" sz="1200" dirty="0" smtClean="0"/>
+              <a:t>Для проверки ответа на запрос, во вкладке </a:t>
+            </a:r>
+            <a:r>
+              <a:rPr lang="en-US" sz="1200" dirty="0" smtClean="0"/>
+              <a:t>Body</a:t>
+            </a:r>
+            <a:r>
+              <a:rPr lang="ru-RU" sz="1200" dirty="0" smtClean="0"/>
+              <a:t>, раздел </a:t>
+            </a:r>
+            <a:r>
+              <a:rPr lang="en-US" sz="1200" dirty="0" smtClean="0"/>
+              <a:t>Pretty,</a:t>
+            </a:r>
+            <a:r>
+              <a:rPr lang="ru-RU" sz="1200" dirty="0" smtClean="0"/>
+              <a:t> был выбран формат</a:t>
+            </a:r>
+            <a:r>
+              <a:rPr lang="en-US" sz="1200" dirty="0" err="1" smtClean="0"/>
+              <a:t>Json</a:t>
+            </a:r>
+            <a:r>
+              <a:rPr lang="ru-RU" sz="1200" dirty="0" smtClean="0"/>
+              <a:t>.</a:t>
+            </a:r>
+          </a:p>
+          <a:p>
+            <a:r>
+              <a:rPr lang="ru-RU" sz="1200" dirty="0" smtClean="0"/>
+              <a:t>Значения в ключе </a:t>
+            </a:r>
+            <a:r>
+              <a:rPr lang="en-US" sz="1200" b="1" dirty="0" smtClean="0"/>
+              <a:t>"</a:t>
+            </a:r>
+            <a:r>
+              <a:rPr lang="en-US" sz="1200" b="1" dirty="0" err="1" smtClean="0"/>
+              <a:t>destHandle</a:t>
+            </a:r>
+            <a:r>
+              <a:rPr lang="en-US" sz="1200" b="1" dirty="0" smtClean="0"/>
+              <a:t>"</a:t>
+            </a:r>
+            <a:r>
+              <a:rPr lang="en-US" sz="1200" dirty="0" smtClean="0"/>
+              <a:t>:</a:t>
+            </a:r>
+            <a:r>
+              <a:rPr lang="ru-RU" sz="1200" dirty="0" smtClean="0"/>
+              <a:t> совпадает со значением </a:t>
+            </a:r>
+            <a:r>
+              <a:rPr lang="en-US" sz="1200" b="1" dirty="0"/>
+              <a:t>"</a:t>
+            </a:r>
+            <a:r>
+              <a:rPr lang="en-US" sz="1200" b="1" dirty="0" err="1" smtClean="0"/>
+              <a:t>connId</a:t>
+            </a:r>
+            <a:r>
+              <a:rPr lang="en-US" sz="1200" b="1" dirty="0" smtClean="0"/>
+              <a:t>«</a:t>
+            </a:r>
+            <a:r>
+              <a:rPr lang="ru-RU" sz="1200" b="1" dirty="0" smtClean="0"/>
+              <a:t> </a:t>
+            </a:r>
+            <a:r>
+              <a:rPr lang="ru-RU" sz="1200" dirty="0" smtClean="0"/>
+              <a:t>из браузера – </a:t>
+            </a:r>
+            <a:r>
+              <a:rPr lang="en-US" sz="1200" dirty="0" smtClean="0"/>
+              <a:t>36582759</a:t>
+            </a:r>
+            <a:r>
+              <a:rPr lang="ru-RU" sz="1200" dirty="0" smtClean="0"/>
+              <a:t>.</a:t>
+            </a:r>
+          </a:p>
+          <a:p>
+            <a:r>
+              <a:rPr lang="ru-RU" sz="1200" b="1" dirty="0" smtClean="0"/>
+              <a:t> </a:t>
+            </a:r>
+            <a:endParaRPr lang="en-US" sz="1200" b="1" dirty="0" smtClean="0"/>
+          </a:p>
+          <a:p>
+            <a:r>
+              <a:rPr lang="ru-RU" sz="1200" dirty="0" smtClean="0"/>
+              <a:t>Значение</a:t>
+            </a:r>
+            <a:r>
+              <a:rPr lang="en-US" sz="1200" dirty="0" smtClean="0"/>
+              <a:t> </a:t>
+            </a:r>
+            <a:r>
+              <a:rPr lang="ru-RU" sz="1200" b="1" dirty="0" smtClean="0"/>
+              <a:t>«2» </a:t>
+            </a:r>
+            <a:r>
+              <a:rPr lang="ru-RU" sz="1200" dirty="0"/>
+              <a:t>в </a:t>
+            </a:r>
+            <a:r>
+              <a:rPr lang="ru-RU" sz="1200" dirty="0" smtClean="0"/>
+              <a:t>ключе </a:t>
+            </a:r>
+            <a:r>
+              <a:rPr lang="en-US" sz="1200" b="1" dirty="0" smtClean="0"/>
+              <a:t>"</a:t>
+            </a:r>
+            <a:r>
+              <a:rPr lang="en-US" sz="1200" b="1" dirty="0" err="1" smtClean="0"/>
+              <a:t>connCount</a:t>
+            </a:r>
+            <a:r>
+              <a:rPr lang="en-US" sz="1200" b="1" dirty="0"/>
+              <a:t>":</a:t>
+            </a:r>
+            <a:r>
+              <a:rPr lang="en-US" sz="1200" dirty="0"/>
+              <a:t> </a:t>
+            </a:r>
+            <a:r>
+              <a:rPr lang="ru-RU" sz="1200" dirty="0" smtClean="0"/>
+              <a:t>означает порядковый номер маршрута, добавленного в Избранное.</a:t>
+            </a:r>
+            <a:endParaRPr lang="en-US" sz="1400" dirty="0"/>
+          </a:p>
+        </p:txBody>
+      </p:sp>
+      <p:sp>
+        <p:nvSpPr>
+          <p:cNvPr id="12" name="Овал 11"/>
+          <p:cNvSpPr/>
+          <p:nvPr/>
+        </p:nvSpPr>
+        <p:spPr>
+          <a:xfrm>
+            <a:off x="2531445" y="6391174"/>
+            <a:ext cx="1193533" cy="269508"/>
+          </a:xfrm>
+          <a:prstGeom prst="ellipse">
+            <a:avLst/>
+          </a:prstGeom>
+          <a:noFill/>
+          <a:ln>
+            <a:solidFill>
+              <a:srgbClr val="FF0000"/>
+            </a:solidFill>
+          </a:ln>
+        </p:spPr>
+        <p:style>
+          <a:lnRef idx="2">
+            <a:schemeClr val="accent1">
+              <a:shade val="50000"/>
+            </a:schemeClr>
+          </a:lnRef>
+          <a:fillRef idx="1">
+            <a:schemeClr val="accent1"/>
+          </a:fillRef>
+          <a:effectRef idx="0">
+            <a:schemeClr val="accent1"/>
+          </a:effectRef>
+          <a:fontRef idx="minor">
+            <a:schemeClr val="lt1"/>
+          </a:fontRef>
+        </p:style>
+        <p:txBody>
+          <a:bodyPr rtlCol="0" anchor="ctr"/>
+          <a:lstStyle/>
+          <a:p>
+            <a:pPr algn="ctr"/>
+            <a:endParaRPr lang="en-US"/>
+          </a:p>
+        </p:txBody>
+      </p:sp>
+      <p:sp>
+        <p:nvSpPr>
+          <p:cNvPr id="13" name="Овал 12"/>
+          <p:cNvSpPr/>
+          <p:nvPr/>
+        </p:nvSpPr>
+        <p:spPr>
+          <a:xfrm>
+            <a:off x="3243536" y="3395844"/>
+            <a:ext cx="699169" cy="231273"/>
+          </a:xfrm>
+          <a:prstGeom prst="ellipse">
+            <a:avLst/>
+          </a:prstGeom>
+          <a:noFill/>
+          <a:ln>
+            <a:solidFill>
+              <a:srgbClr val="FF0000"/>
+            </a:solidFill>
+          </a:ln>
+        </p:spPr>
+        <p:style>
+          <a:lnRef idx="2">
+            <a:schemeClr val="accent1">
+              <a:shade val="50000"/>
+            </a:schemeClr>
+          </a:lnRef>
+          <a:fillRef idx="1">
+            <a:schemeClr val="accent1"/>
+          </a:fillRef>
+          <a:effectRef idx="0">
+            <a:schemeClr val="accent1"/>
+          </a:effectRef>
+          <a:fontRef idx="minor">
+            <a:schemeClr val="lt1"/>
+          </a:fontRef>
+        </p:style>
+        <p:txBody>
+          <a:bodyPr rtlCol="0" anchor="ctr"/>
+          <a:lstStyle/>
+          <a:p>
+            <a:pPr algn="ctr"/>
+            <a:endParaRPr lang="en-US"/>
+          </a:p>
+        </p:txBody>
+      </p:sp>
+      <p:sp>
+        <p:nvSpPr>
+          <p:cNvPr id="15" name="Овал 14"/>
+          <p:cNvSpPr/>
+          <p:nvPr/>
+        </p:nvSpPr>
+        <p:spPr>
+          <a:xfrm>
+            <a:off x="5355654" y="1357875"/>
+            <a:ext cx="746763" cy="268794"/>
+          </a:xfrm>
+          <a:prstGeom prst="ellipse">
+            <a:avLst/>
+          </a:prstGeom>
+          <a:noFill/>
+          <a:ln>
+            <a:solidFill>
+              <a:srgbClr val="FF0000"/>
+            </a:solidFill>
+          </a:ln>
+        </p:spPr>
+        <p:style>
+          <a:lnRef idx="2">
+            <a:schemeClr val="accent1">
+              <a:shade val="50000"/>
+            </a:schemeClr>
+          </a:lnRef>
+          <a:fillRef idx="1">
+            <a:schemeClr val="accent1"/>
+          </a:fillRef>
+          <a:effectRef idx="0">
+            <a:schemeClr val="accent1"/>
+          </a:effectRef>
+          <a:fontRef idx="minor">
+            <a:schemeClr val="lt1"/>
+          </a:fontRef>
+        </p:style>
+        <p:txBody>
+          <a:bodyPr rtlCol="0" anchor="ctr"/>
+          <a:lstStyle/>
+          <a:p>
+            <a:pPr algn="ctr"/>
+            <a:endParaRPr lang="en-US"/>
+          </a:p>
+        </p:txBody>
+      </p:sp>
+      <p:sp>
+        <p:nvSpPr>
+          <p:cNvPr id="16" name="Прямоугольник с двумя скругленными противолежащими углами 15"/>
+          <p:cNvSpPr/>
+          <p:nvPr/>
+        </p:nvSpPr>
+        <p:spPr>
+          <a:xfrm>
+            <a:off x="6169795" y="924382"/>
+            <a:ext cx="2777066" cy="2636965"/>
+          </a:xfrm>
+          <a:prstGeom prst="round2DiagRect">
+            <a:avLst/>
+          </a:prstGeom>
+          <a:noFill/>
+          <a:ln w="57150">
+            <a:solidFill>
+              <a:srgbClr val="FF0000"/>
+            </a:solidFill>
+          </a:ln>
+          <a:effectLst>
+            <a:outerShdw blurRad="149987" dist="250190" dir="8460000" algn="ctr">
+              <a:srgbClr val="000000">
+                <a:alpha val="28000"/>
+              </a:srgbClr>
+            </a:outerShdw>
+          </a:effectLst>
+          <a:scene3d>
+            <a:camera prst="orthographicFront">
+              <a:rot lat="0" lon="0" rev="0"/>
+            </a:camera>
+            <a:lightRig rig="contrasting" dir="t">
+              <a:rot lat="0" lon="0" rev="1500000"/>
+            </a:lightRig>
+          </a:scene3d>
+          <a:sp3d prstMaterial="metal">
+            <a:bevelT w="88900" h="88900"/>
+          </a:sp3d>
+        </p:spPr>
+        <p:style>
+          <a:lnRef idx="2">
+            <a:schemeClr val="accent1">
+              <a:shade val="50000"/>
+            </a:schemeClr>
+          </a:lnRef>
+          <a:fillRef idx="1">
+            <a:schemeClr val="accent1"/>
+          </a:fillRef>
+          <a:effectRef idx="0">
+            <a:schemeClr val="accent1"/>
+          </a:effectRef>
+          <a:fontRef idx="minor">
+            <a:schemeClr val="lt1"/>
+          </a:fontRef>
+        </p:style>
+        <p:txBody>
+          <a:bodyPr rtlCol="0" anchor="ctr"/>
+          <a:lstStyle/>
+          <a:p>
+            <a:endParaRPr lang="en-US" sz="1400" dirty="0"/>
+          </a:p>
+        </p:txBody>
+      </p:sp>
+      <p:sp>
+        <p:nvSpPr>
+          <p:cNvPr id="17" name="Прямоугольник 16"/>
+          <p:cNvSpPr/>
+          <p:nvPr/>
+        </p:nvSpPr>
+        <p:spPr>
+          <a:xfrm>
+            <a:off x="6314173" y="1137206"/>
+            <a:ext cx="2531443" cy="1384995"/>
+          </a:xfrm>
+          <a:prstGeom prst="rect">
+            <a:avLst/>
+          </a:prstGeom>
+        </p:spPr>
+        <p:txBody>
+          <a:bodyPr wrap="square">
+            <a:spAutoFit/>
+          </a:bodyPr>
+          <a:lstStyle/>
+          <a:p>
+            <a:r>
+              <a:rPr lang="ru-RU" sz="1200" dirty="0"/>
+              <a:t>Запрос с данными в браузере </a:t>
+            </a:r>
+            <a:r>
+              <a:rPr lang="en-US" sz="1200" dirty="0"/>
+              <a:t>Google Chrome</a:t>
+            </a:r>
+            <a:r>
+              <a:rPr lang="ru-RU" sz="1200" dirty="0"/>
+              <a:t>.</a:t>
+            </a:r>
+            <a:r>
+              <a:rPr lang="cs-CZ" sz="1200" dirty="0"/>
+              <a:t> </a:t>
+            </a:r>
+            <a:endParaRPr lang="ru-RU" sz="1200" dirty="0" smtClean="0"/>
+          </a:p>
+          <a:p>
+            <a:r>
+              <a:rPr lang="ru-RU" sz="1200" dirty="0" smtClean="0"/>
+              <a:t>Запущен нажатием на иконку «Портфель».</a:t>
+            </a:r>
+          </a:p>
+          <a:p>
+            <a:r>
+              <a:rPr lang="ru-RU" sz="1200" dirty="0" smtClean="0"/>
+              <a:t>Для запроса скопирована ссылка именем</a:t>
+            </a:r>
+            <a:r>
+              <a:rPr lang="en-US" sz="1200" dirty="0" smtClean="0"/>
+              <a:t>/Name: </a:t>
+            </a:r>
+            <a:r>
+              <a:rPr lang="en-US" sz="1200" b="1" dirty="0" err="1"/>
+              <a:t>MCAddConnections</a:t>
+            </a:r>
+            <a:endParaRPr lang="ru-RU" sz="1200" b="1" dirty="0"/>
+          </a:p>
+        </p:txBody>
+      </p:sp>
+      <p:sp>
+        <p:nvSpPr>
+          <p:cNvPr id="14" name="Овал 13"/>
+          <p:cNvSpPr/>
+          <p:nvPr/>
+        </p:nvSpPr>
+        <p:spPr>
+          <a:xfrm>
+            <a:off x="6242779" y="2654078"/>
+            <a:ext cx="699169" cy="231273"/>
+          </a:xfrm>
+          <a:prstGeom prst="ellipse">
+            <a:avLst/>
+          </a:prstGeom>
+          <a:noFill/>
+          <a:ln>
+            <a:solidFill>
+              <a:srgbClr val="FF0000"/>
+            </a:solidFill>
+          </a:ln>
+        </p:spPr>
+        <p:style>
+          <a:lnRef idx="2">
+            <a:schemeClr val="accent1">
+              <a:shade val="50000"/>
+            </a:schemeClr>
+          </a:lnRef>
+          <a:fillRef idx="1">
+            <a:schemeClr val="accent1"/>
+          </a:fillRef>
+          <a:effectRef idx="0">
+            <a:schemeClr val="accent1"/>
+          </a:effectRef>
+          <a:fontRef idx="minor">
+            <a:schemeClr val="lt1"/>
+          </a:fontRef>
+        </p:style>
+        <p:txBody>
+          <a:bodyPr rtlCol="0" anchor="ctr"/>
+          <a:lstStyle/>
+          <a:p>
+            <a:pPr algn="ctr"/>
+            <a:endParaRPr lang="en-US"/>
+          </a:p>
+        </p:txBody>
+      </p:sp>
+    </p:spTree>
+    <p:extLst>
+      <p:ext uri="{BB962C8B-B14F-4D97-AF65-F5344CB8AC3E}">
+        <p14:creationId xmlns:p14="http://schemas.microsoft.com/office/powerpoint/2010/main" val="2787987388"/>
+      </p:ext>
+    </p:extLst>
+  </p:cSld>
+  <p:clrMapOvr>
+    <a:masterClrMapping/>
+  </p:clrMapOvr>
+</p:sld>
+</file>
+
+<file path=ppt/slides/slide14.xml><?xml version="1.0" encoding="utf-8"?>
+<p:sld xmlns:a="http://schemas.openxmlformats.org/drawingml/2006/main" xmlns:r="http://schemas.openxmlformats.org/officeDocument/2006/relationships" xmlns:p="http://schemas.openxmlformats.org/presentationml/2006/main" showMasterSp="0">
+  <p:cSld>
+    <p:spTree>
+      <p:nvGrpSpPr>
+        <p:cNvPr id="1" name=""/>
+        <p:cNvGrpSpPr/>
+        <p:nvPr/>
+      </p:nvGrpSpPr>
+      <p:grpSpPr>
+        <a:xfrm>
+          <a:off x="0" y="0"/>
+          <a:ext cx="0" cy="0"/>
+          <a:chOff x="0" y="0"/>
+          <a:chExt cx="0" cy="0"/>
+        </a:xfrm>
+      </p:grpSpPr>
+      <p:pic>
+        <p:nvPicPr>
+          <p:cNvPr id="3" name="Рисунок 2"/>
+          <p:cNvPicPr>
+            <a:picLocks noChangeAspect="1"/>
+          </p:cNvPicPr>
+          <p:nvPr/>
+        </p:nvPicPr>
+        <p:blipFill rotWithShape="1">
+          <a:blip r:embed="rId3"/>
+          <a:srcRect r="14872"/>
+          <a:stretch/>
+        </p:blipFill>
+        <p:spPr>
+          <a:xfrm>
+            <a:off x="68580" y="929807"/>
+            <a:ext cx="6869430" cy="3076249"/>
+          </a:xfrm>
+          <a:prstGeom prst="rect">
+            <a:avLst/>
+          </a:prstGeom>
+        </p:spPr>
+      </p:pic>
+      <p:sp>
+        <p:nvSpPr>
+          <p:cNvPr id="2" name="Заголовок 1"/>
+          <p:cNvSpPr>
+            <a:spLocks noGrp="1"/>
+          </p:cNvSpPr>
+          <p:nvPr>
+            <p:ph type="title"/>
+          </p:nvPr>
+        </p:nvSpPr>
+        <p:spPr>
+          <a:xfrm>
+            <a:off x="0" y="178290"/>
+            <a:ext cx="7526956" cy="666214"/>
+          </a:xfrm>
+          <a:solidFill>
+            <a:schemeClr val="bg1"/>
+          </a:solidFill>
+        </p:spPr>
+        <p:txBody>
+          <a:bodyPr>
+            <a:noAutofit/>
+          </a:bodyPr>
+          <a:lstStyle/>
+          <a:p>
+            <a:r>
+              <a:rPr lang="ru-RU" sz="2000" dirty="0" smtClean="0"/>
+              <a:t>Тест </a:t>
+            </a:r>
+            <a:r>
+              <a:rPr lang="ru-RU" sz="2000" dirty="0" smtClean="0"/>
+              <a:t>4.</a:t>
+            </a:r>
+            <a:r>
+              <a:rPr lang="ru-RU" sz="2000" dirty="0"/>
+              <a:t>4</a:t>
+            </a:r>
+            <a:r>
+              <a:rPr lang="ru-RU" sz="2000" dirty="0" smtClean="0"/>
+              <a:t>. </a:t>
+            </a:r>
+            <a:r>
+              <a:rPr lang="ru-RU" sz="2000" dirty="0" smtClean="0"/>
+              <a:t>Корректность </a:t>
+            </a:r>
+            <a:r>
+              <a:rPr lang="en-US" sz="2000" dirty="0" smtClean="0"/>
+              <a:t>POST </a:t>
+            </a:r>
+            <a:r>
+              <a:rPr lang="ru-RU" sz="2000" dirty="0" smtClean="0"/>
+              <a:t>запрос</a:t>
+            </a:r>
+            <a:r>
+              <a:rPr lang="ru-RU" sz="2000" dirty="0" smtClean="0"/>
+              <a:t>а на добавление в </a:t>
+            </a:r>
+            <a:br>
+              <a:rPr lang="ru-RU" sz="2000" dirty="0" smtClean="0"/>
+            </a:br>
+            <a:r>
+              <a:rPr lang="ru-RU" sz="2000" dirty="0"/>
+              <a:t>	</a:t>
+            </a:r>
+            <a:r>
+              <a:rPr lang="ru-RU" sz="2000" dirty="0" smtClean="0"/>
+              <a:t>   «Избранное/</a:t>
+            </a:r>
+            <a:r>
+              <a:rPr lang="en-US" sz="2000" b="1" dirty="0" err="1" smtClean="0"/>
+              <a:t>Moje</a:t>
+            </a:r>
+            <a:r>
+              <a:rPr lang="en-US" sz="2000" b="1" dirty="0" smtClean="0"/>
+              <a:t> </a:t>
+            </a:r>
+            <a:r>
+              <a:rPr lang="en-US" sz="2000" b="1" dirty="0" err="1" smtClean="0"/>
+              <a:t>spojení</a:t>
+            </a:r>
+            <a:r>
+              <a:rPr lang="ru-RU" sz="2000" dirty="0" smtClean="0"/>
+              <a:t>»</a:t>
+            </a:r>
+            <a:r>
+              <a:rPr lang="ru-RU" sz="2000" dirty="0" smtClean="0"/>
+              <a:t> </a:t>
+            </a:r>
+            <a:endParaRPr lang="en-US" sz="2000" dirty="0"/>
+          </a:p>
+        </p:txBody>
+      </p:sp>
+      <p:pic>
+        <p:nvPicPr>
+          <p:cNvPr id="4" name="Объект 3"/>
+          <p:cNvPicPr>
+            <a:picLocks noGrp="1" noChangeAspect="1"/>
+          </p:cNvPicPr>
+          <p:nvPr>
+            <p:ph idx="1"/>
+          </p:nvPr>
+        </p:nvPicPr>
+        <p:blipFill>
+          <a:blip r:embed="rId4" cstate="print">
+            <a:extLst>
+              <a:ext uri="{28A0092B-C50C-407E-A947-70E740481C1C}">
+                <a14:useLocalDpi xmlns:a14="http://schemas.microsoft.com/office/drawing/2010/main" val="0"/>
+              </a:ext>
+            </a:extLst>
+          </a:blip>
+          <a:stretch>
+            <a:fillRect/>
+          </a:stretch>
+        </p:blipFill>
+        <p:spPr>
+          <a:xfrm>
+            <a:off x="7941733" y="179363"/>
+            <a:ext cx="651197" cy="651197"/>
+          </a:xfrm>
+          <a:prstGeom prst="roundRect">
+            <a:avLst>
+              <a:gd name="adj" fmla="val 8594"/>
+            </a:avLst>
+          </a:prstGeom>
+          <a:solidFill>
+            <a:srgbClr val="FFFFFF">
+              <a:shade val="85000"/>
+            </a:srgbClr>
+          </a:solidFill>
+          <a:ln>
+            <a:noFill/>
+          </a:ln>
+          <a:effectLst>
+            <a:reflection blurRad="12700" stA="38000" endPos="28000" dist="5000" dir="5400000" sy="-100000" algn="bl" rotWithShape="0"/>
+          </a:effectLst>
+        </p:spPr>
+      </p:pic>
+      <p:sp>
+        <p:nvSpPr>
+          <p:cNvPr id="5" name="Овал 4"/>
+          <p:cNvSpPr/>
+          <p:nvPr/>
+        </p:nvSpPr>
+        <p:spPr>
+          <a:xfrm>
+            <a:off x="4630955" y="1949581"/>
+            <a:ext cx="699169" cy="231273"/>
+          </a:xfrm>
+          <a:prstGeom prst="ellipse">
+            <a:avLst/>
+          </a:prstGeom>
+          <a:noFill/>
+          <a:ln>
+            <a:solidFill>
+              <a:srgbClr val="FF0000"/>
+            </a:solidFill>
+          </a:ln>
+        </p:spPr>
+        <p:style>
+          <a:lnRef idx="2">
+            <a:schemeClr val="accent1">
+              <a:shade val="50000"/>
+            </a:schemeClr>
+          </a:lnRef>
+          <a:fillRef idx="1">
+            <a:schemeClr val="accent1"/>
+          </a:fillRef>
+          <a:effectRef idx="0">
+            <a:schemeClr val="accent1"/>
+          </a:effectRef>
+          <a:fontRef idx="minor">
+            <a:schemeClr val="lt1"/>
+          </a:fontRef>
+        </p:style>
+        <p:txBody>
+          <a:bodyPr rtlCol="0" anchor="ctr"/>
+          <a:lstStyle/>
+          <a:p>
+            <a:pPr algn="ctr"/>
+            <a:endParaRPr lang="en-US"/>
+          </a:p>
+        </p:txBody>
+      </p:sp>
+      <p:sp>
+        <p:nvSpPr>
+          <p:cNvPr id="10" name="Прямоугольник с двумя скругленными противолежащими углами 9"/>
+          <p:cNvSpPr/>
+          <p:nvPr/>
+        </p:nvSpPr>
+        <p:spPr>
+          <a:xfrm>
+            <a:off x="6995160" y="937261"/>
+            <a:ext cx="1987016" cy="3013308"/>
+          </a:xfrm>
+          <a:prstGeom prst="round2DiagRect">
+            <a:avLst/>
+          </a:prstGeom>
+          <a:noFill/>
+          <a:ln w="57150">
+            <a:solidFill>
+              <a:srgbClr val="FF0000"/>
+            </a:solidFill>
+          </a:ln>
+          <a:effectLst>
+            <a:outerShdw blurRad="149987" dist="250190" dir="8460000" algn="ctr">
+              <a:srgbClr val="000000">
+                <a:alpha val="28000"/>
+              </a:srgbClr>
+            </a:outerShdw>
+          </a:effectLst>
+          <a:scene3d>
+            <a:camera prst="orthographicFront">
+              <a:rot lat="0" lon="0" rev="0"/>
+            </a:camera>
+            <a:lightRig rig="contrasting" dir="t">
+              <a:rot lat="0" lon="0" rev="1500000"/>
+            </a:lightRig>
+          </a:scene3d>
+          <a:sp3d prstMaterial="metal">
+            <a:bevelT w="88900" h="88900"/>
+          </a:sp3d>
+        </p:spPr>
+        <p:style>
+          <a:lnRef idx="2">
+            <a:schemeClr val="accent1">
+              <a:shade val="50000"/>
+            </a:schemeClr>
+          </a:lnRef>
+          <a:fillRef idx="1">
+            <a:schemeClr val="accent1"/>
+          </a:fillRef>
+          <a:effectRef idx="0">
+            <a:schemeClr val="accent1"/>
+          </a:effectRef>
+          <a:fontRef idx="minor">
+            <a:schemeClr val="lt1"/>
+          </a:fontRef>
+        </p:style>
+        <p:txBody>
+          <a:bodyPr rtlCol="0" anchor="ctr"/>
+          <a:lstStyle/>
+          <a:p>
+            <a:endParaRPr lang="en-US" sz="1200" dirty="0" smtClean="0"/>
+          </a:p>
+          <a:p>
+            <a:endParaRPr lang="en-US" sz="1200" dirty="0"/>
+          </a:p>
+          <a:p>
+            <a:endParaRPr lang="en-US" sz="1200" dirty="0" smtClean="0"/>
+          </a:p>
+          <a:p>
+            <a:r>
+              <a:rPr lang="ru-RU" sz="1200" dirty="0" smtClean="0"/>
+              <a:t>Для добавления в Избранное, был использован метод «</a:t>
+            </a:r>
+            <a:r>
+              <a:rPr lang="en-US" sz="1200" dirty="0" smtClean="0"/>
+              <a:t>POST</a:t>
+            </a:r>
+            <a:r>
+              <a:rPr lang="ru-RU" sz="1200" dirty="0" smtClean="0"/>
+              <a:t>»</a:t>
+            </a:r>
+            <a:r>
+              <a:rPr lang="en-US" sz="1200" dirty="0" smtClean="0"/>
+              <a:t>.</a:t>
+            </a:r>
+          </a:p>
+          <a:p>
+            <a:r>
+              <a:rPr lang="ru-RU" sz="1200" dirty="0" smtClean="0"/>
+              <a:t>Во вкладке </a:t>
+            </a:r>
+            <a:r>
+              <a:rPr lang="en-US" sz="1200" dirty="0" err="1" smtClean="0"/>
+              <a:t>Params</a:t>
+            </a:r>
+            <a:r>
+              <a:rPr lang="ru-RU" sz="1200" dirty="0" smtClean="0"/>
+              <a:t>, значение параметра </a:t>
+            </a:r>
+            <a:r>
+              <a:rPr lang="ru-RU" sz="1200" dirty="0" smtClean="0"/>
+              <a:t>«</a:t>
+            </a:r>
+            <a:r>
+              <a:rPr lang="en-US" sz="1200" b="1" dirty="0" err="1"/>
+              <a:t>connIDs</a:t>
+            </a:r>
+            <a:r>
+              <a:rPr lang="ru-RU" sz="1200" dirty="0" smtClean="0"/>
+              <a:t>» совпадает со значением ключа  «</a:t>
+            </a:r>
+            <a:r>
+              <a:rPr lang="en-US" sz="1200" b="1" dirty="0" err="1"/>
+              <a:t>connId</a:t>
+            </a:r>
+            <a:r>
+              <a:rPr lang="en-US" sz="1200" b="1" dirty="0" smtClean="0"/>
+              <a:t>:</a:t>
+            </a:r>
+            <a:r>
+              <a:rPr lang="ru-RU" sz="1200" dirty="0" smtClean="0"/>
+              <a:t>» из консоли браузера. </a:t>
+            </a:r>
+            <a:endParaRPr lang="ru-RU" sz="1200" dirty="0" smtClean="0"/>
+          </a:p>
+          <a:p>
+            <a:r>
+              <a:rPr lang="ru-RU" sz="1200" dirty="0" smtClean="0"/>
+              <a:t>Совпадение </a:t>
+            </a:r>
+            <a:r>
+              <a:rPr lang="ru-RU" sz="1200" dirty="0" smtClean="0"/>
+              <a:t>этих </a:t>
+            </a:r>
+            <a:r>
+              <a:rPr lang="ru-RU" sz="1200" dirty="0" smtClean="0"/>
+              <a:t>значений в свидетельствует </a:t>
+            </a:r>
+            <a:r>
+              <a:rPr lang="ru-RU" sz="1200" dirty="0" smtClean="0"/>
+              <a:t>о правильности </a:t>
+            </a:r>
+            <a:r>
+              <a:rPr lang="ru-RU" sz="1200" dirty="0" smtClean="0"/>
+              <a:t>прохождения </a:t>
+            </a:r>
+            <a:r>
+              <a:rPr lang="en-US" sz="1200" dirty="0" smtClean="0"/>
+              <a:t>POST </a:t>
+            </a:r>
+            <a:r>
+              <a:rPr lang="ru-RU" sz="1200" dirty="0" smtClean="0"/>
+              <a:t>запроса</a:t>
+            </a:r>
+            <a:r>
+              <a:rPr lang="ru-RU" sz="1400" dirty="0" smtClean="0"/>
+              <a:t>.</a:t>
+            </a:r>
+            <a:endParaRPr lang="en-US" sz="1400" dirty="0" smtClean="0"/>
+          </a:p>
+          <a:p>
+            <a:endParaRPr lang="en-US" sz="1400" dirty="0"/>
+          </a:p>
+          <a:p>
+            <a:endParaRPr lang="ru-RU" sz="1400" dirty="0" smtClean="0"/>
+          </a:p>
+          <a:p>
+            <a:endParaRPr lang="en-US" sz="1400" dirty="0"/>
+          </a:p>
+        </p:txBody>
+      </p:sp>
+      <p:sp>
+        <p:nvSpPr>
+          <p:cNvPr id="12" name="Овал 11"/>
+          <p:cNvSpPr/>
+          <p:nvPr/>
+        </p:nvSpPr>
+        <p:spPr>
+          <a:xfrm>
+            <a:off x="6005563" y="3294448"/>
+            <a:ext cx="921017" cy="225992"/>
+          </a:xfrm>
+          <a:prstGeom prst="ellipse">
+            <a:avLst/>
+          </a:prstGeom>
+          <a:noFill/>
+          <a:ln>
+            <a:solidFill>
+              <a:srgbClr val="FF0000"/>
+            </a:solidFill>
+          </a:ln>
+        </p:spPr>
+        <p:style>
+          <a:lnRef idx="2">
+            <a:schemeClr val="accent1">
+              <a:shade val="50000"/>
+            </a:schemeClr>
+          </a:lnRef>
+          <a:fillRef idx="1">
+            <a:schemeClr val="accent1"/>
+          </a:fillRef>
+          <a:effectRef idx="0">
+            <a:schemeClr val="accent1"/>
+          </a:effectRef>
+          <a:fontRef idx="minor">
+            <a:schemeClr val="lt1"/>
+          </a:fontRef>
+        </p:style>
+        <p:txBody>
+          <a:bodyPr rtlCol="0" anchor="ctr"/>
+          <a:lstStyle/>
+          <a:p>
+            <a:pPr algn="ctr"/>
+            <a:endParaRPr lang="en-US"/>
+          </a:p>
+        </p:txBody>
+      </p:sp>
+      <p:sp>
+        <p:nvSpPr>
+          <p:cNvPr id="13" name="Овал 12"/>
+          <p:cNvSpPr/>
+          <p:nvPr/>
+        </p:nvSpPr>
+        <p:spPr>
+          <a:xfrm>
+            <a:off x="2548712" y="1970704"/>
+            <a:ext cx="699169" cy="231273"/>
+          </a:xfrm>
+          <a:prstGeom prst="ellipse">
+            <a:avLst/>
+          </a:prstGeom>
+          <a:noFill/>
+          <a:ln>
+            <a:solidFill>
+              <a:srgbClr val="FF0000"/>
+            </a:solidFill>
+          </a:ln>
+        </p:spPr>
+        <p:style>
+          <a:lnRef idx="2">
+            <a:schemeClr val="accent1">
+              <a:shade val="50000"/>
+            </a:schemeClr>
+          </a:lnRef>
+          <a:fillRef idx="1">
+            <a:schemeClr val="accent1"/>
+          </a:fillRef>
+          <a:effectRef idx="0">
+            <a:schemeClr val="accent1"/>
+          </a:effectRef>
+          <a:fontRef idx="minor">
+            <a:schemeClr val="lt1"/>
+          </a:fontRef>
+        </p:style>
+        <p:txBody>
+          <a:bodyPr rtlCol="0" anchor="ctr"/>
+          <a:lstStyle/>
+          <a:p>
+            <a:pPr algn="ctr"/>
+            <a:endParaRPr lang="en-US"/>
+          </a:p>
+        </p:txBody>
+      </p:sp>
+      <p:pic>
+        <p:nvPicPr>
+          <p:cNvPr id="20" name="Рисунок 19"/>
+          <p:cNvPicPr>
+            <a:picLocks noChangeAspect="1"/>
+          </p:cNvPicPr>
+          <p:nvPr/>
+        </p:nvPicPr>
+        <p:blipFill>
+          <a:blip r:embed="rId5"/>
+          <a:stretch>
+            <a:fillRect/>
+          </a:stretch>
+        </p:blipFill>
+        <p:spPr>
+          <a:xfrm>
+            <a:off x="80010" y="4112928"/>
+            <a:ext cx="8812530" cy="1722052"/>
+          </a:xfrm>
+          <a:prstGeom prst="rect">
+            <a:avLst/>
+          </a:prstGeom>
+        </p:spPr>
+      </p:pic>
+      <p:sp>
+        <p:nvSpPr>
+          <p:cNvPr id="21" name="Овал 20"/>
+          <p:cNvSpPr/>
+          <p:nvPr/>
+        </p:nvSpPr>
+        <p:spPr>
+          <a:xfrm>
+            <a:off x="156207" y="4754390"/>
+            <a:ext cx="826773" cy="286240"/>
+          </a:xfrm>
+          <a:prstGeom prst="ellipse">
+            <a:avLst/>
+          </a:prstGeom>
+          <a:noFill/>
+          <a:ln>
+            <a:solidFill>
+              <a:srgbClr val="FF0000"/>
+            </a:solidFill>
+          </a:ln>
+        </p:spPr>
+        <p:style>
+          <a:lnRef idx="2">
+            <a:schemeClr val="accent1">
+              <a:shade val="50000"/>
+            </a:schemeClr>
+          </a:lnRef>
+          <a:fillRef idx="1">
+            <a:schemeClr val="accent1"/>
+          </a:fillRef>
+          <a:effectRef idx="0">
+            <a:schemeClr val="accent1"/>
+          </a:effectRef>
+          <a:fontRef idx="minor">
+            <a:schemeClr val="lt1"/>
+          </a:fontRef>
+        </p:style>
+        <p:txBody>
+          <a:bodyPr rtlCol="0" anchor="ctr"/>
+          <a:lstStyle/>
+          <a:p>
+            <a:pPr algn="ctr"/>
+            <a:endParaRPr lang="en-US" dirty="0"/>
+          </a:p>
+        </p:txBody>
+      </p:sp>
+      <p:sp>
+        <p:nvSpPr>
+          <p:cNvPr id="22" name="Прямоугольник с двумя скругленными противолежащими углами 21"/>
+          <p:cNvSpPr/>
+          <p:nvPr/>
+        </p:nvSpPr>
+        <p:spPr>
+          <a:xfrm>
+            <a:off x="685800" y="5897881"/>
+            <a:ext cx="7667904" cy="891540"/>
+          </a:xfrm>
+          <a:prstGeom prst="round2DiagRect">
+            <a:avLst/>
+          </a:prstGeom>
+          <a:noFill/>
+          <a:ln w="57150">
+            <a:solidFill>
+              <a:srgbClr val="FF0000"/>
+            </a:solidFill>
+          </a:ln>
+          <a:effectLst>
+            <a:outerShdw blurRad="149987" dist="250190" dir="8460000" algn="ctr">
+              <a:srgbClr val="000000">
+                <a:alpha val="28000"/>
+              </a:srgbClr>
+            </a:outerShdw>
+          </a:effectLst>
+          <a:scene3d>
+            <a:camera prst="orthographicFront">
+              <a:rot lat="0" lon="0" rev="0"/>
+            </a:camera>
+            <a:lightRig rig="contrasting" dir="t">
+              <a:rot lat="0" lon="0" rev="1500000"/>
+            </a:lightRig>
+          </a:scene3d>
+          <a:sp3d prstMaterial="metal">
+            <a:bevelT w="88900" h="88900"/>
+          </a:sp3d>
+        </p:spPr>
+        <p:style>
+          <a:lnRef idx="2">
+            <a:schemeClr val="accent1">
+              <a:shade val="50000"/>
+            </a:schemeClr>
+          </a:lnRef>
+          <a:fillRef idx="1">
+            <a:schemeClr val="accent1"/>
+          </a:fillRef>
+          <a:effectRef idx="0">
+            <a:schemeClr val="accent1"/>
+          </a:effectRef>
+          <a:fontRef idx="minor">
+            <a:schemeClr val="lt1"/>
+          </a:fontRef>
+        </p:style>
+        <p:txBody>
+          <a:bodyPr rtlCol="0" anchor="ctr"/>
+          <a:lstStyle/>
+          <a:p>
+            <a:endParaRPr lang="en-US" sz="1400" dirty="0"/>
+          </a:p>
+        </p:txBody>
+      </p:sp>
+      <p:sp>
+        <p:nvSpPr>
+          <p:cNvPr id="23" name="Прямоугольник 22"/>
+          <p:cNvSpPr/>
+          <p:nvPr/>
+        </p:nvSpPr>
+        <p:spPr>
+          <a:xfrm>
+            <a:off x="765810" y="5886672"/>
+            <a:ext cx="7223760" cy="830997"/>
+          </a:xfrm>
+          <a:prstGeom prst="rect">
+            <a:avLst/>
+          </a:prstGeom>
+        </p:spPr>
+        <p:txBody>
+          <a:bodyPr wrap="square">
+            <a:spAutoFit/>
+          </a:bodyPr>
+          <a:lstStyle/>
+          <a:p>
+            <a:r>
+              <a:rPr lang="ru-RU" sz="1200" dirty="0" smtClean="0"/>
+              <a:t>В браузере </a:t>
+            </a:r>
+            <a:r>
+              <a:rPr lang="en-US" sz="1200" dirty="0"/>
+              <a:t>Google </a:t>
+            </a:r>
+            <a:r>
+              <a:rPr lang="en-US" sz="1200" dirty="0" smtClean="0"/>
+              <a:t>Chrome</a:t>
+            </a:r>
+            <a:r>
+              <a:rPr lang="ru-RU" sz="1200" dirty="0"/>
+              <a:t> </a:t>
+            </a:r>
+            <a:r>
+              <a:rPr lang="ru-RU" sz="1200" dirty="0" smtClean="0"/>
+              <a:t>открыт раздел «Избранное</a:t>
+            </a:r>
+            <a:r>
+              <a:rPr lang="en-US" sz="1200" dirty="0" smtClean="0"/>
+              <a:t>/</a:t>
+            </a:r>
+            <a:r>
+              <a:rPr lang="en-US" sz="1200" dirty="0" err="1" smtClean="0"/>
+              <a:t>Moje</a:t>
+            </a:r>
+            <a:r>
+              <a:rPr lang="en-US" sz="1200" dirty="0" smtClean="0"/>
+              <a:t> </a:t>
+            </a:r>
+            <a:r>
+              <a:rPr lang="en-US" sz="1200" dirty="0" err="1" smtClean="0"/>
+              <a:t>Spojeni</a:t>
+            </a:r>
+            <a:r>
+              <a:rPr lang="ru-RU" sz="1200" dirty="0" smtClean="0"/>
+              <a:t>» выбран маршрут, добавленный из </a:t>
+            </a:r>
+            <a:r>
+              <a:rPr lang="ru-RU" sz="1200" dirty="0" err="1" smtClean="0"/>
+              <a:t>Ростмана</a:t>
+            </a:r>
+            <a:r>
+              <a:rPr lang="ru-RU" sz="1200" dirty="0" smtClean="0"/>
+              <a:t>. </a:t>
+            </a:r>
+            <a:endParaRPr lang="ru-RU" sz="1200" dirty="0" smtClean="0"/>
+          </a:p>
+          <a:p>
+            <a:r>
+              <a:rPr lang="ru-RU" sz="1200" dirty="0" smtClean="0"/>
+              <a:t>В ссылке с именем</a:t>
+            </a:r>
+            <a:r>
+              <a:rPr lang="en-US" sz="1200" dirty="0" smtClean="0"/>
+              <a:t>/Name: </a:t>
+            </a:r>
+            <a:r>
+              <a:rPr lang="en-US" sz="1200" b="1" dirty="0" err="1" smtClean="0"/>
+              <a:t>ConnMoreResult</a:t>
+            </a:r>
+            <a:r>
+              <a:rPr lang="ru-RU" sz="1200" b="1" dirty="0" smtClean="0"/>
+              <a:t>, раздел «</a:t>
+            </a:r>
+            <a:r>
+              <a:rPr lang="en-US" sz="1200" b="1" dirty="0" smtClean="0"/>
+              <a:t>Payload</a:t>
+            </a:r>
+            <a:r>
+              <a:rPr lang="ru-RU" sz="1200" b="1" dirty="0" smtClean="0"/>
+              <a:t>»</a:t>
+            </a:r>
+            <a:r>
+              <a:rPr lang="en-US" sz="1200" b="1" dirty="0" smtClean="0"/>
+              <a:t>,  </a:t>
+            </a:r>
+            <a:r>
+              <a:rPr lang="ru-RU" sz="1200" b="1" dirty="0" smtClean="0"/>
+              <a:t>видно значение ключа </a:t>
+            </a:r>
+            <a:r>
+              <a:rPr lang="en-US" sz="1200" b="1" dirty="0" err="1" smtClean="0"/>
+              <a:t>connId</a:t>
+            </a:r>
+            <a:r>
+              <a:rPr lang="en-US" sz="1200" b="1" dirty="0" smtClean="0"/>
+              <a:t>:</a:t>
+            </a:r>
+            <a:r>
+              <a:rPr lang="ru-RU" sz="1200" b="1" dirty="0" smtClean="0"/>
+              <a:t> </a:t>
+            </a:r>
+            <a:r>
+              <a:rPr lang="en-US" sz="1200" dirty="0" smtClean="0"/>
+              <a:t>381067682</a:t>
+            </a:r>
+            <a:r>
+              <a:rPr lang="ru-RU" sz="1200" dirty="0" smtClean="0"/>
+              <a:t>, которое совпадает с Параметром </a:t>
+            </a:r>
+            <a:r>
+              <a:rPr lang="en-US" sz="1200" b="1" dirty="0" err="1"/>
+              <a:t>connIDs</a:t>
+            </a:r>
+            <a:r>
+              <a:rPr lang="ru-RU" sz="1200" dirty="0" smtClean="0"/>
+              <a:t> в </a:t>
+            </a:r>
+            <a:r>
+              <a:rPr lang="ru-RU" sz="1200" dirty="0" err="1" smtClean="0"/>
+              <a:t>Постмане</a:t>
+            </a:r>
+            <a:endParaRPr lang="ru-RU" sz="1200" b="1" dirty="0"/>
+          </a:p>
+        </p:txBody>
+      </p:sp>
+      <p:sp>
+        <p:nvSpPr>
+          <p:cNvPr id="24" name="Овал 23"/>
+          <p:cNvSpPr/>
+          <p:nvPr/>
+        </p:nvSpPr>
+        <p:spPr>
+          <a:xfrm>
+            <a:off x="7850800" y="4672375"/>
+            <a:ext cx="699169" cy="231273"/>
+          </a:xfrm>
+          <a:prstGeom prst="ellipse">
+            <a:avLst/>
+          </a:prstGeom>
+          <a:noFill/>
+          <a:ln>
+            <a:solidFill>
+              <a:srgbClr val="FF0000"/>
+            </a:solidFill>
+          </a:ln>
+        </p:spPr>
+        <p:style>
+          <a:lnRef idx="2">
+            <a:schemeClr val="accent1">
+              <a:shade val="50000"/>
+            </a:schemeClr>
+          </a:lnRef>
+          <a:fillRef idx="1">
+            <a:schemeClr val="accent1"/>
+          </a:fillRef>
+          <a:effectRef idx="0">
+            <a:schemeClr val="accent1"/>
+          </a:effectRef>
+          <a:fontRef idx="minor">
+            <a:schemeClr val="lt1"/>
+          </a:fontRef>
+        </p:style>
+        <p:txBody>
+          <a:bodyPr rtlCol="0" anchor="ctr"/>
+          <a:lstStyle/>
+          <a:p>
+            <a:pPr algn="ctr"/>
+            <a:endParaRPr lang="en-US"/>
+          </a:p>
+        </p:txBody>
+      </p:sp>
+      <p:sp>
+        <p:nvSpPr>
+          <p:cNvPr id="25" name="Овал 24"/>
+          <p:cNvSpPr/>
+          <p:nvPr/>
+        </p:nvSpPr>
+        <p:spPr>
+          <a:xfrm>
+            <a:off x="2335352" y="1002964"/>
+            <a:ext cx="699169" cy="231273"/>
+          </a:xfrm>
+          <a:prstGeom prst="ellipse">
+            <a:avLst/>
+          </a:prstGeom>
+          <a:noFill/>
+          <a:ln>
+            <a:solidFill>
+              <a:srgbClr val="FF0000"/>
+            </a:solidFill>
+          </a:ln>
+        </p:spPr>
+        <p:style>
+          <a:lnRef idx="2">
+            <a:schemeClr val="accent1">
+              <a:shade val="50000"/>
+            </a:schemeClr>
+          </a:lnRef>
+          <a:fillRef idx="1">
+            <a:schemeClr val="accent1"/>
+          </a:fillRef>
+          <a:effectRef idx="0">
+            <a:schemeClr val="accent1"/>
+          </a:effectRef>
+          <a:fontRef idx="minor">
+            <a:schemeClr val="lt1"/>
+          </a:fontRef>
+        </p:style>
+        <p:txBody>
+          <a:bodyPr rtlCol="0" anchor="ctr"/>
+          <a:lstStyle/>
+          <a:p>
+            <a:pPr algn="ctr"/>
+            <a:endParaRPr lang="en-US"/>
+          </a:p>
+        </p:txBody>
+      </p:sp>
+    </p:spTree>
+    <p:extLst>
+      <p:ext uri="{BB962C8B-B14F-4D97-AF65-F5344CB8AC3E}">
+        <p14:creationId xmlns:p14="http://schemas.microsoft.com/office/powerpoint/2010/main" val="2644223593"/>
+      </p:ext>
+    </p:extLst>
+  </p:cSld>
+  <p:clrMapOvr>
+    <a:masterClrMapping/>
+  </p:clrMapOvr>
+</p:sld>
+</file>
+
+<file path=ppt/slides/slide15.xml><?xml version="1.0" encoding="utf-8"?>
+<p:sld xmlns:a="http://schemas.openxmlformats.org/drawingml/2006/main" xmlns:r="http://schemas.openxmlformats.org/officeDocument/2006/relationships" xmlns:p="http://schemas.openxmlformats.org/presentationml/2006/main">
+  <p:cSld>
+    <p:spTree>
+      <p:nvGrpSpPr>
+        <p:cNvPr id="1" name=""/>
+        <p:cNvGrpSpPr/>
+        <p:nvPr/>
+      </p:nvGrpSpPr>
+      <p:grpSpPr>
+        <a:xfrm>
+          <a:off x="0" y="0"/>
+          <a:ext cx="0" cy="0"/>
+          <a:chOff x="0" y="0"/>
+          <a:chExt cx="0" cy="0"/>
+        </a:xfrm>
+      </p:grpSpPr>
+    </p:spTree>
+    <p:extLst>
+      <p:ext uri="{BB962C8B-B14F-4D97-AF65-F5344CB8AC3E}">
+        <p14:creationId xmlns:p14="http://schemas.microsoft.com/office/powerpoint/2010/main" val="2909767507"/>
+      </p:ext>
+    </p:extLst>
+  </p:cSld>
+  <p:clrMapOvr>
+    <a:masterClrMapping/>
+  </p:clrMapOvr>
+</p:sld>
+</file>
+
+<file path=ppt/slides/slide16.xml><?xml version="1.0" encoding="utf-8"?>
+<p:sld xmlns:a="http://schemas.openxmlformats.org/drawingml/2006/main" xmlns:r="http://schemas.openxmlformats.org/officeDocument/2006/relationships" xmlns:p="http://schemas.openxmlformats.org/presentationml/2006/main">
+  <p:cSld>
+    <p:spTree>
+      <p:nvGrpSpPr>
+        <p:cNvPr id="1" name=""/>
+        <p:cNvGrpSpPr/>
+        <p:nvPr/>
+      </p:nvGrpSpPr>
+      <p:grpSpPr>
+        <a:xfrm>
+          <a:off x="0" y="0"/>
+          <a:ext cx="0" cy="0"/>
+          <a:chOff x="0" y="0"/>
+          <a:chExt cx="0" cy="0"/>
+        </a:xfrm>
+      </p:grpSpPr>
+      <p:sp>
+        <p:nvSpPr>
+          <p:cNvPr id="2" name="Заголовок 1"/>
+          <p:cNvSpPr>
+            <a:spLocks noGrp="1"/>
+          </p:cNvSpPr>
+          <p:nvPr>
+            <p:ph type="title"/>
+          </p:nvPr>
+        </p:nvSpPr>
+        <p:spPr>
+          <a:xfrm>
+            <a:off x="0" y="178290"/>
+            <a:ext cx="7526956" cy="666214"/>
+          </a:xfrm>
+          <a:solidFill>
+            <a:schemeClr val="bg1"/>
+          </a:solidFill>
+        </p:spPr>
+        <p:txBody>
+          <a:bodyPr>
+            <a:noAutofit/>
+          </a:bodyPr>
+          <a:lstStyle/>
+          <a:p>
+            <a:r>
+              <a:rPr lang="ru-RU" sz="2000" dirty="0" smtClean="0"/>
+              <a:t>Тест </a:t>
+            </a:r>
+            <a:r>
+              <a:rPr lang="ru-RU" sz="2000" dirty="0" smtClean="0"/>
+              <a:t>4.</a:t>
+            </a:r>
+            <a:r>
+              <a:rPr lang="en-US" sz="2000" dirty="0" smtClean="0"/>
+              <a:t>2</a:t>
+            </a:r>
+            <a:r>
+              <a:rPr lang="ru-RU" sz="2000" dirty="0" smtClean="0"/>
+              <a:t>. </a:t>
+            </a:r>
+            <a:r>
+              <a:rPr lang="ru-RU" sz="2000" dirty="0" smtClean="0"/>
+              <a:t>Корректность </a:t>
+            </a:r>
+            <a:r>
+              <a:rPr lang="ru-RU" sz="2000" dirty="0"/>
+              <a:t>ответа на </a:t>
+            </a:r>
+            <a:r>
+              <a:rPr lang="ru-RU" sz="2000" dirty="0" smtClean="0"/>
+              <a:t>запросы</a:t>
+            </a:r>
+            <a:r>
+              <a:rPr lang="en-US" sz="2000" dirty="0"/>
+              <a:t>,</a:t>
+            </a:r>
+            <a:r>
+              <a:rPr lang="ru-RU" sz="2000" dirty="0" smtClean="0"/>
+              <a:t> </a:t>
+            </a:r>
+            <a:endParaRPr lang="en-US" sz="2000" dirty="0"/>
+          </a:p>
+        </p:txBody>
+      </p:sp>
+      <p:pic>
+        <p:nvPicPr>
+          <p:cNvPr id="4" name="Объект 3"/>
+          <p:cNvPicPr>
+            <a:picLocks noGrp="1" noChangeAspect="1"/>
+          </p:cNvPicPr>
+          <p:nvPr>
+            <p:ph idx="1"/>
+          </p:nvPr>
+        </p:nvPicPr>
+        <p:blipFill>
+          <a:blip r:embed="rId3" cstate="print">
+            <a:extLst>
+              <a:ext uri="{28A0092B-C50C-407E-A947-70E740481C1C}">
+                <a14:useLocalDpi xmlns:a14="http://schemas.microsoft.com/office/drawing/2010/main" val="0"/>
+              </a:ext>
+            </a:extLst>
+          </a:blip>
+          <a:stretch>
+            <a:fillRect/>
+          </a:stretch>
+        </p:blipFill>
+        <p:spPr>
+          <a:xfrm>
+            <a:off x="7941733" y="179363"/>
+            <a:ext cx="651197" cy="651197"/>
+          </a:xfrm>
+          <a:prstGeom prst="roundRect">
+            <a:avLst>
+              <a:gd name="adj" fmla="val 8594"/>
+            </a:avLst>
+          </a:prstGeom>
+          <a:solidFill>
+            <a:srgbClr val="FFFFFF">
+              <a:shade val="85000"/>
+            </a:srgbClr>
+          </a:solidFill>
+          <a:ln>
+            <a:noFill/>
+          </a:ln>
+          <a:effectLst>
+            <a:reflection blurRad="12700" stA="38000" endPos="28000" dist="5000" dir="5400000" sy="-100000" algn="bl" rotWithShape="0"/>
+          </a:effectLst>
+        </p:spPr>
+      </p:pic>
+      <p:sp>
+        <p:nvSpPr>
+          <p:cNvPr id="5" name="Овал 4"/>
+          <p:cNvSpPr/>
+          <p:nvPr/>
+        </p:nvSpPr>
+        <p:spPr>
+          <a:xfrm>
+            <a:off x="3647975" y="4452751"/>
+            <a:ext cx="699169" cy="231273"/>
+          </a:xfrm>
+          <a:prstGeom prst="ellipse">
+            <a:avLst/>
+          </a:prstGeom>
+          <a:noFill/>
+          <a:ln>
+            <a:solidFill>
+              <a:srgbClr val="FF0000"/>
+            </a:solidFill>
+          </a:ln>
+        </p:spPr>
+        <p:style>
+          <a:lnRef idx="2">
+            <a:schemeClr val="accent1">
+              <a:shade val="50000"/>
+            </a:schemeClr>
+          </a:lnRef>
+          <a:fillRef idx="1">
+            <a:schemeClr val="accent1"/>
+          </a:fillRef>
+          <a:effectRef idx="0">
+            <a:schemeClr val="accent1"/>
+          </a:effectRef>
+          <a:fontRef idx="minor">
+            <a:schemeClr val="lt1"/>
+          </a:fontRef>
+        </p:style>
+        <p:txBody>
+          <a:bodyPr rtlCol="0" anchor="ctr"/>
+          <a:lstStyle/>
+          <a:p>
+            <a:pPr algn="ctr"/>
+            <a:endParaRPr lang="en-US"/>
+          </a:p>
+        </p:txBody>
+      </p:sp>
+      <p:sp>
+        <p:nvSpPr>
+          <p:cNvPr id="10" name="Прямоугольник с двумя скругленными противолежащими углами 9"/>
+          <p:cNvSpPr/>
+          <p:nvPr/>
+        </p:nvSpPr>
+        <p:spPr>
+          <a:xfrm>
+            <a:off x="6468177" y="3426593"/>
+            <a:ext cx="2502569" cy="3301466"/>
+          </a:xfrm>
+          <a:prstGeom prst="round2DiagRect">
+            <a:avLst/>
+          </a:prstGeom>
+          <a:noFill/>
+          <a:ln w="57150">
+            <a:solidFill>
+              <a:srgbClr val="FF0000"/>
+            </a:solidFill>
+          </a:ln>
+          <a:effectLst>
+            <a:outerShdw blurRad="149987" dist="250190" dir="8460000" algn="ctr">
+              <a:srgbClr val="000000">
+                <a:alpha val="28000"/>
+              </a:srgbClr>
+            </a:outerShdw>
+          </a:effectLst>
+          <a:scene3d>
+            <a:camera prst="orthographicFront">
+              <a:rot lat="0" lon="0" rev="0"/>
+            </a:camera>
+            <a:lightRig rig="contrasting" dir="t">
+              <a:rot lat="0" lon="0" rev="1500000"/>
+            </a:lightRig>
+          </a:scene3d>
+          <a:sp3d prstMaterial="metal">
+            <a:bevelT w="88900" h="88900"/>
+          </a:sp3d>
+        </p:spPr>
+        <p:style>
+          <a:lnRef idx="2">
+            <a:schemeClr val="accent1">
+              <a:shade val="50000"/>
+            </a:schemeClr>
+          </a:lnRef>
+          <a:fillRef idx="1">
+            <a:schemeClr val="accent1"/>
+          </a:fillRef>
+          <a:effectRef idx="0">
+            <a:schemeClr val="accent1"/>
+          </a:effectRef>
+          <a:fontRef idx="minor">
+            <a:schemeClr val="lt1"/>
+          </a:fontRef>
+        </p:style>
+        <p:txBody>
+          <a:bodyPr rtlCol="0" anchor="ctr"/>
+          <a:lstStyle/>
+          <a:p>
+            <a:r>
+              <a:rPr lang="ru-RU" sz="1200" dirty="0" smtClean="0"/>
+              <a:t>Для проверки ответа на запрос, во вкладке </a:t>
+            </a:r>
+            <a:r>
+              <a:rPr lang="en-US" sz="1200" dirty="0" smtClean="0"/>
+              <a:t>Body</a:t>
+            </a:r>
+            <a:r>
+              <a:rPr lang="ru-RU" sz="1200" dirty="0" smtClean="0"/>
+              <a:t>, раздел </a:t>
+            </a:r>
+            <a:r>
+              <a:rPr lang="en-US" sz="1200" dirty="0" smtClean="0"/>
+              <a:t>Pretty,</a:t>
+            </a:r>
+            <a:r>
+              <a:rPr lang="ru-RU" sz="1200" dirty="0" smtClean="0"/>
+              <a:t> был выбран формат</a:t>
+            </a:r>
+            <a:r>
+              <a:rPr lang="en-US" sz="1200" dirty="0" err="1" smtClean="0"/>
+              <a:t>Json</a:t>
+            </a:r>
+            <a:r>
+              <a:rPr lang="ru-RU" sz="1200" dirty="0" smtClean="0"/>
+              <a:t>.</a:t>
+            </a:r>
+          </a:p>
+          <a:p>
+            <a:r>
+              <a:rPr lang="ru-RU" sz="1200" dirty="0" smtClean="0"/>
+              <a:t>Через окно поиска найдены данные «</a:t>
+            </a:r>
+            <a:r>
+              <a:rPr lang="ru-RU" sz="1200" dirty="0" err="1" smtClean="0"/>
+              <a:t>Плзен</a:t>
+            </a:r>
+            <a:r>
+              <a:rPr lang="ru-RU" sz="1200" dirty="0" smtClean="0"/>
+              <a:t>» </a:t>
+            </a:r>
+            <a:r>
+              <a:rPr lang="ru-RU" sz="1200" dirty="0" smtClean="0"/>
+              <a:t>и </a:t>
+            </a:r>
+            <a:r>
+              <a:rPr lang="ru-RU" sz="1200" dirty="0" smtClean="0"/>
+              <a:t>«Прага». </a:t>
+            </a:r>
+            <a:endParaRPr lang="ru-RU" sz="1200" dirty="0" smtClean="0"/>
+          </a:p>
+          <a:p>
+            <a:r>
+              <a:rPr lang="ru-RU" sz="1200" dirty="0" smtClean="0"/>
+              <a:t>Наличие этих </a:t>
+            </a:r>
+            <a:r>
+              <a:rPr lang="ru-RU" sz="1200" dirty="0" smtClean="0"/>
+              <a:t>значений в ключах </a:t>
+            </a:r>
+            <a:r>
+              <a:rPr lang="en-US" sz="1200" b="1" dirty="0"/>
+              <a:t>"</a:t>
+            </a:r>
+            <a:r>
+              <a:rPr lang="en-US" sz="1200" b="1" dirty="0" err="1"/>
+              <a:t>sFromName</a:t>
+            </a:r>
+            <a:r>
+              <a:rPr lang="en-US" sz="1200" b="1" dirty="0" smtClean="0"/>
+              <a:t>":</a:t>
+            </a:r>
+            <a:r>
+              <a:rPr lang="ru-RU" sz="1200" b="1" dirty="0" smtClean="0"/>
+              <a:t> </a:t>
+            </a:r>
+            <a:r>
+              <a:rPr lang="ru-RU" sz="1200" dirty="0" smtClean="0"/>
+              <a:t>и </a:t>
+            </a:r>
+            <a:r>
+              <a:rPr lang="en-US" sz="1200" b="1" dirty="0"/>
+              <a:t>"</a:t>
+            </a:r>
+            <a:r>
+              <a:rPr lang="en-US" sz="1200" b="1" dirty="0" err="1" smtClean="0"/>
+              <a:t>sToName</a:t>
+            </a:r>
+            <a:r>
+              <a:rPr lang="en-US" sz="1200" b="1" dirty="0" smtClean="0"/>
+              <a:t>": </a:t>
+            </a:r>
+            <a:r>
+              <a:rPr lang="ru-RU" sz="1200" dirty="0" smtClean="0"/>
+              <a:t>свидетельствует </a:t>
+            </a:r>
+            <a:r>
+              <a:rPr lang="ru-RU" sz="1200" dirty="0" smtClean="0"/>
+              <a:t>о правильности ответа на запрос</a:t>
+            </a:r>
+            <a:r>
+              <a:rPr lang="ru-RU" sz="1400" dirty="0" smtClean="0"/>
+              <a:t>.</a:t>
+            </a:r>
+            <a:endParaRPr lang="en-US" sz="1400" dirty="0" smtClean="0"/>
+          </a:p>
+          <a:p>
+            <a:endParaRPr lang="en-US" sz="1400" dirty="0"/>
+          </a:p>
+          <a:p>
+            <a:endParaRPr lang="ru-RU" sz="1400" dirty="0" smtClean="0"/>
+          </a:p>
+          <a:p>
+            <a:endParaRPr lang="en-US" sz="1400" dirty="0"/>
+          </a:p>
+        </p:txBody>
+      </p:sp>
+      <p:sp>
+        <p:nvSpPr>
+          <p:cNvPr id="12" name="Овал 11"/>
+          <p:cNvSpPr/>
+          <p:nvPr/>
+        </p:nvSpPr>
+        <p:spPr>
+          <a:xfrm>
+            <a:off x="2290813" y="6254818"/>
+            <a:ext cx="2531443" cy="232610"/>
+          </a:xfrm>
+          <a:prstGeom prst="ellipse">
+            <a:avLst/>
+          </a:prstGeom>
+          <a:noFill/>
+          <a:ln>
+            <a:solidFill>
+              <a:srgbClr val="FF0000"/>
+            </a:solidFill>
+          </a:ln>
+        </p:spPr>
+        <p:style>
+          <a:lnRef idx="2">
+            <a:schemeClr val="accent1">
+              <a:shade val="50000"/>
+            </a:schemeClr>
+          </a:lnRef>
+          <a:fillRef idx="1">
+            <a:schemeClr val="accent1"/>
+          </a:fillRef>
+          <a:effectRef idx="0">
+            <a:schemeClr val="accent1"/>
+          </a:effectRef>
+          <a:fontRef idx="minor">
+            <a:schemeClr val="lt1"/>
+          </a:fontRef>
+        </p:style>
+        <p:txBody>
+          <a:bodyPr rtlCol="0" anchor="ctr"/>
+          <a:lstStyle/>
+          <a:p>
+            <a:pPr algn="ctr"/>
+            <a:endParaRPr lang="en-US"/>
+          </a:p>
+        </p:txBody>
+      </p:sp>
+      <p:sp>
+        <p:nvSpPr>
+          <p:cNvPr id="13" name="Овал 12"/>
+          <p:cNvSpPr/>
+          <p:nvPr/>
+        </p:nvSpPr>
+        <p:spPr>
+          <a:xfrm>
+            <a:off x="3657422" y="4108114"/>
+            <a:ext cx="699169" cy="231273"/>
+          </a:xfrm>
+          <a:prstGeom prst="ellipse">
+            <a:avLst/>
+          </a:prstGeom>
+          <a:noFill/>
+          <a:ln>
+            <a:solidFill>
+              <a:srgbClr val="FF0000"/>
+            </a:solidFill>
+          </a:ln>
+        </p:spPr>
+        <p:style>
+          <a:lnRef idx="2">
+            <a:schemeClr val="accent1">
+              <a:shade val="50000"/>
+            </a:schemeClr>
+          </a:lnRef>
+          <a:fillRef idx="1">
+            <a:schemeClr val="accent1"/>
+          </a:fillRef>
+          <a:effectRef idx="0">
+            <a:schemeClr val="accent1"/>
+          </a:effectRef>
+          <a:fontRef idx="minor">
+            <a:schemeClr val="lt1"/>
+          </a:fontRef>
+        </p:style>
+        <p:txBody>
+          <a:bodyPr rtlCol="0" anchor="ctr"/>
+          <a:lstStyle/>
+          <a:p>
+            <a:pPr algn="ctr"/>
+            <a:endParaRPr lang="en-US"/>
+          </a:p>
+        </p:txBody>
+      </p:sp>
+      <p:sp>
+        <p:nvSpPr>
+          <p:cNvPr id="15" name="Овал 14"/>
+          <p:cNvSpPr/>
+          <p:nvPr/>
+        </p:nvSpPr>
+        <p:spPr>
+          <a:xfrm>
+            <a:off x="3093717" y="2445530"/>
+            <a:ext cx="746763" cy="268794"/>
+          </a:xfrm>
+          <a:prstGeom prst="ellipse">
+            <a:avLst/>
+          </a:prstGeom>
+          <a:noFill/>
+          <a:ln>
+            <a:solidFill>
+              <a:srgbClr val="FF0000"/>
+            </a:solidFill>
+          </a:ln>
+        </p:spPr>
+        <p:style>
+          <a:lnRef idx="2">
+            <a:schemeClr val="accent1">
+              <a:shade val="50000"/>
+            </a:schemeClr>
+          </a:lnRef>
+          <a:fillRef idx="1">
+            <a:schemeClr val="accent1"/>
+          </a:fillRef>
+          <a:effectRef idx="0">
+            <a:schemeClr val="accent1"/>
+          </a:effectRef>
+          <a:fontRef idx="minor">
+            <a:schemeClr val="lt1"/>
+          </a:fontRef>
+        </p:style>
+        <p:txBody>
+          <a:bodyPr rtlCol="0" anchor="ctr"/>
+          <a:lstStyle/>
+          <a:p>
+            <a:pPr algn="ctr"/>
+            <a:endParaRPr lang="en-US"/>
+          </a:p>
+        </p:txBody>
+      </p:sp>
+      <p:sp>
+        <p:nvSpPr>
+          <p:cNvPr id="16" name="Прямоугольник с двумя скругленными противолежащими углами 15"/>
+          <p:cNvSpPr/>
+          <p:nvPr/>
+        </p:nvSpPr>
+        <p:spPr>
+          <a:xfrm>
+            <a:off x="5111014" y="953258"/>
+            <a:ext cx="3402710" cy="2300081"/>
+          </a:xfrm>
+          <a:prstGeom prst="round2DiagRect">
+            <a:avLst/>
+          </a:prstGeom>
+          <a:noFill/>
+          <a:ln w="57150">
+            <a:solidFill>
+              <a:srgbClr val="FF0000"/>
+            </a:solidFill>
+          </a:ln>
+          <a:effectLst>
+            <a:outerShdw blurRad="149987" dist="250190" dir="8460000" algn="ctr">
+              <a:srgbClr val="000000">
+                <a:alpha val="28000"/>
+              </a:srgbClr>
+            </a:outerShdw>
+          </a:effectLst>
+          <a:scene3d>
+            <a:camera prst="orthographicFront">
+              <a:rot lat="0" lon="0" rev="0"/>
+            </a:camera>
+            <a:lightRig rig="contrasting" dir="t">
+              <a:rot lat="0" lon="0" rev="1500000"/>
+            </a:lightRig>
+          </a:scene3d>
+          <a:sp3d prstMaterial="metal">
+            <a:bevelT w="88900" h="88900"/>
+          </a:sp3d>
+        </p:spPr>
+        <p:style>
+          <a:lnRef idx="2">
+            <a:schemeClr val="accent1">
+              <a:shade val="50000"/>
+            </a:schemeClr>
+          </a:lnRef>
+          <a:fillRef idx="1">
+            <a:schemeClr val="accent1"/>
+          </a:fillRef>
+          <a:effectRef idx="0">
+            <a:schemeClr val="accent1"/>
+          </a:effectRef>
+          <a:fontRef idx="minor">
+            <a:schemeClr val="lt1"/>
+          </a:fontRef>
+        </p:style>
+        <p:txBody>
+          <a:bodyPr rtlCol="0" anchor="ctr"/>
+          <a:lstStyle/>
+          <a:p>
+            <a:endParaRPr lang="en-US" sz="1400" dirty="0"/>
+          </a:p>
+        </p:txBody>
+      </p:sp>
+      <p:sp>
+        <p:nvSpPr>
+          <p:cNvPr id="17" name="Прямоугольник 16"/>
+          <p:cNvSpPr/>
+          <p:nvPr/>
+        </p:nvSpPr>
+        <p:spPr>
+          <a:xfrm>
+            <a:off x="5255394" y="1166082"/>
+            <a:ext cx="2742308" cy="1200329"/>
+          </a:xfrm>
+          <a:prstGeom prst="rect">
+            <a:avLst/>
+          </a:prstGeom>
+        </p:spPr>
+        <p:txBody>
+          <a:bodyPr wrap="square">
+            <a:spAutoFit/>
+          </a:bodyPr>
+          <a:lstStyle/>
+          <a:p>
+            <a:r>
+              <a:rPr lang="ru-RU" sz="1200" dirty="0"/>
+              <a:t>Запрос с данными в браузере </a:t>
+            </a:r>
+            <a:r>
+              <a:rPr lang="en-US" sz="1200" dirty="0"/>
+              <a:t>Google Chrome</a:t>
+            </a:r>
+            <a:r>
+              <a:rPr lang="ru-RU" sz="1200" dirty="0"/>
+              <a:t>.</a:t>
+            </a:r>
+            <a:r>
+              <a:rPr lang="cs-CZ" sz="1200" dirty="0"/>
+              <a:t> </a:t>
+            </a:r>
+            <a:endParaRPr lang="ru-RU" sz="1200" dirty="0" smtClean="0"/>
+          </a:p>
+          <a:p>
+            <a:r>
+              <a:rPr lang="ru-RU" sz="1200" dirty="0" smtClean="0"/>
+              <a:t>Запущен по ссылке ниже кнопки поиска «</a:t>
+            </a:r>
+            <a:r>
+              <a:rPr lang="en-US" sz="1200" dirty="0" err="1" smtClean="0"/>
+              <a:t>Hledat</a:t>
+            </a:r>
+            <a:r>
+              <a:rPr lang="ru-RU" sz="1200" dirty="0" smtClean="0"/>
+              <a:t>»</a:t>
+            </a:r>
+          </a:p>
+          <a:p>
+            <a:r>
+              <a:rPr lang="ru-RU" sz="1200" dirty="0" smtClean="0"/>
+              <a:t>Для запроса скопирована ссылка именем</a:t>
+            </a:r>
+            <a:r>
+              <a:rPr lang="en-US" sz="1200" dirty="0" smtClean="0"/>
+              <a:t>/Name: </a:t>
+            </a:r>
+            <a:r>
+              <a:rPr lang="en-US" sz="1200" b="1" dirty="0" err="1" smtClean="0"/>
+              <a:t>vysledky</a:t>
+            </a:r>
+            <a:r>
+              <a:rPr lang="cs-CZ" sz="1200" b="1" dirty="0" smtClean="0"/>
+              <a:t>/</a:t>
+            </a:r>
+            <a:endParaRPr lang="ru-RU" sz="1200" b="1" dirty="0"/>
+          </a:p>
+        </p:txBody>
+      </p:sp>
+      <p:pic>
+        <p:nvPicPr>
+          <p:cNvPr id="18" name="Рисунок 17"/>
+          <p:cNvPicPr>
+            <a:picLocks noChangeAspect="1"/>
+          </p:cNvPicPr>
+          <p:nvPr/>
+        </p:nvPicPr>
+        <p:blipFill>
+          <a:blip r:embed="rId4"/>
+          <a:stretch>
+            <a:fillRect/>
+          </a:stretch>
+        </p:blipFill>
+        <p:spPr>
+          <a:xfrm>
+            <a:off x="5361273" y="2390029"/>
+            <a:ext cx="1953928" cy="767057"/>
+          </a:xfrm>
+          <a:prstGeom prst="rect">
+            <a:avLst/>
+          </a:prstGeom>
+        </p:spPr>
+      </p:pic>
+      <p:sp>
+        <p:nvSpPr>
+          <p:cNvPr id="14" name="Овал 13"/>
+          <p:cNvSpPr/>
+          <p:nvPr/>
+        </p:nvSpPr>
+        <p:spPr>
+          <a:xfrm>
+            <a:off x="5347630" y="2374945"/>
+            <a:ext cx="699169" cy="231273"/>
+          </a:xfrm>
+          <a:prstGeom prst="ellipse">
+            <a:avLst/>
+          </a:prstGeom>
+          <a:noFill/>
+          <a:ln>
+            <a:solidFill>
+              <a:srgbClr val="FF0000"/>
+            </a:solidFill>
+          </a:ln>
+        </p:spPr>
+        <p:style>
+          <a:lnRef idx="2">
+            <a:schemeClr val="accent1">
+              <a:shade val="50000"/>
+            </a:schemeClr>
+          </a:lnRef>
+          <a:fillRef idx="1">
+            <a:schemeClr val="accent1"/>
+          </a:fillRef>
+          <a:effectRef idx="0">
+            <a:schemeClr val="accent1"/>
+          </a:effectRef>
+          <a:fontRef idx="minor">
+            <a:schemeClr val="lt1"/>
+          </a:fontRef>
+        </p:style>
+        <p:txBody>
+          <a:bodyPr rtlCol="0" anchor="ctr"/>
+          <a:lstStyle/>
+          <a:p>
+            <a:pPr algn="ctr"/>
+            <a:endParaRPr lang="en-US"/>
+          </a:p>
+        </p:txBody>
+      </p:sp>
+      <p:pic>
+        <p:nvPicPr>
+          <p:cNvPr id="19" name="Рисунок 18"/>
+          <p:cNvPicPr>
+            <a:picLocks noChangeAspect="1"/>
+          </p:cNvPicPr>
+          <p:nvPr/>
+        </p:nvPicPr>
+        <p:blipFill>
+          <a:blip r:embed="rId5"/>
+          <a:stretch>
+            <a:fillRect/>
+          </a:stretch>
+        </p:blipFill>
+        <p:spPr>
+          <a:xfrm>
+            <a:off x="6583681" y="5821109"/>
+            <a:ext cx="2234784" cy="666317"/>
+          </a:xfrm>
+          <a:prstGeom prst="rect">
+            <a:avLst/>
+          </a:prstGeom>
+        </p:spPr>
+      </p:pic>
+    </p:spTree>
+    <p:extLst>
+      <p:ext uri="{BB962C8B-B14F-4D97-AF65-F5344CB8AC3E}">
+        <p14:creationId xmlns:p14="http://schemas.microsoft.com/office/powerpoint/2010/main" val="790459879"/>
+      </p:ext>
+    </p:extLst>
+  </p:cSld>
+  <p:clrMapOvr>
+    <a:masterClrMapping/>
+  </p:clrMapOvr>
+</p:sld>
+</file>
+
+<file path=ppt/slides/slide17.xml><?xml version="1.0" encoding="utf-8"?>
+<p:sld xmlns:a="http://schemas.openxmlformats.org/drawingml/2006/main" xmlns:r="http://schemas.openxmlformats.org/officeDocument/2006/relationships" xmlns:p="http://schemas.openxmlformats.org/presentationml/2006/main">
+  <p:cSld>
+    <p:spTree>
+      <p:nvGrpSpPr>
+        <p:cNvPr id="1" name=""/>
+        <p:cNvGrpSpPr/>
+        <p:nvPr/>
+      </p:nvGrpSpPr>
+      <p:grpSpPr>
+        <a:xfrm>
+          <a:off x="0" y="0"/>
+          <a:ext cx="0" cy="0"/>
+          <a:chOff x="0" y="0"/>
+          <a:chExt cx="0" cy="0"/>
+        </a:xfrm>
+      </p:grpSpPr>
+      <p:sp>
+        <p:nvSpPr>
+          <p:cNvPr id="2" name="Заголовок 1"/>
+          <p:cNvSpPr>
+            <a:spLocks noGrp="1"/>
+          </p:cNvSpPr>
+          <p:nvPr>
+            <p:ph type="title"/>
+          </p:nvPr>
+        </p:nvSpPr>
+        <p:spPr>
+          <a:xfrm>
+            <a:off x="0" y="178290"/>
+            <a:ext cx="7526956" cy="666214"/>
+          </a:xfrm>
+          <a:solidFill>
+            <a:schemeClr val="bg1"/>
+          </a:solidFill>
+        </p:spPr>
+        <p:txBody>
+          <a:bodyPr>
+            <a:noAutofit/>
+          </a:bodyPr>
+          <a:lstStyle/>
+          <a:p>
+            <a:r>
+              <a:rPr lang="ru-RU" sz="2000" dirty="0" smtClean="0"/>
+              <a:t>Тест </a:t>
+            </a:r>
+            <a:r>
+              <a:rPr lang="ru-RU" sz="2000" dirty="0" smtClean="0"/>
+              <a:t>4.</a:t>
+            </a:r>
+            <a:r>
+              <a:rPr lang="en-US" sz="2000" dirty="0" smtClean="0"/>
+              <a:t>2</a:t>
+            </a:r>
+            <a:r>
+              <a:rPr lang="ru-RU" sz="2000" dirty="0" smtClean="0"/>
+              <a:t>. </a:t>
+            </a:r>
+            <a:r>
+              <a:rPr lang="ru-RU" sz="2000" dirty="0" smtClean="0"/>
+              <a:t>Корректность </a:t>
+            </a:r>
+            <a:r>
+              <a:rPr lang="ru-RU" sz="2000" dirty="0"/>
+              <a:t>ответа на </a:t>
+            </a:r>
+            <a:r>
+              <a:rPr lang="ru-RU" sz="2000" dirty="0" smtClean="0"/>
+              <a:t>запросы</a:t>
+            </a:r>
+            <a:r>
+              <a:rPr lang="en-US" sz="2000" dirty="0"/>
+              <a:t>,</a:t>
+            </a:r>
+            <a:r>
+              <a:rPr lang="ru-RU" sz="2000" dirty="0" smtClean="0"/>
+              <a:t> </a:t>
+            </a:r>
+            <a:endParaRPr lang="en-US" sz="2000" dirty="0"/>
+          </a:p>
+        </p:txBody>
+      </p:sp>
+      <p:pic>
+        <p:nvPicPr>
+          <p:cNvPr id="4" name="Объект 3"/>
+          <p:cNvPicPr>
+            <a:picLocks noGrp="1" noChangeAspect="1"/>
+          </p:cNvPicPr>
+          <p:nvPr>
+            <p:ph idx="1"/>
+          </p:nvPr>
+        </p:nvPicPr>
+        <p:blipFill>
+          <a:blip r:embed="rId3" cstate="print">
+            <a:extLst>
+              <a:ext uri="{28A0092B-C50C-407E-A947-70E740481C1C}">
+                <a14:useLocalDpi xmlns:a14="http://schemas.microsoft.com/office/drawing/2010/main" val="0"/>
+              </a:ext>
+            </a:extLst>
+          </a:blip>
+          <a:stretch>
+            <a:fillRect/>
+          </a:stretch>
+        </p:blipFill>
+        <p:spPr>
+          <a:xfrm>
+            <a:off x="7941733" y="179363"/>
+            <a:ext cx="651197" cy="651197"/>
+          </a:xfrm>
+          <a:prstGeom prst="roundRect">
+            <a:avLst>
+              <a:gd name="adj" fmla="val 8594"/>
+            </a:avLst>
+          </a:prstGeom>
+          <a:solidFill>
+            <a:srgbClr val="FFFFFF">
+              <a:shade val="85000"/>
+            </a:srgbClr>
+          </a:solidFill>
+          <a:ln>
+            <a:noFill/>
+          </a:ln>
+          <a:effectLst>
+            <a:reflection blurRad="12700" stA="38000" endPos="28000" dist="5000" dir="5400000" sy="-100000" algn="bl" rotWithShape="0"/>
+          </a:effectLst>
+        </p:spPr>
+      </p:pic>
+      <p:sp>
+        <p:nvSpPr>
+          <p:cNvPr id="5" name="Овал 4"/>
+          <p:cNvSpPr/>
+          <p:nvPr/>
+        </p:nvSpPr>
+        <p:spPr>
+          <a:xfrm>
+            <a:off x="3647975" y="4452751"/>
+            <a:ext cx="699169" cy="231273"/>
+          </a:xfrm>
+          <a:prstGeom prst="ellipse">
+            <a:avLst/>
+          </a:prstGeom>
+          <a:noFill/>
+          <a:ln>
+            <a:solidFill>
+              <a:srgbClr val="FF0000"/>
+            </a:solidFill>
+          </a:ln>
+        </p:spPr>
+        <p:style>
+          <a:lnRef idx="2">
+            <a:schemeClr val="accent1">
+              <a:shade val="50000"/>
+            </a:schemeClr>
+          </a:lnRef>
+          <a:fillRef idx="1">
+            <a:schemeClr val="accent1"/>
+          </a:fillRef>
+          <a:effectRef idx="0">
+            <a:schemeClr val="accent1"/>
+          </a:effectRef>
+          <a:fontRef idx="minor">
+            <a:schemeClr val="lt1"/>
+          </a:fontRef>
+        </p:style>
+        <p:txBody>
+          <a:bodyPr rtlCol="0" anchor="ctr"/>
+          <a:lstStyle/>
+          <a:p>
+            <a:pPr algn="ctr"/>
+            <a:endParaRPr lang="en-US"/>
+          </a:p>
+        </p:txBody>
+      </p:sp>
+      <p:sp>
+        <p:nvSpPr>
+          <p:cNvPr id="10" name="Прямоугольник с двумя скругленными противолежащими углами 9"/>
+          <p:cNvSpPr/>
+          <p:nvPr/>
+        </p:nvSpPr>
+        <p:spPr>
+          <a:xfrm>
+            <a:off x="6468177" y="3426593"/>
+            <a:ext cx="2502569" cy="3301466"/>
+          </a:xfrm>
+          <a:prstGeom prst="round2DiagRect">
+            <a:avLst/>
+          </a:prstGeom>
+          <a:noFill/>
+          <a:ln w="57150">
+            <a:solidFill>
+              <a:srgbClr val="FF0000"/>
+            </a:solidFill>
+          </a:ln>
+          <a:effectLst>
+            <a:outerShdw blurRad="149987" dist="250190" dir="8460000" algn="ctr">
+              <a:srgbClr val="000000">
+                <a:alpha val="28000"/>
+              </a:srgbClr>
+            </a:outerShdw>
+          </a:effectLst>
+          <a:scene3d>
+            <a:camera prst="orthographicFront">
+              <a:rot lat="0" lon="0" rev="0"/>
+            </a:camera>
+            <a:lightRig rig="contrasting" dir="t">
+              <a:rot lat="0" lon="0" rev="1500000"/>
+            </a:lightRig>
+          </a:scene3d>
+          <a:sp3d prstMaterial="metal">
+            <a:bevelT w="88900" h="88900"/>
+          </a:sp3d>
+        </p:spPr>
+        <p:style>
+          <a:lnRef idx="2">
+            <a:schemeClr val="accent1">
+              <a:shade val="50000"/>
+            </a:schemeClr>
+          </a:lnRef>
+          <a:fillRef idx="1">
+            <a:schemeClr val="accent1"/>
+          </a:fillRef>
+          <a:effectRef idx="0">
+            <a:schemeClr val="accent1"/>
+          </a:effectRef>
+          <a:fontRef idx="minor">
+            <a:schemeClr val="lt1"/>
+          </a:fontRef>
+        </p:style>
+        <p:txBody>
+          <a:bodyPr rtlCol="0" anchor="ctr"/>
+          <a:lstStyle/>
+          <a:p>
+            <a:r>
+              <a:rPr lang="ru-RU" sz="1200" dirty="0" smtClean="0"/>
+              <a:t>Для проверки ответа на запрос, во вкладке </a:t>
+            </a:r>
+            <a:r>
+              <a:rPr lang="en-US" sz="1200" dirty="0" smtClean="0"/>
+              <a:t>Body</a:t>
+            </a:r>
+            <a:r>
+              <a:rPr lang="ru-RU" sz="1200" dirty="0" smtClean="0"/>
+              <a:t>, раздел </a:t>
+            </a:r>
+            <a:r>
+              <a:rPr lang="en-US" sz="1200" dirty="0" smtClean="0"/>
+              <a:t>Pretty,</a:t>
+            </a:r>
+            <a:r>
+              <a:rPr lang="ru-RU" sz="1200" dirty="0" smtClean="0"/>
+              <a:t> был выбран формат</a:t>
+            </a:r>
+            <a:r>
+              <a:rPr lang="en-US" sz="1200" dirty="0" err="1" smtClean="0"/>
+              <a:t>Json</a:t>
+            </a:r>
+            <a:r>
+              <a:rPr lang="ru-RU" sz="1200" dirty="0" smtClean="0"/>
+              <a:t>.</a:t>
+            </a:r>
+          </a:p>
+          <a:p>
+            <a:r>
+              <a:rPr lang="ru-RU" sz="1200" dirty="0" smtClean="0"/>
+              <a:t>Через окно поиска найдены данные «</a:t>
+            </a:r>
+            <a:r>
+              <a:rPr lang="ru-RU" sz="1200" dirty="0" err="1" smtClean="0"/>
+              <a:t>Плзен</a:t>
+            </a:r>
+            <a:r>
+              <a:rPr lang="ru-RU" sz="1200" dirty="0" smtClean="0"/>
+              <a:t>» </a:t>
+            </a:r>
+            <a:r>
+              <a:rPr lang="ru-RU" sz="1200" dirty="0" smtClean="0"/>
+              <a:t>и </a:t>
+            </a:r>
+            <a:r>
+              <a:rPr lang="ru-RU" sz="1200" dirty="0" smtClean="0"/>
+              <a:t>«Прага». </a:t>
+            </a:r>
+            <a:endParaRPr lang="ru-RU" sz="1200" dirty="0" smtClean="0"/>
+          </a:p>
+          <a:p>
+            <a:r>
+              <a:rPr lang="ru-RU" sz="1200" dirty="0" smtClean="0"/>
+              <a:t>Наличие этих </a:t>
+            </a:r>
+            <a:r>
+              <a:rPr lang="ru-RU" sz="1200" dirty="0" smtClean="0"/>
+              <a:t>значений в ключах </a:t>
+            </a:r>
+            <a:r>
+              <a:rPr lang="en-US" sz="1200" b="1" dirty="0"/>
+              <a:t>"</a:t>
+            </a:r>
+            <a:r>
+              <a:rPr lang="en-US" sz="1200" b="1" dirty="0" err="1"/>
+              <a:t>sFromName</a:t>
+            </a:r>
+            <a:r>
+              <a:rPr lang="en-US" sz="1200" b="1" dirty="0" smtClean="0"/>
+              <a:t>":</a:t>
+            </a:r>
+            <a:r>
+              <a:rPr lang="ru-RU" sz="1200" b="1" dirty="0" smtClean="0"/>
+              <a:t> </a:t>
+            </a:r>
+            <a:r>
+              <a:rPr lang="ru-RU" sz="1200" dirty="0" smtClean="0"/>
+              <a:t>и </a:t>
+            </a:r>
+            <a:r>
+              <a:rPr lang="en-US" sz="1200" b="1" dirty="0"/>
+              <a:t>"</a:t>
+            </a:r>
+            <a:r>
+              <a:rPr lang="en-US" sz="1200" b="1" dirty="0" err="1" smtClean="0"/>
+              <a:t>sToName</a:t>
+            </a:r>
+            <a:r>
+              <a:rPr lang="en-US" sz="1200" b="1" dirty="0" smtClean="0"/>
+              <a:t>": </a:t>
+            </a:r>
+            <a:r>
+              <a:rPr lang="ru-RU" sz="1200" dirty="0" smtClean="0"/>
+              <a:t>свидетельствует </a:t>
+            </a:r>
+            <a:r>
+              <a:rPr lang="ru-RU" sz="1200" dirty="0" smtClean="0"/>
+              <a:t>о правильности ответа на запрос</a:t>
+            </a:r>
+            <a:r>
+              <a:rPr lang="ru-RU" sz="1400" dirty="0" smtClean="0"/>
+              <a:t>.</a:t>
+            </a:r>
+            <a:endParaRPr lang="en-US" sz="1400" dirty="0" smtClean="0"/>
+          </a:p>
+          <a:p>
+            <a:endParaRPr lang="en-US" sz="1400" dirty="0"/>
+          </a:p>
+          <a:p>
+            <a:endParaRPr lang="ru-RU" sz="1400" dirty="0" smtClean="0"/>
+          </a:p>
+          <a:p>
+            <a:endParaRPr lang="en-US" sz="1400" dirty="0"/>
+          </a:p>
+        </p:txBody>
+      </p:sp>
+      <p:sp>
+        <p:nvSpPr>
+          <p:cNvPr id="12" name="Овал 11"/>
+          <p:cNvSpPr/>
+          <p:nvPr/>
+        </p:nvSpPr>
+        <p:spPr>
+          <a:xfrm>
+            <a:off x="2290813" y="6254818"/>
+            <a:ext cx="2531443" cy="232610"/>
+          </a:xfrm>
+          <a:prstGeom prst="ellipse">
+            <a:avLst/>
+          </a:prstGeom>
+          <a:noFill/>
+          <a:ln>
+            <a:solidFill>
+              <a:srgbClr val="FF0000"/>
+            </a:solidFill>
+          </a:ln>
+        </p:spPr>
+        <p:style>
+          <a:lnRef idx="2">
+            <a:schemeClr val="accent1">
+              <a:shade val="50000"/>
+            </a:schemeClr>
+          </a:lnRef>
+          <a:fillRef idx="1">
+            <a:schemeClr val="accent1"/>
+          </a:fillRef>
+          <a:effectRef idx="0">
+            <a:schemeClr val="accent1"/>
+          </a:effectRef>
+          <a:fontRef idx="minor">
+            <a:schemeClr val="lt1"/>
+          </a:fontRef>
+        </p:style>
+        <p:txBody>
+          <a:bodyPr rtlCol="0" anchor="ctr"/>
+          <a:lstStyle/>
+          <a:p>
+            <a:pPr algn="ctr"/>
+            <a:endParaRPr lang="en-US"/>
+          </a:p>
+        </p:txBody>
+      </p:sp>
+      <p:sp>
+        <p:nvSpPr>
+          <p:cNvPr id="13" name="Овал 12"/>
+          <p:cNvSpPr/>
+          <p:nvPr/>
+        </p:nvSpPr>
+        <p:spPr>
+          <a:xfrm>
+            <a:off x="3657422" y="4108114"/>
+            <a:ext cx="699169" cy="231273"/>
+          </a:xfrm>
+          <a:prstGeom prst="ellipse">
+            <a:avLst/>
+          </a:prstGeom>
+          <a:noFill/>
+          <a:ln>
+            <a:solidFill>
+              <a:srgbClr val="FF0000"/>
+            </a:solidFill>
+          </a:ln>
+        </p:spPr>
+        <p:style>
+          <a:lnRef idx="2">
+            <a:schemeClr val="accent1">
+              <a:shade val="50000"/>
+            </a:schemeClr>
+          </a:lnRef>
+          <a:fillRef idx="1">
+            <a:schemeClr val="accent1"/>
+          </a:fillRef>
+          <a:effectRef idx="0">
+            <a:schemeClr val="accent1"/>
+          </a:effectRef>
+          <a:fontRef idx="minor">
+            <a:schemeClr val="lt1"/>
+          </a:fontRef>
+        </p:style>
+        <p:txBody>
+          <a:bodyPr rtlCol="0" anchor="ctr"/>
+          <a:lstStyle/>
+          <a:p>
+            <a:pPr algn="ctr"/>
+            <a:endParaRPr lang="en-US"/>
+          </a:p>
+        </p:txBody>
+      </p:sp>
+      <p:sp>
+        <p:nvSpPr>
+          <p:cNvPr id="15" name="Овал 14"/>
+          <p:cNvSpPr/>
+          <p:nvPr/>
+        </p:nvSpPr>
+        <p:spPr>
+          <a:xfrm>
+            <a:off x="3093717" y="2445530"/>
+            <a:ext cx="746763" cy="268794"/>
+          </a:xfrm>
+          <a:prstGeom prst="ellipse">
+            <a:avLst/>
+          </a:prstGeom>
+          <a:noFill/>
+          <a:ln>
+            <a:solidFill>
+              <a:srgbClr val="FF0000"/>
+            </a:solidFill>
+          </a:ln>
+        </p:spPr>
+        <p:style>
+          <a:lnRef idx="2">
+            <a:schemeClr val="accent1">
+              <a:shade val="50000"/>
+            </a:schemeClr>
+          </a:lnRef>
+          <a:fillRef idx="1">
+            <a:schemeClr val="accent1"/>
+          </a:fillRef>
+          <a:effectRef idx="0">
+            <a:schemeClr val="accent1"/>
+          </a:effectRef>
+          <a:fontRef idx="minor">
+            <a:schemeClr val="lt1"/>
+          </a:fontRef>
+        </p:style>
+        <p:txBody>
+          <a:bodyPr rtlCol="0" anchor="ctr"/>
+          <a:lstStyle/>
+          <a:p>
+            <a:pPr algn="ctr"/>
+            <a:endParaRPr lang="en-US"/>
+          </a:p>
+        </p:txBody>
+      </p:sp>
+      <p:sp>
+        <p:nvSpPr>
+          <p:cNvPr id="16" name="Прямоугольник с двумя скругленными противолежащими углами 15"/>
+          <p:cNvSpPr/>
+          <p:nvPr/>
+        </p:nvSpPr>
+        <p:spPr>
+          <a:xfrm>
+            <a:off x="5111014" y="953258"/>
+            <a:ext cx="3402710" cy="2300081"/>
+          </a:xfrm>
+          <a:prstGeom prst="round2DiagRect">
+            <a:avLst/>
+          </a:prstGeom>
+          <a:noFill/>
+          <a:ln w="57150">
+            <a:solidFill>
+              <a:srgbClr val="FF0000"/>
+            </a:solidFill>
+          </a:ln>
+          <a:effectLst>
+            <a:outerShdw blurRad="149987" dist="250190" dir="8460000" algn="ctr">
+              <a:srgbClr val="000000">
+                <a:alpha val="28000"/>
+              </a:srgbClr>
+            </a:outerShdw>
+          </a:effectLst>
+          <a:scene3d>
+            <a:camera prst="orthographicFront">
+              <a:rot lat="0" lon="0" rev="0"/>
+            </a:camera>
+            <a:lightRig rig="contrasting" dir="t">
+              <a:rot lat="0" lon="0" rev="1500000"/>
+            </a:lightRig>
+          </a:scene3d>
+          <a:sp3d prstMaterial="metal">
+            <a:bevelT w="88900" h="88900"/>
+          </a:sp3d>
+        </p:spPr>
+        <p:style>
+          <a:lnRef idx="2">
+            <a:schemeClr val="accent1">
+              <a:shade val="50000"/>
+            </a:schemeClr>
+          </a:lnRef>
+          <a:fillRef idx="1">
+            <a:schemeClr val="accent1"/>
+          </a:fillRef>
+          <a:effectRef idx="0">
+            <a:schemeClr val="accent1"/>
+          </a:effectRef>
+          <a:fontRef idx="minor">
+            <a:schemeClr val="lt1"/>
+          </a:fontRef>
+        </p:style>
+        <p:txBody>
+          <a:bodyPr rtlCol="0" anchor="ctr"/>
+          <a:lstStyle/>
+          <a:p>
+            <a:endParaRPr lang="en-US" sz="1400" dirty="0"/>
+          </a:p>
+        </p:txBody>
+      </p:sp>
+      <p:sp>
+        <p:nvSpPr>
+          <p:cNvPr id="17" name="Прямоугольник 16"/>
+          <p:cNvSpPr/>
+          <p:nvPr/>
+        </p:nvSpPr>
+        <p:spPr>
+          <a:xfrm>
+            <a:off x="5255394" y="1166082"/>
+            <a:ext cx="2742308" cy="1200329"/>
+          </a:xfrm>
+          <a:prstGeom prst="rect">
+            <a:avLst/>
+          </a:prstGeom>
+        </p:spPr>
+        <p:txBody>
+          <a:bodyPr wrap="square">
+            <a:spAutoFit/>
+          </a:bodyPr>
+          <a:lstStyle/>
+          <a:p>
+            <a:r>
+              <a:rPr lang="ru-RU" sz="1200" dirty="0"/>
+              <a:t>Запрос с данными в браузере </a:t>
+            </a:r>
+            <a:r>
+              <a:rPr lang="en-US" sz="1200" dirty="0"/>
+              <a:t>Google Chrome</a:t>
+            </a:r>
+            <a:r>
+              <a:rPr lang="ru-RU" sz="1200" dirty="0"/>
+              <a:t>.</a:t>
+            </a:r>
+            <a:r>
+              <a:rPr lang="cs-CZ" sz="1200" dirty="0"/>
+              <a:t> </a:t>
+            </a:r>
+            <a:endParaRPr lang="ru-RU" sz="1200" dirty="0" smtClean="0"/>
+          </a:p>
+          <a:p>
+            <a:r>
+              <a:rPr lang="ru-RU" sz="1200" dirty="0" smtClean="0"/>
+              <a:t>Запущен по ссылке ниже кнопки поиска «</a:t>
+            </a:r>
+            <a:r>
+              <a:rPr lang="en-US" sz="1200" dirty="0" err="1" smtClean="0"/>
+              <a:t>Hledat</a:t>
+            </a:r>
+            <a:r>
+              <a:rPr lang="ru-RU" sz="1200" dirty="0" smtClean="0"/>
+              <a:t>»</a:t>
+            </a:r>
+          </a:p>
+          <a:p>
+            <a:r>
+              <a:rPr lang="ru-RU" sz="1200" dirty="0" smtClean="0"/>
+              <a:t>Для запроса скопирована ссылка именем</a:t>
+            </a:r>
+            <a:r>
+              <a:rPr lang="en-US" sz="1200" dirty="0" smtClean="0"/>
+              <a:t>/Name: </a:t>
+            </a:r>
+            <a:r>
+              <a:rPr lang="en-US" sz="1200" b="1" dirty="0" err="1" smtClean="0"/>
+              <a:t>vysledky</a:t>
+            </a:r>
+            <a:r>
+              <a:rPr lang="cs-CZ" sz="1200" b="1" dirty="0" smtClean="0"/>
+              <a:t>/</a:t>
+            </a:r>
+            <a:endParaRPr lang="ru-RU" sz="1200" b="1" dirty="0"/>
+          </a:p>
+        </p:txBody>
+      </p:sp>
+      <p:pic>
+        <p:nvPicPr>
+          <p:cNvPr id="18" name="Рисунок 17"/>
+          <p:cNvPicPr>
+            <a:picLocks noChangeAspect="1"/>
+          </p:cNvPicPr>
+          <p:nvPr/>
+        </p:nvPicPr>
+        <p:blipFill>
+          <a:blip r:embed="rId4"/>
+          <a:stretch>
+            <a:fillRect/>
+          </a:stretch>
+        </p:blipFill>
+        <p:spPr>
+          <a:xfrm>
+            <a:off x="5361273" y="2390029"/>
+            <a:ext cx="1953928" cy="767057"/>
+          </a:xfrm>
+          <a:prstGeom prst="rect">
+            <a:avLst/>
+          </a:prstGeom>
+        </p:spPr>
+      </p:pic>
+      <p:sp>
+        <p:nvSpPr>
+          <p:cNvPr id="14" name="Овал 13"/>
+          <p:cNvSpPr/>
+          <p:nvPr/>
+        </p:nvSpPr>
+        <p:spPr>
+          <a:xfrm>
+            <a:off x="5347630" y="2374945"/>
+            <a:ext cx="699169" cy="231273"/>
+          </a:xfrm>
+          <a:prstGeom prst="ellipse">
+            <a:avLst/>
+          </a:prstGeom>
+          <a:noFill/>
+          <a:ln>
+            <a:solidFill>
+              <a:srgbClr val="FF0000"/>
+            </a:solidFill>
+          </a:ln>
+        </p:spPr>
+        <p:style>
+          <a:lnRef idx="2">
+            <a:schemeClr val="accent1">
+              <a:shade val="50000"/>
+            </a:schemeClr>
+          </a:lnRef>
+          <a:fillRef idx="1">
+            <a:schemeClr val="accent1"/>
+          </a:fillRef>
+          <a:effectRef idx="0">
+            <a:schemeClr val="accent1"/>
+          </a:effectRef>
+          <a:fontRef idx="minor">
+            <a:schemeClr val="lt1"/>
+          </a:fontRef>
+        </p:style>
+        <p:txBody>
+          <a:bodyPr rtlCol="0" anchor="ctr"/>
+          <a:lstStyle/>
+          <a:p>
+            <a:pPr algn="ctr"/>
+            <a:endParaRPr lang="en-US"/>
+          </a:p>
+        </p:txBody>
+      </p:sp>
+      <p:pic>
+        <p:nvPicPr>
+          <p:cNvPr id="19" name="Рисунок 18"/>
+          <p:cNvPicPr>
+            <a:picLocks noChangeAspect="1"/>
+          </p:cNvPicPr>
+          <p:nvPr/>
+        </p:nvPicPr>
+        <p:blipFill>
+          <a:blip r:embed="rId5"/>
+          <a:stretch>
+            <a:fillRect/>
+          </a:stretch>
+        </p:blipFill>
+        <p:spPr>
+          <a:xfrm>
+            <a:off x="6583681" y="5821109"/>
+            <a:ext cx="2234784" cy="666317"/>
+          </a:xfrm>
+          <a:prstGeom prst="rect">
+            <a:avLst/>
+          </a:prstGeom>
+        </p:spPr>
+      </p:pic>
+    </p:spTree>
+    <p:extLst>
+      <p:ext uri="{BB962C8B-B14F-4D97-AF65-F5344CB8AC3E}">
+        <p14:creationId xmlns:p14="http://schemas.microsoft.com/office/powerpoint/2010/main" val="2727340140"/>
+      </p:ext>
+    </p:extLst>
+  </p:cSld>
+  <p:clrMapOvr>
+    <a:masterClrMapping/>
+  </p:clrMapOvr>
+</p:sld>
+</file>
+
+<file path=ppt/slides/slide18.xml><?xml version="1.0" encoding="utf-8"?>
+<p:sld xmlns:a="http://schemas.openxmlformats.org/drawingml/2006/main" xmlns:r="http://schemas.openxmlformats.org/officeDocument/2006/relationships" xmlns:p="http://schemas.openxmlformats.org/presentationml/2006/main">
+  <p:cSld>
+    <p:spTree>
+      <p:nvGrpSpPr>
+        <p:cNvPr id="1" name=""/>
+        <p:cNvGrpSpPr/>
+        <p:nvPr/>
+      </p:nvGrpSpPr>
+      <p:grpSpPr>
+        <a:xfrm>
+          <a:off x="0" y="0"/>
+          <a:ext cx="0" cy="0"/>
+          <a:chOff x="0" y="0"/>
+          <a:chExt cx="0" cy="0"/>
+        </a:xfrm>
+      </p:grpSpPr>
+      <p:sp>
+        <p:nvSpPr>
+          <p:cNvPr id="2" name="Заголовок 1"/>
+          <p:cNvSpPr>
+            <a:spLocks noGrp="1"/>
+          </p:cNvSpPr>
+          <p:nvPr>
+            <p:ph type="title"/>
+          </p:nvPr>
+        </p:nvSpPr>
+        <p:spPr>
+          <a:xfrm>
+            <a:off x="0" y="178290"/>
+            <a:ext cx="7526956" cy="666214"/>
+          </a:xfrm>
+          <a:solidFill>
+            <a:schemeClr val="bg1"/>
+          </a:solidFill>
+        </p:spPr>
+        <p:txBody>
+          <a:bodyPr>
+            <a:noAutofit/>
+          </a:bodyPr>
+          <a:lstStyle/>
+          <a:p>
+            <a:r>
+              <a:rPr lang="ru-RU" sz="2000" dirty="0" smtClean="0"/>
+              <a:t>Тест </a:t>
+            </a:r>
+            <a:r>
+              <a:rPr lang="ru-RU" sz="2000" dirty="0" smtClean="0"/>
+              <a:t>4.</a:t>
+            </a:r>
+            <a:r>
+              <a:rPr lang="en-US" sz="2000" dirty="0" smtClean="0"/>
+              <a:t>2</a:t>
+            </a:r>
+            <a:r>
+              <a:rPr lang="ru-RU" sz="2000" dirty="0" smtClean="0"/>
+              <a:t>. </a:t>
+            </a:r>
+            <a:r>
+              <a:rPr lang="ru-RU" sz="2000" dirty="0" smtClean="0"/>
+              <a:t>Корректность </a:t>
+            </a:r>
+            <a:r>
+              <a:rPr lang="ru-RU" sz="2000" dirty="0"/>
+              <a:t>ответа на </a:t>
+            </a:r>
+            <a:r>
+              <a:rPr lang="ru-RU" sz="2000" dirty="0" smtClean="0"/>
+              <a:t>запросы</a:t>
+            </a:r>
+            <a:r>
+              <a:rPr lang="en-US" sz="2000" dirty="0"/>
+              <a:t>,</a:t>
+            </a:r>
+            <a:r>
+              <a:rPr lang="ru-RU" sz="2000" dirty="0" smtClean="0"/>
+              <a:t> </a:t>
+            </a:r>
+            <a:endParaRPr lang="en-US" sz="2000" dirty="0"/>
+          </a:p>
+        </p:txBody>
+      </p:sp>
+      <p:pic>
+        <p:nvPicPr>
+          <p:cNvPr id="4" name="Объект 3"/>
+          <p:cNvPicPr>
+            <a:picLocks noGrp="1" noChangeAspect="1"/>
+          </p:cNvPicPr>
+          <p:nvPr>
+            <p:ph idx="1"/>
+          </p:nvPr>
+        </p:nvPicPr>
+        <p:blipFill>
+          <a:blip r:embed="rId3" cstate="print">
+            <a:extLst>
+              <a:ext uri="{28A0092B-C50C-407E-A947-70E740481C1C}">
+                <a14:useLocalDpi xmlns:a14="http://schemas.microsoft.com/office/drawing/2010/main" val="0"/>
+              </a:ext>
+            </a:extLst>
+          </a:blip>
+          <a:stretch>
+            <a:fillRect/>
+          </a:stretch>
+        </p:blipFill>
+        <p:spPr>
+          <a:xfrm>
+            <a:off x="7941733" y="179363"/>
+            <a:ext cx="651197" cy="651197"/>
+          </a:xfrm>
+          <a:prstGeom prst="roundRect">
+            <a:avLst>
+              <a:gd name="adj" fmla="val 8594"/>
+            </a:avLst>
+          </a:prstGeom>
+          <a:solidFill>
+            <a:srgbClr val="FFFFFF">
+              <a:shade val="85000"/>
+            </a:srgbClr>
+          </a:solidFill>
+          <a:ln>
+            <a:noFill/>
+          </a:ln>
+          <a:effectLst>
+            <a:reflection blurRad="12700" stA="38000" endPos="28000" dist="5000" dir="5400000" sy="-100000" algn="bl" rotWithShape="0"/>
+          </a:effectLst>
+        </p:spPr>
+      </p:pic>
+      <p:sp>
+        <p:nvSpPr>
+          <p:cNvPr id="5" name="Овал 4"/>
+          <p:cNvSpPr/>
+          <p:nvPr/>
+        </p:nvSpPr>
+        <p:spPr>
+          <a:xfrm>
+            <a:off x="3647975" y="4452751"/>
+            <a:ext cx="699169" cy="231273"/>
+          </a:xfrm>
+          <a:prstGeom prst="ellipse">
+            <a:avLst/>
+          </a:prstGeom>
+          <a:noFill/>
+          <a:ln>
+            <a:solidFill>
+              <a:srgbClr val="FF0000"/>
+            </a:solidFill>
+          </a:ln>
+        </p:spPr>
+        <p:style>
+          <a:lnRef idx="2">
+            <a:schemeClr val="accent1">
+              <a:shade val="50000"/>
+            </a:schemeClr>
+          </a:lnRef>
+          <a:fillRef idx="1">
+            <a:schemeClr val="accent1"/>
+          </a:fillRef>
+          <a:effectRef idx="0">
+            <a:schemeClr val="accent1"/>
+          </a:effectRef>
+          <a:fontRef idx="minor">
+            <a:schemeClr val="lt1"/>
+          </a:fontRef>
+        </p:style>
+        <p:txBody>
+          <a:bodyPr rtlCol="0" anchor="ctr"/>
+          <a:lstStyle/>
+          <a:p>
+            <a:pPr algn="ctr"/>
+            <a:endParaRPr lang="en-US"/>
+          </a:p>
+        </p:txBody>
+      </p:sp>
+      <p:sp>
+        <p:nvSpPr>
+          <p:cNvPr id="10" name="Прямоугольник с двумя скругленными противолежащими углами 9"/>
+          <p:cNvSpPr/>
+          <p:nvPr/>
+        </p:nvSpPr>
+        <p:spPr>
+          <a:xfrm>
+            <a:off x="6468177" y="3426593"/>
+            <a:ext cx="2502569" cy="3301466"/>
+          </a:xfrm>
+          <a:prstGeom prst="round2DiagRect">
+            <a:avLst/>
+          </a:prstGeom>
+          <a:noFill/>
+          <a:ln w="57150">
+            <a:solidFill>
+              <a:srgbClr val="FF0000"/>
+            </a:solidFill>
+          </a:ln>
+          <a:effectLst>
+            <a:outerShdw blurRad="149987" dist="250190" dir="8460000" algn="ctr">
+              <a:srgbClr val="000000">
+                <a:alpha val="28000"/>
+              </a:srgbClr>
+            </a:outerShdw>
+          </a:effectLst>
+          <a:scene3d>
+            <a:camera prst="orthographicFront">
+              <a:rot lat="0" lon="0" rev="0"/>
+            </a:camera>
+            <a:lightRig rig="contrasting" dir="t">
+              <a:rot lat="0" lon="0" rev="1500000"/>
+            </a:lightRig>
+          </a:scene3d>
+          <a:sp3d prstMaterial="metal">
+            <a:bevelT w="88900" h="88900"/>
+          </a:sp3d>
+        </p:spPr>
+        <p:style>
+          <a:lnRef idx="2">
+            <a:schemeClr val="accent1">
+              <a:shade val="50000"/>
+            </a:schemeClr>
+          </a:lnRef>
+          <a:fillRef idx="1">
+            <a:schemeClr val="accent1"/>
+          </a:fillRef>
+          <a:effectRef idx="0">
+            <a:schemeClr val="accent1"/>
+          </a:effectRef>
+          <a:fontRef idx="minor">
+            <a:schemeClr val="lt1"/>
+          </a:fontRef>
+        </p:style>
+        <p:txBody>
+          <a:bodyPr rtlCol="0" anchor="ctr"/>
+          <a:lstStyle/>
+          <a:p>
+            <a:r>
+              <a:rPr lang="ru-RU" sz="1200" dirty="0" smtClean="0"/>
+              <a:t>Для проверки ответа на запрос, во вкладке </a:t>
+            </a:r>
+            <a:r>
+              <a:rPr lang="en-US" sz="1200" dirty="0" smtClean="0"/>
+              <a:t>Body</a:t>
+            </a:r>
+            <a:r>
+              <a:rPr lang="ru-RU" sz="1200" dirty="0" smtClean="0"/>
+              <a:t>, раздел </a:t>
+            </a:r>
+            <a:r>
+              <a:rPr lang="en-US" sz="1200" dirty="0" smtClean="0"/>
+              <a:t>Pretty,</a:t>
+            </a:r>
+            <a:r>
+              <a:rPr lang="ru-RU" sz="1200" dirty="0" smtClean="0"/>
+              <a:t> был выбран формат</a:t>
+            </a:r>
+            <a:r>
+              <a:rPr lang="en-US" sz="1200" dirty="0" err="1" smtClean="0"/>
+              <a:t>Json</a:t>
+            </a:r>
+            <a:r>
+              <a:rPr lang="ru-RU" sz="1200" dirty="0" smtClean="0"/>
+              <a:t>.</a:t>
+            </a:r>
+          </a:p>
+          <a:p>
+            <a:r>
+              <a:rPr lang="ru-RU" sz="1200" dirty="0" smtClean="0"/>
+              <a:t>Через окно поиска найдены данные «</a:t>
+            </a:r>
+            <a:r>
+              <a:rPr lang="ru-RU" sz="1200" dirty="0" err="1" smtClean="0"/>
+              <a:t>Плзен</a:t>
+            </a:r>
+            <a:r>
+              <a:rPr lang="ru-RU" sz="1200" dirty="0" smtClean="0"/>
+              <a:t>» </a:t>
+            </a:r>
+            <a:r>
+              <a:rPr lang="ru-RU" sz="1200" dirty="0" smtClean="0"/>
+              <a:t>и </a:t>
+            </a:r>
+            <a:r>
+              <a:rPr lang="ru-RU" sz="1200" dirty="0" smtClean="0"/>
+              <a:t>«Прага». </a:t>
+            </a:r>
+            <a:endParaRPr lang="ru-RU" sz="1200" dirty="0" smtClean="0"/>
+          </a:p>
+          <a:p>
+            <a:r>
+              <a:rPr lang="ru-RU" sz="1200" dirty="0" smtClean="0"/>
+              <a:t>Наличие этих </a:t>
+            </a:r>
+            <a:r>
+              <a:rPr lang="ru-RU" sz="1200" dirty="0" smtClean="0"/>
+              <a:t>значений в ключах </a:t>
+            </a:r>
+            <a:r>
+              <a:rPr lang="en-US" sz="1200" b="1" dirty="0"/>
+              <a:t>"</a:t>
+            </a:r>
+            <a:r>
+              <a:rPr lang="en-US" sz="1200" b="1" dirty="0" err="1"/>
+              <a:t>sFromName</a:t>
+            </a:r>
+            <a:r>
+              <a:rPr lang="en-US" sz="1200" b="1" dirty="0" smtClean="0"/>
+              <a:t>":</a:t>
+            </a:r>
+            <a:r>
+              <a:rPr lang="ru-RU" sz="1200" b="1" dirty="0" smtClean="0"/>
+              <a:t> </a:t>
+            </a:r>
+            <a:r>
+              <a:rPr lang="ru-RU" sz="1200" dirty="0" smtClean="0"/>
+              <a:t>и </a:t>
+            </a:r>
+            <a:r>
+              <a:rPr lang="en-US" sz="1200" b="1" dirty="0"/>
+              <a:t>"</a:t>
+            </a:r>
+            <a:r>
+              <a:rPr lang="en-US" sz="1200" b="1" dirty="0" err="1" smtClean="0"/>
+              <a:t>sToName</a:t>
+            </a:r>
+            <a:r>
+              <a:rPr lang="en-US" sz="1200" b="1" dirty="0" smtClean="0"/>
+              <a:t>": </a:t>
+            </a:r>
+            <a:r>
+              <a:rPr lang="ru-RU" sz="1200" dirty="0" smtClean="0"/>
+              <a:t>свидетельствует </a:t>
+            </a:r>
+            <a:r>
+              <a:rPr lang="ru-RU" sz="1200" dirty="0" smtClean="0"/>
+              <a:t>о правильности ответа на запрос</a:t>
+            </a:r>
+            <a:r>
+              <a:rPr lang="ru-RU" sz="1400" dirty="0" smtClean="0"/>
+              <a:t>.</a:t>
+            </a:r>
+            <a:endParaRPr lang="en-US" sz="1400" dirty="0" smtClean="0"/>
+          </a:p>
+          <a:p>
+            <a:endParaRPr lang="en-US" sz="1400" dirty="0"/>
+          </a:p>
+          <a:p>
+            <a:endParaRPr lang="ru-RU" sz="1400" dirty="0" smtClean="0"/>
+          </a:p>
+          <a:p>
+            <a:endParaRPr lang="en-US" sz="1400" dirty="0"/>
+          </a:p>
+        </p:txBody>
+      </p:sp>
+      <p:sp>
+        <p:nvSpPr>
+          <p:cNvPr id="12" name="Овал 11"/>
+          <p:cNvSpPr/>
+          <p:nvPr/>
+        </p:nvSpPr>
+        <p:spPr>
+          <a:xfrm>
+            <a:off x="2290813" y="6254818"/>
+            <a:ext cx="2531443" cy="232610"/>
+          </a:xfrm>
+          <a:prstGeom prst="ellipse">
+            <a:avLst/>
+          </a:prstGeom>
+          <a:noFill/>
+          <a:ln>
+            <a:solidFill>
+              <a:srgbClr val="FF0000"/>
+            </a:solidFill>
+          </a:ln>
+        </p:spPr>
+        <p:style>
+          <a:lnRef idx="2">
+            <a:schemeClr val="accent1">
+              <a:shade val="50000"/>
+            </a:schemeClr>
+          </a:lnRef>
+          <a:fillRef idx="1">
+            <a:schemeClr val="accent1"/>
+          </a:fillRef>
+          <a:effectRef idx="0">
+            <a:schemeClr val="accent1"/>
+          </a:effectRef>
+          <a:fontRef idx="minor">
+            <a:schemeClr val="lt1"/>
+          </a:fontRef>
+        </p:style>
+        <p:txBody>
+          <a:bodyPr rtlCol="0" anchor="ctr"/>
+          <a:lstStyle/>
+          <a:p>
+            <a:pPr algn="ctr"/>
+            <a:endParaRPr lang="en-US"/>
+          </a:p>
+        </p:txBody>
+      </p:sp>
+      <p:sp>
+        <p:nvSpPr>
+          <p:cNvPr id="13" name="Овал 12"/>
+          <p:cNvSpPr/>
+          <p:nvPr/>
+        </p:nvSpPr>
+        <p:spPr>
+          <a:xfrm>
+            <a:off x="3657422" y="4108114"/>
+            <a:ext cx="699169" cy="231273"/>
+          </a:xfrm>
+          <a:prstGeom prst="ellipse">
+            <a:avLst/>
+          </a:prstGeom>
+          <a:noFill/>
+          <a:ln>
+            <a:solidFill>
+              <a:srgbClr val="FF0000"/>
+            </a:solidFill>
+          </a:ln>
+        </p:spPr>
+        <p:style>
+          <a:lnRef idx="2">
+            <a:schemeClr val="accent1">
+              <a:shade val="50000"/>
+            </a:schemeClr>
+          </a:lnRef>
+          <a:fillRef idx="1">
+            <a:schemeClr val="accent1"/>
+          </a:fillRef>
+          <a:effectRef idx="0">
+            <a:schemeClr val="accent1"/>
+          </a:effectRef>
+          <a:fontRef idx="minor">
+            <a:schemeClr val="lt1"/>
+          </a:fontRef>
+        </p:style>
+        <p:txBody>
+          <a:bodyPr rtlCol="0" anchor="ctr"/>
+          <a:lstStyle/>
+          <a:p>
+            <a:pPr algn="ctr"/>
+            <a:endParaRPr lang="en-US"/>
+          </a:p>
+        </p:txBody>
+      </p:sp>
+      <p:sp>
+        <p:nvSpPr>
+          <p:cNvPr id="15" name="Овал 14"/>
+          <p:cNvSpPr/>
+          <p:nvPr/>
+        </p:nvSpPr>
+        <p:spPr>
+          <a:xfrm>
+            <a:off x="3093717" y="2445530"/>
+            <a:ext cx="746763" cy="268794"/>
+          </a:xfrm>
+          <a:prstGeom prst="ellipse">
+            <a:avLst/>
+          </a:prstGeom>
+          <a:noFill/>
+          <a:ln>
+            <a:solidFill>
+              <a:srgbClr val="FF0000"/>
+            </a:solidFill>
+          </a:ln>
+        </p:spPr>
+        <p:style>
+          <a:lnRef idx="2">
+            <a:schemeClr val="accent1">
+              <a:shade val="50000"/>
+            </a:schemeClr>
+          </a:lnRef>
+          <a:fillRef idx="1">
+            <a:schemeClr val="accent1"/>
+          </a:fillRef>
+          <a:effectRef idx="0">
+            <a:schemeClr val="accent1"/>
+          </a:effectRef>
+          <a:fontRef idx="minor">
+            <a:schemeClr val="lt1"/>
+          </a:fontRef>
+        </p:style>
+        <p:txBody>
+          <a:bodyPr rtlCol="0" anchor="ctr"/>
+          <a:lstStyle/>
+          <a:p>
+            <a:pPr algn="ctr"/>
+            <a:endParaRPr lang="en-US"/>
+          </a:p>
+        </p:txBody>
+      </p:sp>
+      <p:sp>
+        <p:nvSpPr>
+          <p:cNvPr id="16" name="Прямоугольник с двумя скругленными противолежащими углами 15"/>
+          <p:cNvSpPr/>
+          <p:nvPr/>
+        </p:nvSpPr>
+        <p:spPr>
+          <a:xfrm>
+            <a:off x="5111014" y="953258"/>
+            <a:ext cx="3402710" cy="2300081"/>
+          </a:xfrm>
+          <a:prstGeom prst="round2DiagRect">
+            <a:avLst/>
+          </a:prstGeom>
+          <a:noFill/>
+          <a:ln w="57150">
+            <a:solidFill>
+              <a:srgbClr val="FF0000"/>
+            </a:solidFill>
+          </a:ln>
+          <a:effectLst>
+            <a:outerShdw blurRad="149987" dist="250190" dir="8460000" algn="ctr">
+              <a:srgbClr val="000000">
+                <a:alpha val="28000"/>
+              </a:srgbClr>
+            </a:outerShdw>
+          </a:effectLst>
+          <a:scene3d>
+            <a:camera prst="orthographicFront">
+              <a:rot lat="0" lon="0" rev="0"/>
+            </a:camera>
+            <a:lightRig rig="contrasting" dir="t">
+              <a:rot lat="0" lon="0" rev="1500000"/>
+            </a:lightRig>
+          </a:scene3d>
+          <a:sp3d prstMaterial="metal">
+            <a:bevelT w="88900" h="88900"/>
+          </a:sp3d>
+        </p:spPr>
+        <p:style>
+          <a:lnRef idx="2">
+            <a:schemeClr val="accent1">
+              <a:shade val="50000"/>
+            </a:schemeClr>
+          </a:lnRef>
+          <a:fillRef idx="1">
+            <a:schemeClr val="accent1"/>
+          </a:fillRef>
+          <a:effectRef idx="0">
+            <a:schemeClr val="accent1"/>
+          </a:effectRef>
+          <a:fontRef idx="minor">
+            <a:schemeClr val="lt1"/>
+          </a:fontRef>
+        </p:style>
+        <p:txBody>
+          <a:bodyPr rtlCol="0" anchor="ctr"/>
+          <a:lstStyle/>
+          <a:p>
+            <a:endParaRPr lang="en-US" sz="1400" dirty="0"/>
+          </a:p>
+        </p:txBody>
+      </p:sp>
+      <p:sp>
+        <p:nvSpPr>
+          <p:cNvPr id="17" name="Прямоугольник 16"/>
+          <p:cNvSpPr/>
+          <p:nvPr/>
+        </p:nvSpPr>
+        <p:spPr>
+          <a:xfrm>
+            <a:off x="5255394" y="1166082"/>
+            <a:ext cx="2742308" cy="1200329"/>
+          </a:xfrm>
+          <a:prstGeom prst="rect">
+            <a:avLst/>
+          </a:prstGeom>
+        </p:spPr>
+        <p:txBody>
+          <a:bodyPr wrap="square">
+            <a:spAutoFit/>
+          </a:bodyPr>
+          <a:lstStyle/>
+          <a:p>
+            <a:r>
+              <a:rPr lang="ru-RU" sz="1200" dirty="0"/>
+              <a:t>Запрос с данными в браузере </a:t>
+            </a:r>
+            <a:r>
+              <a:rPr lang="en-US" sz="1200" dirty="0"/>
+              <a:t>Google Chrome</a:t>
+            </a:r>
+            <a:r>
+              <a:rPr lang="ru-RU" sz="1200" dirty="0"/>
+              <a:t>.</a:t>
+            </a:r>
+            <a:r>
+              <a:rPr lang="cs-CZ" sz="1200" dirty="0"/>
+              <a:t> </a:t>
+            </a:r>
+            <a:endParaRPr lang="ru-RU" sz="1200" dirty="0" smtClean="0"/>
+          </a:p>
+          <a:p>
+            <a:r>
+              <a:rPr lang="ru-RU" sz="1200" dirty="0" smtClean="0"/>
+              <a:t>Запущен по ссылке ниже кнопки поиска «</a:t>
+            </a:r>
+            <a:r>
+              <a:rPr lang="en-US" sz="1200" dirty="0" err="1" smtClean="0"/>
+              <a:t>Hledat</a:t>
+            </a:r>
+            <a:r>
+              <a:rPr lang="ru-RU" sz="1200" dirty="0" smtClean="0"/>
+              <a:t>»</a:t>
+            </a:r>
+          </a:p>
+          <a:p>
+            <a:r>
+              <a:rPr lang="ru-RU" sz="1200" dirty="0" smtClean="0"/>
+              <a:t>Для запроса скопирована ссылка именем</a:t>
+            </a:r>
+            <a:r>
+              <a:rPr lang="en-US" sz="1200" dirty="0" smtClean="0"/>
+              <a:t>/Name: </a:t>
+            </a:r>
+            <a:r>
+              <a:rPr lang="en-US" sz="1200" b="1" dirty="0" err="1" smtClean="0"/>
+              <a:t>vysledky</a:t>
+            </a:r>
+            <a:r>
+              <a:rPr lang="cs-CZ" sz="1200" b="1" dirty="0" smtClean="0"/>
+              <a:t>/</a:t>
+            </a:r>
+            <a:endParaRPr lang="ru-RU" sz="1200" b="1" dirty="0"/>
+          </a:p>
+        </p:txBody>
+      </p:sp>
+      <p:pic>
+        <p:nvPicPr>
+          <p:cNvPr id="18" name="Рисунок 17"/>
+          <p:cNvPicPr>
+            <a:picLocks noChangeAspect="1"/>
+          </p:cNvPicPr>
+          <p:nvPr/>
+        </p:nvPicPr>
+        <p:blipFill>
+          <a:blip r:embed="rId4"/>
+          <a:stretch>
+            <a:fillRect/>
+          </a:stretch>
+        </p:blipFill>
+        <p:spPr>
+          <a:xfrm>
+            <a:off x="5361273" y="2390029"/>
+            <a:ext cx="1953928" cy="767057"/>
+          </a:xfrm>
+          <a:prstGeom prst="rect">
+            <a:avLst/>
+          </a:prstGeom>
+        </p:spPr>
+      </p:pic>
+      <p:sp>
+        <p:nvSpPr>
+          <p:cNvPr id="14" name="Овал 13"/>
+          <p:cNvSpPr/>
+          <p:nvPr/>
+        </p:nvSpPr>
+        <p:spPr>
+          <a:xfrm>
+            <a:off x="5347630" y="2374945"/>
+            <a:ext cx="699169" cy="231273"/>
+          </a:xfrm>
+          <a:prstGeom prst="ellipse">
+            <a:avLst/>
+          </a:prstGeom>
+          <a:noFill/>
+          <a:ln>
+            <a:solidFill>
+              <a:srgbClr val="FF0000"/>
+            </a:solidFill>
+          </a:ln>
+        </p:spPr>
+        <p:style>
+          <a:lnRef idx="2">
+            <a:schemeClr val="accent1">
+              <a:shade val="50000"/>
+            </a:schemeClr>
+          </a:lnRef>
+          <a:fillRef idx="1">
+            <a:schemeClr val="accent1"/>
+          </a:fillRef>
+          <a:effectRef idx="0">
+            <a:schemeClr val="accent1"/>
+          </a:effectRef>
+          <a:fontRef idx="minor">
+            <a:schemeClr val="lt1"/>
+          </a:fontRef>
+        </p:style>
+        <p:txBody>
+          <a:bodyPr rtlCol="0" anchor="ctr"/>
+          <a:lstStyle/>
+          <a:p>
+            <a:pPr algn="ctr"/>
+            <a:endParaRPr lang="en-US"/>
+          </a:p>
+        </p:txBody>
+      </p:sp>
+      <p:pic>
+        <p:nvPicPr>
+          <p:cNvPr id="19" name="Рисунок 18"/>
+          <p:cNvPicPr>
+            <a:picLocks noChangeAspect="1"/>
+          </p:cNvPicPr>
+          <p:nvPr/>
+        </p:nvPicPr>
+        <p:blipFill>
+          <a:blip r:embed="rId5"/>
+          <a:stretch>
+            <a:fillRect/>
+          </a:stretch>
+        </p:blipFill>
+        <p:spPr>
+          <a:xfrm>
+            <a:off x="6583681" y="5821109"/>
+            <a:ext cx="2234784" cy="666317"/>
+          </a:xfrm>
+          <a:prstGeom prst="rect">
+            <a:avLst/>
+          </a:prstGeom>
+        </p:spPr>
+      </p:pic>
+    </p:spTree>
+    <p:extLst>
+      <p:ext uri="{BB962C8B-B14F-4D97-AF65-F5344CB8AC3E}">
+        <p14:creationId xmlns:p14="http://schemas.microsoft.com/office/powerpoint/2010/main" val="3404959440"/>
       </p:ext>
     </p:extLst>
   </p:cSld>
